--- a/reference_content/Slides/spatial.pptx
+++ b/reference_content/Slides/spatial.pptx
@@ -8,25 +8,29 @@
     <p:sldId id="276" r:id="rId2"/>
     <p:sldId id="278" r:id="rId3"/>
     <p:sldId id="279" r:id="rId4"/>
-    <p:sldId id="284" r:id="rId5"/>
-    <p:sldId id="283" r:id="rId6"/>
-    <p:sldId id="285" r:id="rId7"/>
-    <p:sldId id="286" r:id="rId8"/>
-    <p:sldId id="280" r:id="rId9"/>
-    <p:sldId id="281" r:id="rId10"/>
-    <p:sldId id="282" r:id="rId11"/>
-    <p:sldId id="256" r:id="rId12"/>
-    <p:sldId id="257" r:id="rId13"/>
-    <p:sldId id="259" r:id="rId14"/>
-    <p:sldId id="261" r:id="rId15"/>
-    <p:sldId id="273" r:id="rId16"/>
-    <p:sldId id="262" r:id="rId17"/>
-    <p:sldId id="263" r:id="rId18"/>
-    <p:sldId id="266" r:id="rId19"/>
-    <p:sldId id="265" r:id="rId20"/>
-    <p:sldId id="277" r:id="rId21"/>
-    <p:sldId id="287" r:id="rId22"/>
-    <p:sldId id="288" r:id="rId23"/>
+    <p:sldId id="290" r:id="rId5"/>
+    <p:sldId id="284" r:id="rId6"/>
+    <p:sldId id="283" r:id="rId7"/>
+    <p:sldId id="285" r:id="rId8"/>
+    <p:sldId id="286" r:id="rId9"/>
+    <p:sldId id="289" r:id="rId10"/>
+    <p:sldId id="292" r:id="rId11"/>
+    <p:sldId id="291" r:id="rId12"/>
+    <p:sldId id="280" r:id="rId13"/>
+    <p:sldId id="281" r:id="rId14"/>
+    <p:sldId id="282" r:id="rId15"/>
+    <p:sldId id="256" r:id="rId16"/>
+    <p:sldId id="257" r:id="rId17"/>
+    <p:sldId id="259" r:id="rId18"/>
+    <p:sldId id="261" r:id="rId19"/>
+    <p:sldId id="273" r:id="rId20"/>
+    <p:sldId id="262" r:id="rId21"/>
+    <p:sldId id="263" r:id="rId22"/>
+    <p:sldId id="266" r:id="rId23"/>
+    <p:sldId id="265" r:id="rId24"/>
+    <p:sldId id="277" r:id="rId25"/>
+    <p:sldId id="287" r:id="rId26"/>
+    <p:sldId id="288" r:id="rId27"/>
   </p:sldIdLst>
   <p:sldSz cx="12192000" cy="6858000"/>
   <p:notesSz cx="6858000" cy="9144000"/>
@@ -3700,7 +3704,64 @@
           <a:bodyPr/>
           <a:lstStyle/>
           <a:p>
-            <a:endParaRPr lang="en-US" dirty="0"/>
+            <a:r>
+              <a:rPr lang="en-US" dirty="0"/>
+              <a:t>There’s a test next time! Guide online. Ask away if there are questions. </a:t>
+            </a:r>
+          </a:p>
+          <a:p>
+            <a:r>
+              <a:rPr lang="en-US" dirty="0"/>
+              <a:t>Today:</a:t>
+            </a:r>
+          </a:p>
+          <a:p>
+            <a:pPr lvl="1"/>
+            <a:r>
+              <a:rPr lang="en-US" dirty="0"/>
+              <a:t>Review of text processing basics. </a:t>
+            </a:r>
+          </a:p>
+          <a:p>
+            <a:pPr lvl="1"/>
+            <a:r>
+              <a:rPr lang="en-US" dirty="0"/>
+              <a:t>Spatial data – </a:t>
+            </a:r>
+            <a:r>
+              <a:rPr lang="en-US" dirty="0" err="1"/>
+              <a:t>geopandas</a:t>
+            </a:r>
+            <a:r>
+              <a:rPr lang="en-US" dirty="0"/>
+              <a:t>, spatial data for predictions. Easy and simple. </a:t>
+            </a:r>
+          </a:p>
+          <a:p>
+            <a:r>
+              <a:rPr lang="en-US" dirty="0"/>
+              <a:t>Next week:</a:t>
+            </a:r>
+          </a:p>
+          <a:p>
+            <a:pPr lvl="1"/>
+            <a:r>
+              <a:rPr lang="en-US" dirty="0"/>
+              <a:t>Time series models – if there’s anything from your project stuff, we can look at that. </a:t>
+            </a:r>
+          </a:p>
+          <a:p>
+            <a:pPr lvl="1"/>
+            <a:r>
+              <a:rPr lang="en-US" dirty="0"/>
+              <a:t>Boosting – ensemble models part 2 and modern non-NN models. </a:t>
+            </a:r>
+          </a:p>
+          <a:p>
+            <a:r>
+              <a:rPr lang="en-US" dirty="0"/>
+              <a:t>Then… neural networks!!!!!!!</a:t>
+            </a:r>
           </a:p>
         </p:txBody>
       </p:sp>
@@ -3739,7 +3800,7 @@
           <p:cNvPr id="2" name="Title 1">
             <a:extLst>
               <a:ext uri="{FF2B5EF4-FFF2-40B4-BE49-F238E27FC236}">
-                <a16:creationId xmlns:a16="http://schemas.microsoft.com/office/drawing/2014/main" id="{7E932E71-1D87-620C-18B8-F780DB0F47BF}"/>
+                <a16:creationId xmlns:a16="http://schemas.microsoft.com/office/drawing/2014/main" id="{CCC249AE-D3A9-3967-1346-36C2E658836C}"/>
               </a:ext>
             </a:extLst>
           </p:cNvPr>
@@ -3755,10 +3816,7 @@
           <a:bodyPr/>
           <a:lstStyle/>
           <a:p>
-            <a:r>
-              <a:rPr lang="en-US" dirty="0"/>
-              <a:t>Tools along the Way</a:t>
-            </a:r>
+            <a:endParaRPr lang="en-US"/>
           </a:p>
         </p:txBody>
       </p:sp>
@@ -3767,7 +3825,7 @@
           <p:cNvPr id="3" name="Content Placeholder 2">
             <a:extLst>
               <a:ext uri="{FF2B5EF4-FFF2-40B4-BE49-F238E27FC236}">
-                <a16:creationId xmlns:a16="http://schemas.microsoft.com/office/drawing/2014/main" id="{CDCFD149-51D8-6D3A-D323-6EC99B8571A1}"/>
+                <a16:creationId xmlns:a16="http://schemas.microsoft.com/office/drawing/2014/main" id="{5EBCC506-8759-543D-5FBC-D3A6578B77A7}"/>
               </a:ext>
             </a:extLst>
           </p:cNvPr>
@@ -3778,95 +3836,66 @@
             <p:ph idx="1"/>
           </p:nvPr>
         </p:nvSpPr>
-        <p:spPr>
-          <a:xfrm>
-            <a:off x="1451579" y="1853754"/>
-            <a:ext cx="9603275" cy="4199727"/>
-          </a:xfrm>
-        </p:spPr>
+        <p:spPr/>
         <p:txBody>
           <a:bodyPr/>
           <a:lstStyle/>
           <a:p>
-            <a:r>
-              <a:rPr lang="en-US" dirty="0" err="1"/>
-              <a:t>Gridsearch</a:t>
-            </a:r>
-            <a:r>
-              <a:rPr lang="en-US" dirty="0"/>
-              <a:t>, or smarter </a:t>
-            </a:r>
-            <a:r>
-              <a:rPr lang="en-US" dirty="0" err="1"/>
-              <a:t>gridsearch</a:t>
-            </a:r>
-            <a:r>
-              <a:rPr lang="en-US" dirty="0"/>
-              <a:t> alternatives, may help narrow down search space. </a:t>
-            </a:r>
-          </a:p>
-          <a:p>
-            <a:pPr lvl="1"/>
-            <a:r>
-              <a:rPr lang="en-US" dirty="0"/>
-              <a:t>Adapting the custom transformers in the example may also help, if you want to automate swapping more options. </a:t>
-            </a:r>
-          </a:p>
-          <a:p>
-            <a:pPr lvl="1"/>
-            <a:r>
-              <a:rPr lang="en-US" dirty="0"/>
-              <a:t>If processing takes forever, a sample may help, or other </a:t>
-            </a:r>
-            <a:r>
-              <a:rPr lang="en-US" dirty="0" err="1"/>
-              <a:t>dataframe</a:t>
-            </a:r>
-            <a:r>
-              <a:rPr lang="en-US" dirty="0"/>
-              <a:t> libraries. </a:t>
-            </a:r>
-          </a:p>
-          <a:p>
-            <a:pPr lvl="1"/>
-            <a:r>
-              <a:rPr lang="en-US" dirty="0"/>
-              <a:t>Also, consider trying some of the other HP options for the models. </a:t>
-            </a:r>
-          </a:p>
-          <a:p>
-            <a:r>
-              <a:rPr lang="en-US" dirty="0"/>
-              <a:t>Different models may give very different performance, particularly since there may be very non-linear relationships in the underlying data. </a:t>
-            </a:r>
-          </a:p>
-          <a:p>
-            <a:r>
-              <a:rPr lang="en-US" dirty="0"/>
-              <a:t>Plotting embedding data reduced down to 2D with PCA (or </a:t>
-            </a:r>
-            <a:r>
-              <a:rPr lang="en-US" dirty="0" err="1"/>
-              <a:t>tsne</a:t>
-            </a:r>
-            <a:r>
-              <a:rPr lang="en-US" dirty="0"/>
-              <a:t>) is common. </a:t>
-            </a:r>
-          </a:p>
-          <a:p>
-            <a:pPr lvl="1"/>
-            <a:r>
-              <a:rPr lang="en-US" dirty="0"/>
-              <a:t>May or may not be actually useful, but it is a fun demonstration. </a:t>
-            </a:r>
-          </a:p>
-        </p:txBody>
-      </p:sp>
+            <a:endParaRPr lang="en-US"/>
+          </a:p>
+        </p:txBody>
+      </p:sp>
+      <p:pic>
+        <p:nvPicPr>
+          <p:cNvPr id="10242" name="Picture 2" descr="On word embeddings - Part 1">
+            <a:extLst>
+              <a:ext uri="{FF2B5EF4-FFF2-40B4-BE49-F238E27FC236}">
+                <a16:creationId xmlns:a16="http://schemas.microsoft.com/office/drawing/2014/main" id="{4E91689A-210A-D55C-49F7-EED0E4925452}"/>
+              </a:ext>
+            </a:extLst>
+          </p:cNvPr>
+          <p:cNvPicPr>
+            <a:picLocks noChangeAspect="1" noChangeArrowheads="1"/>
+          </p:cNvPicPr>
+          <p:nvPr/>
+        </p:nvPicPr>
+        <p:blipFill>
+          <a:blip r:embed="rId2">
+            <a:extLst>
+              <a:ext uri="{28A0092B-C50C-407E-A947-70E740481C1C}">
+                <a14:useLocalDpi xmlns:a14="http://schemas.microsoft.com/office/drawing/2010/main" val="0"/>
+              </a:ext>
+            </a:extLst>
+          </a:blip>
+          <a:srcRect/>
+          <a:stretch>
+            <a:fillRect/>
+          </a:stretch>
+        </p:blipFill>
+        <p:spPr bwMode="auto">
+          <a:xfrm>
+            <a:off x="1908175" y="0"/>
+            <a:ext cx="8375650" cy="6858000"/>
+          </a:xfrm>
+          <a:prstGeom prst="rect">
+            <a:avLst/>
+          </a:prstGeom>
+          <a:noFill/>
+          <a:extLst>
+            <a:ext uri="{909E8E84-426E-40DD-AFC4-6F175D3DCCD1}">
+              <a14:hiddenFill xmlns:a14="http://schemas.microsoft.com/office/drawing/2010/main">
+                <a:solidFill>
+                  <a:srgbClr val="FFFFFF"/>
+                </a:solidFill>
+              </a14:hiddenFill>
+            </a:ext>
+          </a:extLst>
+        </p:spPr>
+      </p:pic>
     </p:spTree>
     <p:extLst>
       <p:ext uri="{BB962C8B-B14F-4D97-AF65-F5344CB8AC3E}">
-        <p14:creationId xmlns:p14="http://schemas.microsoft.com/office/powerpoint/2010/main" val="1025601547"/>
+        <p14:creationId xmlns:p14="http://schemas.microsoft.com/office/powerpoint/2010/main" val="1827579887"/>
       </p:ext>
     </p:extLst>
   </p:cSld>
@@ -3877,225 +3906,6 @@
 </file>
 
 <file path=ppt/slides/slide11.xml><?xml version="1.0" encoding="utf-8"?>
-<p:sld xmlns:a="http://schemas.openxmlformats.org/drawingml/2006/main" xmlns:r="http://schemas.openxmlformats.org/officeDocument/2006/relationships" xmlns:p="http://schemas.openxmlformats.org/presentationml/2006/main">
-  <p:cSld>
-    <p:spTree>
-      <p:nvGrpSpPr>
-        <p:cNvPr id="1" name=""/>
-        <p:cNvGrpSpPr/>
-        <p:nvPr/>
-      </p:nvGrpSpPr>
-      <p:grpSpPr>
-        <a:xfrm>
-          <a:off x="0" y="0"/>
-          <a:ext cx="0" cy="0"/>
-          <a:chOff x="0" y="0"/>
-          <a:chExt cx="0" cy="0"/>
-        </a:xfrm>
-      </p:grpSpPr>
-      <p:sp>
-        <p:nvSpPr>
-          <p:cNvPr id="2" name="Title 1">
-            <a:extLst>
-              <a:ext uri="{FF2B5EF4-FFF2-40B4-BE49-F238E27FC236}">
-                <a16:creationId xmlns:a16="http://schemas.microsoft.com/office/drawing/2014/main" id="{17D29EE3-FBDD-3098-976F-2DFEBA21245E}"/>
-              </a:ext>
-            </a:extLst>
-          </p:cNvPr>
-          <p:cNvSpPr>
-            <a:spLocks noGrp="1"/>
-          </p:cNvSpPr>
-          <p:nvPr>
-            <p:ph type="ctrTitle"/>
-          </p:nvPr>
-        </p:nvSpPr>
-        <p:spPr/>
-        <p:txBody>
-          <a:bodyPr/>
-          <a:lstStyle/>
-          <a:p>
-            <a:r>
-              <a:rPr lang="en-US" dirty="0"/>
-              <a:t>Spatial Data</a:t>
-            </a:r>
-          </a:p>
-        </p:txBody>
-      </p:sp>
-      <p:sp>
-        <p:nvSpPr>
-          <p:cNvPr id="3" name="Subtitle 2">
-            <a:extLst>
-              <a:ext uri="{FF2B5EF4-FFF2-40B4-BE49-F238E27FC236}">
-                <a16:creationId xmlns:a16="http://schemas.microsoft.com/office/drawing/2014/main" id="{FE6B59C9-457D-4BC3-E6E2-764CEC272EFF}"/>
-              </a:ext>
-            </a:extLst>
-          </p:cNvPr>
-          <p:cNvSpPr>
-            <a:spLocks noGrp="1"/>
-          </p:cNvSpPr>
-          <p:nvPr>
-            <p:ph type="subTitle" idx="1"/>
-          </p:nvPr>
-        </p:nvSpPr>
-        <p:spPr/>
-        <p:txBody>
-          <a:bodyPr/>
-          <a:lstStyle/>
-          <a:p>
-            <a:endParaRPr lang="en-US"/>
-          </a:p>
-        </p:txBody>
-      </p:sp>
-    </p:spTree>
-    <p:extLst>
-      <p:ext uri="{BB962C8B-B14F-4D97-AF65-F5344CB8AC3E}">
-        <p14:creationId xmlns:p14="http://schemas.microsoft.com/office/powerpoint/2010/main" val="1040830714"/>
-      </p:ext>
-    </p:extLst>
-  </p:cSld>
-  <p:clrMapOvr>
-    <a:masterClrMapping/>
-  </p:clrMapOvr>
-</p:sld>
-</file>
-
-<file path=ppt/slides/slide12.xml><?xml version="1.0" encoding="utf-8"?>
-<p:sld xmlns:a="http://schemas.openxmlformats.org/drawingml/2006/main" xmlns:r="http://schemas.openxmlformats.org/officeDocument/2006/relationships" xmlns:p="http://schemas.openxmlformats.org/presentationml/2006/main">
-  <p:cSld>
-    <p:spTree>
-      <p:nvGrpSpPr>
-        <p:cNvPr id="1" name=""/>
-        <p:cNvGrpSpPr/>
-        <p:nvPr/>
-      </p:nvGrpSpPr>
-      <p:grpSpPr>
-        <a:xfrm>
-          <a:off x="0" y="0"/>
-          <a:ext cx="0" cy="0"/>
-          <a:chOff x="0" y="0"/>
-          <a:chExt cx="0" cy="0"/>
-        </a:xfrm>
-      </p:grpSpPr>
-      <p:sp>
-        <p:nvSpPr>
-          <p:cNvPr id="2" name="Title 1">
-            <a:extLst>
-              <a:ext uri="{FF2B5EF4-FFF2-40B4-BE49-F238E27FC236}">
-                <a16:creationId xmlns:a16="http://schemas.microsoft.com/office/drawing/2014/main" id="{14754060-0773-9224-1FD9-CEBDB96621B1}"/>
-              </a:ext>
-            </a:extLst>
-          </p:cNvPr>
-          <p:cNvSpPr>
-            <a:spLocks noGrp="1"/>
-          </p:cNvSpPr>
-          <p:nvPr>
-            <p:ph type="title"/>
-          </p:nvPr>
-        </p:nvSpPr>
-        <p:spPr/>
-        <p:txBody>
-          <a:bodyPr/>
-          <a:lstStyle/>
-          <a:p>
-            <a:r>
-              <a:rPr lang="en-US" dirty="0"/>
-              <a:t>Mapping Stuff</a:t>
-            </a:r>
-          </a:p>
-        </p:txBody>
-      </p:sp>
-      <p:sp>
-        <p:nvSpPr>
-          <p:cNvPr id="3" name="Content Placeholder 2">
-            <a:extLst>
-              <a:ext uri="{FF2B5EF4-FFF2-40B4-BE49-F238E27FC236}">
-                <a16:creationId xmlns:a16="http://schemas.microsoft.com/office/drawing/2014/main" id="{DC93CDD6-BA4D-B450-F138-4A30035EB998}"/>
-              </a:ext>
-            </a:extLst>
-          </p:cNvPr>
-          <p:cNvSpPr>
-            <a:spLocks noGrp="1"/>
-          </p:cNvSpPr>
-          <p:nvPr>
-            <p:ph idx="1"/>
-          </p:nvPr>
-        </p:nvSpPr>
-        <p:spPr>
-          <a:xfrm>
-            <a:off x="1451579" y="2015732"/>
-            <a:ext cx="9603275" cy="4037749"/>
-          </a:xfrm>
-        </p:spPr>
-        <p:txBody>
-          <a:bodyPr/>
-          <a:lstStyle/>
-          <a:p>
-            <a:r>
-              <a:rPr lang="en-US" dirty="0"/>
-              <a:t>Some data has a spatial component. </a:t>
-            </a:r>
-          </a:p>
-          <a:p>
-            <a:pPr lvl="1"/>
-            <a:r>
-              <a:rPr lang="en-US" dirty="0"/>
-              <a:t>I.e. location or area data that we could map. </a:t>
-            </a:r>
-          </a:p>
-          <a:p>
-            <a:pPr lvl="1"/>
-            <a:r>
-              <a:rPr lang="en-US" dirty="0"/>
-              <a:t>‘Region’ data – city, state, country, province. </a:t>
-            </a:r>
-          </a:p>
-          <a:p>
-            <a:pPr lvl="1"/>
-            <a:r>
-              <a:rPr lang="en-US" dirty="0"/>
-              <a:t>‘Point’ data – specific latitude and longitude. </a:t>
-            </a:r>
-          </a:p>
-          <a:p>
-            <a:r>
-              <a:rPr lang="en-US" dirty="0"/>
-              <a:t>We can use this data like any other data, with some special features. </a:t>
-            </a:r>
-          </a:p>
-          <a:p>
-            <a:pPr lvl="1"/>
-            <a:r>
-              <a:rPr lang="en-US" dirty="0"/>
-              <a:t>We can use libraries to take advantage of what we know about spatial data. </a:t>
-            </a:r>
-          </a:p>
-          <a:p>
-            <a:pPr lvl="1"/>
-            <a:r>
-              <a:rPr lang="en-US" dirty="0"/>
-              <a:t>Area, distance, intersection…</a:t>
-            </a:r>
-          </a:p>
-          <a:p>
-            <a:pPr lvl="1"/>
-            <a:endParaRPr lang="en-US" dirty="0"/>
-          </a:p>
-        </p:txBody>
-      </p:sp>
-    </p:spTree>
-    <p:extLst>
-      <p:ext uri="{BB962C8B-B14F-4D97-AF65-F5344CB8AC3E}">
-        <p14:creationId xmlns:p14="http://schemas.microsoft.com/office/powerpoint/2010/main" val="451332665"/>
-      </p:ext>
-    </p:extLst>
-  </p:cSld>
-  <p:clrMapOvr>
-    <a:masterClrMapping/>
-  </p:clrMapOvr>
-</p:sld>
-</file>
-
-<file path=ppt/slides/slide13.xml><?xml version="1.0" encoding="utf-8"?>
 <p:sld xmlns:a="http://schemas.openxmlformats.org/drawingml/2006/main" xmlns:r="http://schemas.openxmlformats.org/officeDocument/2006/relationships" xmlns:p="http://schemas.openxmlformats.org/presentationml/2006/main">
   <p:cSld>
     <p:bg>
@@ -4141,7 +3951,7 @@
           <p:cNvPr id="2" name="Title 1">
             <a:extLst>
               <a:ext uri="{FF2B5EF4-FFF2-40B4-BE49-F238E27FC236}">
-                <a16:creationId xmlns:a16="http://schemas.microsoft.com/office/drawing/2014/main" id="{6EA3BB97-62D5-398A-77A0-4679973F360E}"/>
+                <a16:creationId xmlns:a16="http://schemas.microsoft.com/office/drawing/2014/main" id="{020AECF3-6B6F-5743-6E10-424EC83113F2}"/>
               </a:ext>
             </a:extLst>
           </p:cNvPr>
@@ -4166,7 +3976,7 @@
           <a:p>
             <a:r>
               <a:rPr lang="en-US" dirty="0"/>
-              <a:t>Spatial Data</a:t>
+              <a:t>Word2Vec Embedding Space</a:t>
             </a:r>
           </a:p>
         </p:txBody>
@@ -4176,7 +3986,7 @@
           <p:cNvPr id="3" name="Content Placeholder 2">
             <a:extLst>
               <a:ext uri="{FF2B5EF4-FFF2-40B4-BE49-F238E27FC236}">
-                <a16:creationId xmlns:a16="http://schemas.microsoft.com/office/drawing/2014/main" id="{4050B800-C9D1-2F6F-0D89-437FAC34C1A0}"/>
+                <a16:creationId xmlns:a16="http://schemas.microsoft.com/office/drawing/2014/main" id="{7F37E5DB-342A-4A87-B650-3FF25304071C}"/>
               </a:ext>
             </a:extLst>
           </p:cNvPr>
@@ -4189,13 +3999,13 @@
         </p:nvSpPr>
         <p:spPr>
           <a:xfrm>
-            <a:off x="205098" y="2015734"/>
-            <a:ext cx="7691215" cy="4037747"/>
+            <a:off x="0" y="1919416"/>
+            <a:ext cx="5951703" cy="4134065"/>
           </a:xfrm>
         </p:spPr>
         <p:txBody>
           <a:bodyPr>
-            <a:normAutofit lnSpcReduction="10000"/>
+            <a:normAutofit/>
           </a:bodyPr>
           <a:lstStyle/>
           <a:p>
@@ -4205,8 +4015,19 @@
               </a:lnSpc>
             </a:pPr>
             <a:r>
-              <a:rPr lang="en-US" sz="1800" dirty="0"/>
-              <a:t>Spatial data is basically data about geography, or the stuff on a map. </a:t>
+              <a:rPr lang="en-US" dirty="0"/>
+              <a:t>The space in which tokens are placed are determined through the model’s training. </a:t>
+            </a:r>
+          </a:p>
+          <a:p>
+            <a:pPr lvl="1">
+              <a:lnSpc>
+                <a:spcPct val="110000"/>
+              </a:lnSpc>
+            </a:pPr>
+            <a:r>
+              <a:rPr lang="en-US" dirty="0"/>
+              <a:t>~ the dimensions that define meaning. </a:t>
             </a:r>
           </a:p>
           <a:p>
@@ -4216,8 +4037,8 @@
               </a:lnSpc>
             </a:pPr>
             <a:r>
-              <a:rPr lang="en-US" sz="1800" dirty="0"/>
-              <a:t>Spatial files. </a:t>
+              <a:rPr lang="en-US" dirty="0"/>
+              <a:t>We can supply our own corpus, or use external: </a:t>
             </a:r>
           </a:p>
           <a:p>
@@ -4227,8 +4048,8 @@
               </a:lnSpc>
             </a:pPr>
             <a:r>
-              <a:rPr lang="en-US" dirty="0"/>
-              <a:t>Define the boundaries of some area (e.g. neighborhood). </a:t>
+              <a:rPr lang="en-US" sz="2000" dirty="0"/>
+              <a:t>Own – the ‘meaning’ of tokens will match their use in our text. Need more data. Better with specialized language. </a:t>
             </a:r>
           </a:p>
           <a:p>
@@ -4238,70 +4059,18 @@
               </a:lnSpc>
             </a:pPr>
             <a:r>
-              <a:rPr lang="en-US" dirty="0"/>
-              <a:t>E.g. the spatial file for Edmonton neighborhoods defines the “outline” of each neighborhood. </a:t>
-            </a:r>
-          </a:p>
-          <a:p>
-            <a:pPr>
-              <a:lnSpc>
-                <a:spcPct val="110000"/>
-              </a:lnSpc>
-            </a:pPr>
-            <a:r>
-              <a:rPr lang="en-US" sz="1800" dirty="0"/>
-              <a:t>We need to join with our structured data to do something useful. </a:t>
-            </a:r>
-          </a:p>
-          <a:p>
-            <a:pPr lvl="1">
-              <a:lnSpc>
-                <a:spcPct val="110000"/>
-              </a:lnSpc>
-            </a:pPr>
-            <a:r>
-              <a:rPr lang="en-US" dirty="0"/>
-              <a:t>The structured data has some attribute denoting an area (e.g. neighborhood). </a:t>
-            </a:r>
-          </a:p>
-          <a:p>
-            <a:pPr lvl="1">
-              <a:lnSpc>
-                <a:spcPct val="110000"/>
-              </a:lnSpc>
-            </a:pPr>
-            <a:r>
-              <a:rPr lang="en-US" dirty="0"/>
-              <a:t>The spatial file has two (important) columns – that attribute and the “geometry”</a:t>
-            </a:r>
-          </a:p>
-          <a:p>
-            <a:pPr lvl="1">
-              <a:lnSpc>
-                <a:spcPct val="110000"/>
-              </a:lnSpc>
-            </a:pPr>
-            <a:r>
-              <a:rPr lang="en-US" dirty="0"/>
-              <a:t>The geometry defines an outline of each area, in latitude and longitude </a:t>
-            </a:r>
-            <a:r>
-              <a:rPr lang="en-US" dirty="0" err="1"/>
-              <a:t>coordiantes</a:t>
-            </a:r>
-            <a:r>
-              <a:rPr lang="en-US" dirty="0"/>
-              <a:t>. </a:t>
+              <a:rPr lang="en-US" sz="2000" dirty="0"/>
+              <a:t>Other – the meaning of tokens will be determined from pre-established “embedding space”. Built with lots of data. Better if words mean what they mean in this corpus. </a:t>
             </a:r>
           </a:p>
         </p:txBody>
       </p:sp>
       <p:pic>
         <p:nvPicPr>
-          <p:cNvPr id="2050" name="Picture 2" descr="Vector and Raster: A Tale of Two Spatial Data Types - Velocity Business  Solutions Limited">
+          <p:cNvPr id="9218" name="Picture 2" descr="Text Classification With NLP: Tf-Idf vs Word2Vec vs BERT | Experfy.com">
             <a:extLst>
               <a:ext uri="{FF2B5EF4-FFF2-40B4-BE49-F238E27FC236}">
-                <a16:creationId xmlns:a16="http://schemas.microsoft.com/office/drawing/2014/main" id="{3D3D827C-2660-630E-3349-7DCF51D0DD7B}"/>
+                <a16:creationId xmlns:a16="http://schemas.microsoft.com/office/drawing/2014/main" id="{8CB1BD6E-DE6F-5BFE-9C19-05F12B2FC29B}"/>
               </a:ext>
             </a:extLst>
           </p:cNvPr>
@@ -4324,8 +4093,8 @@
         </p:blipFill>
         <p:spPr bwMode="auto">
           <a:xfrm>
-            <a:off x="8009018" y="2015734"/>
-            <a:ext cx="3866232" cy="3450613"/>
+            <a:off x="5951703" y="2511097"/>
+            <a:ext cx="6240297" cy="3047019"/>
           </a:xfrm>
           <a:prstGeom prst="rect">
             <a:avLst/>
@@ -4345,7 +4114,329 @@
     </p:spTree>
     <p:extLst>
       <p:ext uri="{BB962C8B-B14F-4D97-AF65-F5344CB8AC3E}">
-        <p14:creationId xmlns:p14="http://schemas.microsoft.com/office/powerpoint/2010/main" val="3659340196"/>
+        <p14:creationId xmlns:p14="http://schemas.microsoft.com/office/powerpoint/2010/main" val="1059114686"/>
+      </p:ext>
+    </p:extLst>
+  </p:cSld>
+  <p:clrMapOvr>
+    <a:masterClrMapping/>
+  </p:clrMapOvr>
+</p:sld>
+</file>
+
+<file path=ppt/slides/slide12.xml><?xml version="1.0" encoding="utf-8"?>
+<p:sld xmlns:a="http://schemas.openxmlformats.org/drawingml/2006/main" xmlns:r="http://schemas.openxmlformats.org/officeDocument/2006/relationships" xmlns:p="http://schemas.openxmlformats.org/presentationml/2006/main" show="0">
+  <p:cSld>
+    <p:spTree>
+      <p:nvGrpSpPr>
+        <p:cNvPr id="1" name=""/>
+        <p:cNvGrpSpPr/>
+        <p:nvPr/>
+      </p:nvGrpSpPr>
+      <p:grpSpPr>
+        <a:xfrm>
+          <a:off x="0" y="0"/>
+          <a:ext cx="0" cy="0"/>
+          <a:chOff x="0" y="0"/>
+          <a:chExt cx="0" cy="0"/>
+        </a:xfrm>
+      </p:grpSpPr>
+      <p:sp>
+        <p:nvSpPr>
+          <p:cNvPr id="2" name="Title 1">
+            <a:extLst>
+              <a:ext uri="{FF2B5EF4-FFF2-40B4-BE49-F238E27FC236}">
+                <a16:creationId xmlns:a16="http://schemas.microsoft.com/office/drawing/2014/main" id="{039704E1-9AF3-2EA5-DD1D-2F4D422DC7E1}"/>
+              </a:ext>
+            </a:extLst>
+          </p:cNvPr>
+          <p:cNvSpPr>
+            <a:spLocks noGrp="1"/>
+          </p:cNvSpPr>
+          <p:nvPr>
+            <p:ph type="title"/>
+          </p:nvPr>
+        </p:nvSpPr>
+        <p:spPr/>
+        <p:txBody>
+          <a:bodyPr/>
+          <a:lstStyle/>
+          <a:p>
+            <a:r>
+              <a:rPr lang="en-US" dirty="0"/>
+              <a:t>Embedding Based Representations</a:t>
+            </a:r>
+          </a:p>
+        </p:txBody>
+      </p:sp>
+      <p:sp>
+        <p:nvSpPr>
+          <p:cNvPr id="3" name="Content Placeholder 2">
+            <a:extLst>
+              <a:ext uri="{FF2B5EF4-FFF2-40B4-BE49-F238E27FC236}">
+                <a16:creationId xmlns:a16="http://schemas.microsoft.com/office/drawing/2014/main" id="{091D0900-6381-6C87-7B8F-1F276AFA9738}"/>
+              </a:ext>
+            </a:extLst>
+          </p:cNvPr>
+          <p:cNvSpPr>
+            <a:spLocks noGrp="1"/>
+          </p:cNvSpPr>
+          <p:nvPr>
+            <p:ph idx="1"/>
+          </p:nvPr>
+        </p:nvSpPr>
+        <p:spPr>
+          <a:xfrm>
+            <a:off x="840259" y="1853754"/>
+            <a:ext cx="10840995" cy="2012849"/>
+          </a:xfrm>
+        </p:spPr>
+        <p:txBody>
+          <a:bodyPr>
+            <a:normAutofit fontScale="92500" lnSpcReduction="20000"/>
+          </a:bodyPr>
+          <a:lstStyle/>
+          <a:p>
+            <a:r>
+              <a:rPr lang="en-US" dirty="0"/>
+              <a:t>Embedding representations are the most complex of the options. </a:t>
+            </a:r>
+          </a:p>
+          <a:p>
+            <a:r>
+              <a:rPr lang="en-US" dirty="0"/>
+              <a:t>A model learns ‘meaning’ by training on lots of text, and generates an N-dim ‘space’. </a:t>
+            </a:r>
+          </a:p>
+          <a:p>
+            <a:r>
+              <a:rPr lang="en-US" dirty="0"/>
+              <a:t>Word meanings are the N-dim position of each token in space. GPT is </a:t>
+            </a:r>
+            <a:r>
+              <a:rPr lang="en-US" dirty="0" err="1"/>
+              <a:t>apx</a:t>
+            </a:r>
+            <a:r>
+              <a:rPr lang="en-US" dirty="0"/>
+              <a:t> 1500d now (was larger).</a:t>
+            </a:r>
+          </a:p>
+          <a:p>
+            <a:pPr lvl="1"/>
+            <a:r>
+              <a:rPr lang="en-US" dirty="0"/>
+              <a:t>Similar terms are close (thought the number of dimensions makes this harder to picture). </a:t>
+            </a:r>
+          </a:p>
+          <a:p>
+            <a:r>
+              <a:rPr lang="en-US" dirty="0"/>
+              <a:t>We need to condense these scores down to use in our model (MVE function in example). </a:t>
+            </a:r>
+          </a:p>
+        </p:txBody>
+      </p:sp>
+      <p:pic>
+        <p:nvPicPr>
+          <p:cNvPr id="2050" name="Picture 2" descr="A Guide to Word Embedding. What are they? How are they more useful… | by  Shraddha Anala | Towards Data Science">
+            <a:extLst>
+              <a:ext uri="{FF2B5EF4-FFF2-40B4-BE49-F238E27FC236}">
+                <a16:creationId xmlns:a16="http://schemas.microsoft.com/office/drawing/2014/main" id="{F50E5BBC-0081-3D2F-02A8-E8B62A832C80}"/>
+              </a:ext>
+            </a:extLst>
+          </p:cNvPr>
+          <p:cNvPicPr>
+            <a:picLocks noChangeAspect="1" noChangeArrowheads="1"/>
+          </p:cNvPicPr>
+          <p:nvPr/>
+        </p:nvPicPr>
+        <p:blipFill rotWithShape="1">
+          <a:blip r:embed="rId2">
+            <a:extLst>
+              <a:ext uri="{28A0092B-C50C-407E-A947-70E740481C1C}">
+                <a14:useLocalDpi xmlns:a14="http://schemas.microsoft.com/office/drawing/2010/main" val="0"/>
+              </a:ext>
+            </a:extLst>
+          </a:blip>
+          <a:srcRect t="5915" b="6169"/>
+          <a:stretch/>
+        </p:blipFill>
+        <p:spPr bwMode="auto">
+          <a:xfrm>
+            <a:off x="1698171" y="3866604"/>
+            <a:ext cx="8795657" cy="2991396"/>
+          </a:xfrm>
+          <a:prstGeom prst="rect">
+            <a:avLst/>
+          </a:prstGeom>
+          <a:noFill/>
+          <a:extLst>
+            <a:ext uri="{909E8E84-426E-40DD-AFC4-6F175D3DCCD1}">
+              <a14:hiddenFill xmlns:a14="http://schemas.microsoft.com/office/drawing/2010/main">
+                <a:solidFill>
+                  <a:srgbClr val="FFFFFF"/>
+                </a:solidFill>
+              </a14:hiddenFill>
+            </a:ext>
+          </a:extLst>
+        </p:spPr>
+      </p:pic>
+    </p:spTree>
+    <p:extLst>
+      <p:ext uri="{BB962C8B-B14F-4D97-AF65-F5344CB8AC3E}">
+        <p14:creationId xmlns:p14="http://schemas.microsoft.com/office/powerpoint/2010/main" val="868607402"/>
+      </p:ext>
+    </p:extLst>
+  </p:cSld>
+  <p:clrMapOvr>
+    <a:masterClrMapping/>
+  </p:clrMapOvr>
+</p:sld>
+</file>
+
+<file path=ppt/slides/slide13.xml><?xml version="1.0" encoding="utf-8"?>
+<p:sld xmlns:a="http://schemas.openxmlformats.org/drawingml/2006/main" xmlns:r="http://schemas.openxmlformats.org/officeDocument/2006/relationships" xmlns:p="http://schemas.openxmlformats.org/presentationml/2006/main">
+  <p:cSld>
+    <p:spTree>
+      <p:nvGrpSpPr>
+        <p:cNvPr id="1" name=""/>
+        <p:cNvGrpSpPr/>
+        <p:nvPr/>
+      </p:nvGrpSpPr>
+      <p:grpSpPr>
+        <a:xfrm>
+          <a:off x="0" y="0"/>
+          <a:ext cx="0" cy="0"/>
+          <a:chOff x="0" y="0"/>
+          <a:chExt cx="0" cy="0"/>
+        </a:xfrm>
+      </p:grpSpPr>
+      <p:sp>
+        <p:nvSpPr>
+          <p:cNvPr id="2" name="Title 1">
+            <a:extLst>
+              <a:ext uri="{FF2B5EF4-FFF2-40B4-BE49-F238E27FC236}">
+                <a16:creationId xmlns:a16="http://schemas.microsoft.com/office/drawing/2014/main" id="{640DF8E3-8243-22AA-A9D3-639218D3F0AD}"/>
+              </a:ext>
+            </a:extLst>
+          </p:cNvPr>
+          <p:cNvSpPr>
+            <a:spLocks noGrp="1"/>
+          </p:cNvSpPr>
+          <p:nvPr>
+            <p:ph type="title"/>
+          </p:nvPr>
+        </p:nvSpPr>
+        <p:spPr/>
+        <p:txBody>
+          <a:bodyPr/>
+          <a:lstStyle/>
+          <a:p>
+            <a:r>
+              <a:rPr lang="en-US" dirty="0"/>
+              <a:t>In any Case…</a:t>
+            </a:r>
+          </a:p>
+        </p:txBody>
+      </p:sp>
+      <p:sp>
+        <p:nvSpPr>
+          <p:cNvPr id="3" name="Content Placeholder 2">
+            <a:extLst>
+              <a:ext uri="{FF2B5EF4-FFF2-40B4-BE49-F238E27FC236}">
+                <a16:creationId xmlns:a16="http://schemas.microsoft.com/office/drawing/2014/main" id="{A7D5B938-D3D5-E007-26B4-D572ACCC257E}"/>
+              </a:ext>
+            </a:extLst>
+          </p:cNvPr>
+          <p:cNvSpPr>
+            <a:spLocks noGrp="1"/>
+          </p:cNvSpPr>
+          <p:nvPr>
+            <p:ph idx="1"/>
+          </p:nvPr>
+        </p:nvSpPr>
+        <p:spPr>
+          <a:xfrm>
+            <a:off x="1451579" y="1853754"/>
+            <a:ext cx="9603275" cy="4199727"/>
+          </a:xfrm>
+        </p:spPr>
+        <p:txBody>
+          <a:bodyPr/>
+          <a:lstStyle/>
+          <a:p>
+            <a:r>
+              <a:rPr lang="en-US" dirty="0"/>
+              <a:t>The ’representation’ step is where most of the work is with free text. </a:t>
+            </a:r>
+          </a:p>
+          <a:p>
+            <a:r>
+              <a:rPr lang="en-US" dirty="0"/>
+              <a:t>As long as we have a vector representation, we can use that as the X dataset. </a:t>
+            </a:r>
+          </a:p>
+          <a:p>
+            <a:pPr lvl="1"/>
+            <a:r>
+              <a:rPr lang="en-US" dirty="0"/>
+              <a:t>I.e. each feature set (text) is represented by a N-dimension vector (set of </a:t>
+            </a:r>
+            <a:r>
+              <a:rPr lang="en-US" dirty="0" err="1"/>
+              <a:t>nums</a:t>
+            </a:r>
+            <a:r>
+              <a:rPr lang="en-US" dirty="0"/>
+              <a:t>.)</a:t>
+            </a:r>
+          </a:p>
+          <a:p>
+            <a:pPr lvl="1"/>
+            <a:r>
+              <a:rPr lang="en-US" dirty="0"/>
+              <a:t>The target is the value we want to predict from the text. </a:t>
+            </a:r>
+          </a:p>
+          <a:p>
+            <a:r>
+              <a:rPr lang="en-US" dirty="0"/>
+              <a:t>The quality of that representation, for our problem, is key. The vector captures meaning.</a:t>
+            </a:r>
+          </a:p>
+          <a:p>
+            <a:pPr lvl="1"/>
+            <a:r>
+              <a:rPr lang="en-US" dirty="0"/>
+              <a:t>Vectorization choice, number of features/dimensions, and data size. </a:t>
+            </a:r>
+          </a:p>
+          <a:p>
+            <a:pPr lvl="1"/>
+            <a:r>
+              <a:rPr lang="en-US" dirty="0"/>
+              <a:t>Processing stemming, lemmatization, n-gram size, and stop word filters. </a:t>
+            </a:r>
+          </a:p>
+          <a:p>
+            <a:r>
+              <a:rPr lang="en-US" dirty="0"/>
+              <a:t>There isn’t a guarantee that the most sophisticated will be best, especially with small data. </a:t>
+            </a:r>
+          </a:p>
+          <a:p>
+            <a:r>
+              <a:rPr lang="en-US" dirty="0"/>
+              <a:t>Other models (RNN, transformers) can handle text better using the sequence of tokens.</a:t>
+            </a:r>
+          </a:p>
+        </p:txBody>
+      </p:sp>
+    </p:spTree>
+    <p:extLst>
+      <p:ext uri="{BB962C8B-B14F-4D97-AF65-F5344CB8AC3E}">
+        <p14:creationId xmlns:p14="http://schemas.microsoft.com/office/powerpoint/2010/main" val="2469263841"/>
       </p:ext>
     </p:extLst>
   </p:cSld>
@@ -4377,7 +4468,7 @@
           <p:cNvPr id="2" name="Title 1">
             <a:extLst>
               <a:ext uri="{FF2B5EF4-FFF2-40B4-BE49-F238E27FC236}">
-                <a16:creationId xmlns:a16="http://schemas.microsoft.com/office/drawing/2014/main" id="{F499F1B4-47F6-2A6E-CB11-DEF1E64ACF57}"/>
+                <a16:creationId xmlns:a16="http://schemas.microsoft.com/office/drawing/2014/main" id="{7E932E71-1D87-620C-18B8-F780DB0F47BF}"/>
               </a:ext>
             </a:extLst>
           </p:cNvPr>
@@ -4395,7 +4486,7 @@
           <a:p>
             <a:r>
               <a:rPr lang="en-US" dirty="0"/>
-              <a:t>Spatial Functions</a:t>
+              <a:t>Tools along the Way</a:t>
             </a:r>
           </a:p>
         </p:txBody>
@@ -4405,7 +4496,7 @@
           <p:cNvPr id="3" name="Content Placeholder 2">
             <a:extLst>
               <a:ext uri="{FF2B5EF4-FFF2-40B4-BE49-F238E27FC236}">
-                <a16:creationId xmlns:a16="http://schemas.microsoft.com/office/drawing/2014/main" id="{AC0D1182-043D-C032-DEC8-6541CBB14B8A}"/>
+                <a16:creationId xmlns:a16="http://schemas.microsoft.com/office/drawing/2014/main" id="{CDCFD149-51D8-6D3A-D323-6EC99B8571A1}"/>
               </a:ext>
             </a:extLst>
           </p:cNvPr>
@@ -4418,8 +4509,8 @@
         </p:nvSpPr>
         <p:spPr>
           <a:xfrm>
-            <a:off x="1451579" y="2015732"/>
-            <a:ext cx="9603275" cy="3903154"/>
+            <a:off x="1451579" y="1853754"/>
+            <a:ext cx="9603275" cy="4199727"/>
           </a:xfrm>
         </p:spPr>
         <p:txBody>
@@ -4427,36 +4518,34 @@
           <a:lstStyle/>
           <a:p>
             <a:r>
-              <a:rPr lang="en-US" dirty="0"/>
-              <a:t>Once the data is properly setup, we can do lots of useful things quite easily. </a:t>
+              <a:rPr lang="en-US" dirty="0" err="1"/>
+              <a:t>Gridsearch</a:t>
+            </a:r>
+            <a:r>
+              <a:rPr lang="en-US" dirty="0"/>
+              <a:t>, or smarter </a:t>
+            </a:r>
+            <a:r>
+              <a:rPr lang="en-US" dirty="0" err="1"/>
+              <a:t>gridsearch</a:t>
+            </a:r>
+            <a:r>
+              <a:rPr lang="en-US" dirty="0"/>
+              <a:t> alternatives, may help narrow down search space. </a:t>
             </a:r>
           </a:p>
           <a:p>
             <a:pPr lvl="1"/>
             <a:r>
               <a:rPr lang="en-US" dirty="0"/>
-              <a:t>GIS – geographical information systems are a family of SW that do this for real.</a:t>
-            </a:r>
-          </a:p>
-          <a:p>
-            <a:r>
-              <a:rPr lang="en-US" dirty="0"/>
-              <a:t>In Python, we can use a library called </a:t>
-            </a:r>
-            <a:r>
-              <a:rPr lang="en-US" dirty="0" err="1"/>
-              <a:t>GeoPandas</a:t>
-            </a:r>
-            <a:r>
-              <a:rPr lang="en-US" dirty="0"/>
-              <a:t> to deal with spatial data. </a:t>
+              <a:t>Adapting the custom transformers in the example may also help, if you want to automate swapping more options. </a:t>
             </a:r>
           </a:p>
           <a:p>
             <a:pPr lvl="1"/>
             <a:r>
               <a:rPr lang="en-US" dirty="0"/>
-              <a:t>Works mostly like a regular </a:t>
+              <a:t>If processing takes forever, a sample may help, or other </a:t>
             </a:r>
             <a:r>
               <a:rPr lang="en-US" dirty="0" err="1"/>
@@ -4464,28 +4553,47 @@
             </a:r>
             <a:r>
               <a:rPr lang="en-US" dirty="0"/>
-              <a:t>. </a:t>
+              <a:t> libraries. </a:t>
             </a:r>
           </a:p>
           <a:p>
             <a:pPr lvl="1"/>
             <a:r>
               <a:rPr lang="en-US" dirty="0"/>
-              <a:t>Has some special abilities to deal with mappable data. </a:t>
-            </a:r>
-          </a:p>
-          <a:p>
-            <a:r>
-              <a:rPr lang="en-US" dirty="0"/>
-              <a:t>Most things that you might measure on a map – is something in here, distance, intersection, etc.. Can be generated from </a:t>
+              <a:t>Also, consider trying some of the other HP options for the models. </a:t>
+            </a:r>
+          </a:p>
+          <a:p>
+            <a:r>
+              <a:rPr lang="en-US" dirty="0"/>
+              <a:t>Different models may give very different performance, particularly since there may be very non-linear relationships in the underlying data. </a:t>
+            </a:r>
+          </a:p>
+          <a:p>
+            <a:r>
+              <a:rPr lang="en-US" dirty="0"/>
+              <a:t>Plotting embedding data reduced down to 2D with PCA (or </a:t>
             </a:r>
             <a:r>
               <a:rPr lang="en-US" dirty="0" err="1"/>
-              <a:t>geopandas</a:t>
-            </a:r>
-            <a:r>
-              <a:rPr lang="en-US" dirty="0"/>
-              <a:t>. </a:t>
+              <a:t>tsne</a:t>
+            </a:r>
+            <a:r>
+              <a:rPr lang="en-US" dirty="0"/>
+              <a:t>) is common. </a:t>
+            </a:r>
+          </a:p>
+          <a:p>
+            <a:pPr lvl="1"/>
+            <a:r>
+              <a:rPr lang="en-US" dirty="0"/>
+              <a:t>May or may not be actually useful, but it is a fun demonstration. </a:t>
+            </a:r>
+          </a:p>
+          <a:p>
+            <a:r>
+              <a:rPr lang="en-US" dirty="0"/>
+              <a:t>We are mainly classifying the text, but clustering also works similarly… Or both… </a:t>
             </a:r>
           </a:p>
         </p:txBody>
@@ -4493,7 +4601,7 @@
     </p:spTree>
     <p:extLst>
       <p:ext uri="{BB962C8B-B14F-4D97-AF65-F5344CB8AC3E}">
-        <p14:creationId xmlns:p14="http://schemas.microsoft.com/office/powerpoint/2010/main" val="1032578485"/>
+        <p14:creationId xmlns:p14="http://schemas.microsoft.com/office/powerpoint/2010/main" val="1025601547"/>
       </p:ext>
     </p:extLst>
   </p:cSld>
@@ -4525,7 +4633,7 @@
           <p:cNvPr id="2" name="Title 1">
             <a:extLst>
               <a:ext uri="{FF2B5EF4-FFF2-40B4-BE49-F238E27FC236}">
-                <a16:creationId xmlns:a16="http://schemas.microsoft.com/office/drawing/2014/main" id="{4A4CAE84-C26D-1C5D-AA10-D7334BC05B15}"/>
+                <a16:creationId xmlns:a16="http://schemas.microsoft.com/office/drawing/2014/main" id="{17D29EE3-FBDD-3098-976F-2DFEBA21245E}"/>
               </a:ext>
             </a:extLst>
           </p:cNvPr>
@@ -4533,7 +4641,7 @@
             <a:spLocks noGrp="1"/>
           </p:cNvSpPr>
           <p:nvPr>
-            <p:ph type="title"/>
+            <p:ph type="ctrTitle"/>
           </p:nvPr>
         </p:nvSpPr>
         <p:spPr/>
@@ -4543,17 +4651,17 @@
           <a:p>
             <a:r>
               <a:rPr lang="en-US" dirty="0"/>
-              <a:t>Spatial Data Types</a:t>
-            </a:r>
-          </a:p>
-        </p:txBody>
-      </p:sp>
-      <p:sp>
-        <p:nvSpPr>
-          <p:cNvPr id="3" name="Content Placeholder 2">
+              <a:t>Spatial Data</a:t>
+            </a:r>
+          </a:p>
+        </p:txBody>
+      </p:sp>
+      <p:sp>
+        <p:nvSpPr>
+          <p:cNvPr id="3" name="Subtitle 2">
             <a:extLst>
               <a:ext uri="{FF2B5EF4-FFF2-40B4-BE49-F238E27FC236}">
-                <a16:creationId xmlns:a16="http://schemas.microsoft.com/office/drawing/2014/main" id="{56F44A48-3FC8-8907-2A3D-90695CD673D1}"/>
+                <a16:creationId xmlns:a16="http://schemas.microsoft.com/office/drawing/2014/main" id="{FE6B59C9-457D-4BC3-E6E2-764CEC272EFF}"/>
               </a:ext>
             </a:extLst>
           </p:cNvPr>
@@ -4561,7 +4669,7 @@
             <a:spLocks noGrp="1"/>
           </p:cNvSpPr>
           <p:nvPr>
-            <p:ph idx="1"/>
+            <p:ph type="subTitle" idx="1"/>
           </p:nvPr>
         </p:nvSpPr>
         <p:spPr/>
@@ -4573,57 +4681,10 @@
           </a:p>
         </p:txBody>
       </p:sp>
-      <p:pic>
-        <p:nvPicPr>
-          <p:cNvPr id="3076" name="Picture 4" descr="Chapter 7 GeoJSON | Introduction to Web Mapping">
-            <a:extLst>
-              <a:ext uri="{FF2B5EF4-FFF2-40B4-BE49-F238E27FC236}">
-                <a16:creationId xmlns:a16="http://schemas.microsoft.com/office/drawing/2014/main" id="{7A603235-09D6-3044-1A46-854045442239}"/>
-              </a:ext>
-            </a:extLst>
-          </p:cNvPr>
-          <p:cNvPicPr>
-            <a:picLocks noChangeAspect="1" noChangeArrowheads="1"/>
-          </p:cNvPicPr>
-          <p:nvPr/>
-        </p:nvPicPr>
-        <p:blipFill>
-          <a:blip r:embed="rId2">
-            <a:extLst>
-              <a:ext uri="{28A0092B-C50C-407E-A947-70E740481C1C}">
-                <a14:useLocalDpi xmlns:a14="http://schemas.microsoft.com/office/drawing/2010/main" val="0"/>
-              </a:ext>
-            </a:extLst>
-          </a:blip>
-          <a:srcRect/>
-          <a:stretch>
-            <a:fillRect/>
-          </a:stretch>
-        </p:blipFill>
-        <p:spPr bwMode="auto">
-          <a:xfrm>
-            <a:off x="2727882" y="2133281"/>
-            <a:ext cx="6736236" cy="3852845"/>
-          </a:xfrm>
-          <a:prstGeom prst="rect">
-            <a:avLst/>
-          </a:prstGeom>
-          <a:noFill/>
-          <a:extLst>
-            <a:ext uri="{909E8E84-426E-40DD-AFC4-6F175D3DCCD1}">
-              <a14:hiddenFill xmlns:a14="http://schemas.microsoft.com/office/drawing/2010/main">
-                <a:solidFill>
-                  <a:srgbClr val="FFFFFF"/>
-                </a:solidFill>
-              </a14:hiddenFill>
-            </a:ext>
-          </a:extLst>
-        </p:spPr>
-      </p:pic>
     </p:spTree>
     <p:extLst>
       <p:ext uri="{BB962C8B-B14F-4D97-AF65-F5344CB8AC3E}">
-        <p14:creationId xmlns:p14="http://schemas.microsoft.com/office/powerpoint/2010/main" val="2066362853"/>
+        <p14:creationId xmlns:p14="http://schemas.microsoft.com/office/powerpoint/2010/main" val="1040830714"/>
       </p:ext>
     </p:extLst>
   </p:cSld>
@@ -4655,7 +4716,7 @@
           <p:cNvPr id="2" name="Title 1">
             <a:extLst>
               <a:ext uri="{FF2B5EF4-FFF2-40B4-BE49-F238E27FC236}">
-                <a16:creationId xmlns:a16="http://schemas.microsoft.com/office/drawing/2014/main" id="{18036F54-37EA-17A1-59E1-DA614F1B7358}"/>
+                <a16:creationId xmlns:a16="http://schemas.microsoft.com/office/drawing/2014/main" id="{14754060-0773-9224-1FD9-CEBDB96621B1}"/>
               </a:ext>
             </a:extLst>
           </p:cNvPr>
@@ -4673,7 +4734,7 @@
           <a:p>
             <a:r>
               <a:rPr lang="en-US" dirty="0"/>
-              <a:t>Spatial Areas</a:t>
+              <a:t>Mapping Stuff</a:t>
             </a:r>
           </a:p>
         </p:txBody>
@@ -4683,7 +4744,7 @@
           <p:cNvPr id="3" name="Content Placeholder 2">
             <a:extLst>
               <a:ext uri="{FF2B5EF4-FFF2-40B4-BE49-F238E27FC236}">
-                <a16:creationId xmlns:a16="http://schemas.microsoft.com/office/drawing/2014/main" id="{A7F547B6-2AA3-6F1F-790C-B716F8E61852}"/>
+                <a16:creationId xmlns:a16="http://schemas.microsoft.com/office/drawing/2014/main" id="{DC93CDD6-BA4D-B450-F138-4A30035EB998}"/>
               </a:ext>
             </a:extLst>
           </p:cNvPr>
@@ -4696,8 +4757,8 @@
         </p:nvSpPr>
         <p:spPr>
           <a:xfrm>
-            <a:off x="1451579" y="1853754"/>
-            <a:ext cx="9603275" cy="4199727"/>
+            <a:off x="1451579" y="2015732"/>
+            <a:ext cx="9603275" cy="4037749"/>
           </a:xfrm>
         </p:spPr>
         <p:txBody>
@@ -4706,56 +4767,60 @@
           <a:p>
             <a:r>
               <a:rPr lang="en-US" dirty="0"/>
-              <a:t>The geometry field is basically the outline of some region or space on a map. </a:t>
-            </a:r>
-          </a:p>
-          <a:p>
-            <a:r>
-              <a:rPr lang="en-US" dirty="0"/>
-              <a:t>Once we have the areas defined, we can easily calculate with them:</a:t>
+              <a:t>Some data has a spatial component. </a:t>
             </a:r>
           </a:p>
           <a:p>
             <a:pPr lvl="1"/>
             <a:r>
               <a:rPr lang="en-US" dirty="0"/>
-              <a:t>Is there intersection of two areas?</a:t>
+              <a:t>I.e. location or area data that we could map. </a:t>
             </a:r>
           </a:p>
           <a:p>
             <a:pPr lvl="1"/>
             <a:r>
               <a:rPr lang="en-US" dirty="0"/>
-              <a:t>Is a point in an area? </a:t>
+              <a:t>‘Region’ data – city, state, country, province. </a:t>
             </a:r>
           </a:p>
           <a:p>
             <a:pPr lvl="1"/>
             <a:r>
               <a:rPr lang="en-US" dirty="0"/>
-              <a:t>How large is an area? </a:t>
-            </a:r>
-          </a:p>
-          <a:p>
-            <a:r>
-              <a:rPr lang="en-US" dirty="0"/>
-              <a:t>These calculations can be done near automatically with </a:t>
-            </a:r>
-            <a:r>
-              <a:rPr lang="en-US" dirty="0" err="1"/>
-              <a:t>geopandas</a:t>
-            </a:r>
-            <a:r>
-              <a:rPr lang="en-US" dirty="0"/>
-              <a:t>. </a:t>
-            </a:r>
+              <a:t>‘Point’ data – specific latitude and longitude. </a:t>
+            </a:r>
+          </a:p>
+          <a:p>
+            <a:r>
+              <a:rPr lang="en-US" dirty="0"/>
+              <a:t>We can use this data like any other data, with some special features. </a:t>
+            </a:r>
+          </a:p>
+          <a:p>
+            <a:pPr lvl="1"/>
+            <a:r>
+              <a:rPr lang="en-US" dirty="0"/>
+              <a:t>We can use libraries to take advantage of what we know about spatial data. </a:t>
+            </a:r>
+          </a:p>
+          <a:p>
+            <a:pPr lvl="1"/>
+            <a:r>
+              <a:rPr lang="en-US" dirty="0"/>
+              <a:t>Area, distance, intersection…</a:t>
+            </a:r>
+          </a:p>
+          <a:p>
+            <a:pPr lvl="1"/>
+            <a:endParaRPr lang="en-US" dirty="0"/>
           </a:p>
         </p:txBody>
       </p:sp>
     </p:spTree>
     <p:extLst>
       <p:ext uri="{BB962C8B-B14F-4D97-AF65-F5344CB8AC3E}">
-        <p14:creationId xmlns:p14="http://schemas.microsoft.com/office/powerpoint/2010/main" val="4068685130"/>
+        <p14:creationId xmlns:p14="http://schemas.microsoft.com/office/powerpoint/2010/main" val="451332665"/>
       </p:ext>
     </p:extLst>
   </p:cSld>
@@ -4766,1404 +4831,6 @@
 </file>
 
 <file path=ppt/slides/slide17.xml><?xml version="1.0" encoding="utf-8"?>
-<p:sld xmlns:a="http://schemas.openxmlformats.org/drawingml/2006/main" xmlns:r="http://schemas.openxmlformats.org/officeDocument/2006/relationships" xmlns:p="http://schemas.openxmlformats.org/presentationml/2006/main">
-  <p:cSld>
-    <p:spTree>
-      <p:nvGrpSpPr>
-        <p:cNvPr id="1" name=""/>
-        <p:cNvGrpSpPr/>
-        <p:nvPr/>
-      </p:nvGrpSpPr>
-      <p:grpSpPr>
-        <a:xfrm>
-          <a:off x="0" y="0"/>
-          <a:ext cx="0" cy="0"/>
-          <a:chOff x="0" y="0"/>
-          <a:chExt cx="0" cy="0"/>
-        </a:xfrm>
-      </p:grpSpPr>
-      <p:sp>
-        <p:nvSpPr>
-          <p:cNvPr id="2" name="Title 1">
-            <a:extLst>
-              <a:ext uri="{FF2B5EF4-FFF2-40B4-BE49-F238E27FC236}">
-                <a16:creationId xmlns:a16="http://schemas.microsoft.com/office/drawing/2014/main" id="{69A847B1-0536-11E7-7CBE-A68404B71582}"/>
-              </a:ext>
-            </a:extLst>
-          </p:cNvPr>
-          <p:cNvSpPr>
-            <a:spLocks noGrp="1"/>
-          </p:cNvSpPr>
-          <p:nvPr>
-            <p:ph type="title"/>
-          </p:nvPr>
-        </p:nvSpPr>
-        <p:spPr/>
-        <p:txBody>
-          <a:bodyPr/>
-          <a:lstStyle/>
-          <a:p>
-            <a:r>
-              <a:rPr lang="en-US" dirty="0"/>
-              <a:t>Points</a:t>
-            </a:r>
-          </a:p>
-        </p:txBody>
-      </p:sp>
-      <p:sp>
-        <p:nvSpPr>
-          <p:cNvPr id="3" name="Content Placeholder 2">
-            <a:extLst>
-              <a:ext uri="{FF2B5EF4-FFF2-40B4-BE49-F238E27FC236}">
-                <a16:creationId xmlns:a16="http://schemas.microsoft.com/office/drawing/2014/main" id="{CC29031A-00D2-22B4-EE1A-7F9A5C362507}"/>
-              </a:ext>
-            </a:extLst>
-          </p:cNvPr>
-          <p:cNvSpPr>
-            <a:spLocks noGrp="1"/>
-          </p:cNvSpPr>
-          <p:nvPr>
-            <p:ph idx="1"/>
-          </p:nvPr>
-        </p:nvSpPr>
-        <p:spPr>
-          <a:xfrm>
-            <a:off x="1451579" y="2015732"/>
-            <a:ext cx="9603275" cy="4037749"/>
-          </a:xfrm>
-        </p:spPr>
-        <p:txBody>
-          <a:bodyPr/>
-          <a:lstStyle/>
-          <a:p>
-            <a:r>
-              <a:rPr lang="en-US" dirty="0"/>
-              <a:t>Points in spatial data are, well… points on a map. </a:t>
-            </a:r>
-          </a:p>
-          <a:p>
-            <a:r>
-              <a:rPr lang="en-US" dirty="0"/>
-              <a:t>Points are a special datatype that are constructed from </a:t>
-            </a:r>
-            <a:r>
-              <a:rPr lang="en-US" dirty="0" err="1"/>
-              <a:t>lat</a:t>
-            </a:r>
-            <a:r>
-              <a:rPr lang="en-US" dirty="0"/>
-              <a:t>/</a:t>
-            </a:r>
-            <a:r>
-              <a:rPr lang="en-US" dirty="0" err="1"/>
-              <a:t>lon</a:t>
-            </a:r>
-            <a:r>
-              <a:rPr lang="en-US" dirty="0"/>
-              <a:t>:</a:t>
-            </a:r>
-          </a:p>
-          <a:p>
-            <a:pPr lvl="1"/>
-            <a:r>
-              <a:rPr lang="en-US" dirty="0"/>
-              <a:t>We can make a point with the </a:t>
-            </a:r>
-            <a:r>
-              <a:rPr lang="en-US" dirty="0" err="1"/>
-              <a:t>Makepoint</a:t>
-            </a:r>
-            <a:r>
-              <a:rPr lang="en-US" dirty="0"/>
-              <a:t> function if we have latitude and longitude. </a:t>
-            </a:r>
-          </a:p>
-          <a:p>
-            <a:pPr lvl="1"/>
-            <a:r>
-              <a:rPr lang="en-US" dirty="0"/>
-              <a:t>The point data type is basically </a:t>
-            </a:r>
-            <a:r>
-              <a:rPr lang="en-US" dirty="0" err="1"/>
-              <a:t>lat</a:t>
-            </a:r>
-            <a:r>
-              <a:rPr lang="en-US" dirty="0"/>
-              <a:t>/</a:t>
-            </a:r>
-            <a:r>
-              <a:rPr lang="en-US" dirty="0" err="1"/>
-              <a:t>lon</a:t>
-            </a:r>
-            <a:r>
-              <a:rPr lang="en-US" dirty="0"/>
-              <a:t> + a ”type” that we don’t care about. </a:t>
-            </a:r>
-          </a:p>
-          <a:p>
-            <a:pPr lvl="1"/>
-            <a:r>
-              <a:rPr lang="en-US" dirty="0"/>
-              <a:t>Points allow all the other spatial functions like distance to work correctly. </a:t>
-            </a:r>
-          </a:p>
-        </p:txBody>
-      </p:sp>
-    </p:spTree>
-    <p:extLst>
-      <p:ext uri="{BB962C8B-B14F-4D97-AF65-F5344CB8AC3E}">
-        <p14:creationId xmlns:p14="http://schemas.microsoft.com/office/powerpoint/2010/main" val="3966902185"/>
-      </p:ext>
-    </p:extLst>
-  </p:cSld>
-  <p:clrMapOvr>
-    <a:masterClrMapping/>
-  </p:clrMapOvr>
-</p:sld>
-</file>
-
-<file path=ppt/slides/slide18.xml><?xml version="1.0" encoding="utf-8"?>
-<p:sld xmlns:a="http://schemas.openxmlformats.org/drawingml/2006/main" xmlns:r="http://schemas.openxmlformats.org/officeDocument/2006/relationships" xmlns:p="http://schemas.openxmlformats.org/presentationml/2006/main">
-  <p:cSld>
-    <p:spTree>
-      <p:nvGrpSpPr>
-        <p:cNvPr id="1" name=""/>
-        <p:cNvGrpSpPr/>
-        <p:nvPr/>
-      </p:nvGrpSpPr>
-      <p:grpSpPr>
-        <a:xfrm>
-          <a:off x="0" y="0"/>
-          <a:ext cx="0" cy="0"/>
-          <a:chOff x="0" y="0"/>
-          <a:chExt cx="0" cy="0"/>
-        </a:xfrm>
-      </p:grpSpPr>
-      <p:sp>
-        <p:nvSpPr>
-          <p:cNvPr id="2" name="Title 1">
-            <a:extLst>
-              <a:ext uri="{FF2B5EF4-FFF2-40B4-BE49-F238E27FC236}">
-                <a16:creationId xmlns:a16="http://schemas.microsoft.com/office/drawing/2014/main" id="{BD2EF4BA-8F1E-CA71-3563-DA14A84DCFF0}"/>
-              </a:ext>
-            </a:extLst>
-          </p:cNvPr>
-          <p:cNvSpPr>
-            <a:spLocks noGrp="1"/>
-          </p:cNvSpPr>
-          <p:nvPr>
-            <p:ph type="title"/>
-          </p:nvPr>
-        </p:nvSpPr>
-        <p:spPr/>
-        <p:txBody>
-          <a:bodyPr/>
-          <a:lstStyle/>
-          <a:p>
-            <a:r>
-              <a:rPr lang="en-US" dirty="0"/>
-              <a:t>Lines</a:t>
-            </a:r>
-          </a:p>
-        </p:txBody>
-      </p:sp>
-      <p:sp>
-        <p:nvSpPr>
-          <p:cNvPr id="3" name="Content Placeholder 2">
-            <a:extLst>
-              <a:ext uri="{FF2B5EF4-FFF2-40B4-BE49-F238E27FC236}">
-                <a16:creationId xmlns:a16="http://schemas.microsoft.com/office/drawing/2014/main" id="{E5D2CC31-CDC5-602E-00D5-2EED7B13C0C1}"/>
-              </a:ext>
-            </a:extLst>
-          </p:cNvPr>
-          <p:cNvSpPr>
-            <a:spLocks noGrp="1"/>
-          </p:cNvSpPr>
-          <p:nvPr>
-            <p:ph idx="1"/>
-          </p:nvPr>
-        </p:nvSpPr>
-        <p:spPr/>
-        <p:txBody>
-          <a:bodyPr>
-            <a:normAutofit/>
-          </a:bodyPr>
-          <a:lstStyle/>
-          <a:p>
-            <a:r>
-              <a:rPr lang="en-US" dirty="0"/>
-              <a:t>Lines are paths that connect two spatial points. </a:t>
-            </a:r>
-          </a:p>
-          <a:p>
-            <a:r>
-              <a:rPr lang="en-US" dirty="0"/>
-              <a:t>Math using points, such as distance, will automatically figure out earth curvature. </a:t>
-            </a:r>
-          </a:p>
-          <a:p>
-            <a:pPr lvl="1"/>
-            <a:r>
-              <a:rPr lang="en-US" dirty="0"/>
-              <a:t>E.g. flight path data. </a:t>
-            </a:r>
-          </a:p>
-          <a:p>
-            <a:r>
-              <a:rPr lang="en-US" dirty="0" err="1"/>
-              <a:t>Geopandas</a:t>
-            </a:r>
-            <a:r>
-              <a:rPr lang="en-US" dirty="0"/>
-              <a:t> can generate distance/length for lines or between points/areas.</a:t>
-            </a:r>
-          </a:p>
-          <a:p>
-            <a:pPr lvl="1"/>
-            <a:r>
-              <a:rPr lang="en-US" dirty="0"/>
-              <a:t>Often useful as a feature if things are related. </a:t>
-            </a:r>
-          </a:p>
-          <a:p>
-            <a:r>
-              <a:rPr lang="en-US" dirty="0"/>
-              <a:t>E.g. if we have points that are related, we can calculate distance as a feature. </a:t>
-            </a:r>
-          </a:p>
-          <a:p>
-            <a:pPr lvl="1"/>
-            <a:r>
-              <a:rPr lang="en-US" dirty="0"/>
-              <a:t>Credit card purchases can have “distance from last purchase”, which may be useful for fraud predictions. </a:t>
-            </a:r>
-          </a:p>
-        </p:txBody>
-      </p:sp>
-    </p:spTree>
-    <p:extLst>
-      <p:ext uri="{BB962C8B-B14F-4D97-AF65-F5344CB8AC3E}">
-        <p14:creationId xmlns:p14="http://schemas.microsoft.com/office/powerpoint/2010/main" val="168733102"/>
-      </p:ext>
-    </p:extLst>
-  </p:cSld>
-  <p:clrMapOvr>
-    <a:masterClrMapping/>
-  </p:clrMapOvr>
-</p:sld>
-</file>
-
-<file path=ppt/slides/slide19.xml><?xml version="1.0" encoding="utf-8"?>
-<p:sld xmlns:a="http://schemas.openxmlformats.org/drawingml/2006/main" xmlns:r="http://schemas.openxmlformats.org/officeDocument/2006/relationships" xmlns:p="http://schemas.openxmlformats.org/presentationml/2006/main">
-  <p:cSld>
-    <p:spTree>
-      <p:nvGrpSpPr>
-        <p:cNvPr id="1" name=""/>
-        <p:cNvGrpSpPr/>
-        <p:nvPr/>
-      </p:nvGrpSpPr>
-      <p:grpSpPr>
-        <a:xfrm>
-          <a:off x="0" y="0"/>
-          <a:ext cx="0" cy="0"/>
-          <a:chOff x="0" y="0"/>
-          <a:chExt cx="0" cy="0"/>
-        </a:xfrm>
-      </p:grpSpPr>
-      <p:sp>
-        <p:nvSpPr>
-          <p:cNvPr id="2" name="Title 1">
-            <a:extLst>
-              <a:ext uri="{FF2B5EF4-FFF2-40B4-BE49-F238E27FC236}">
-                <a16:creationId xmlns:a16="http://schemas.microsoft.com/office/drawing/2014/main" id="{82FD55CD-BB0C-AD9C-C929-0F3821538FC9}"/>
-              </a:ext>
-            </a:extLst>
-          </p:cNvPr>
-          <p:cNvSpPr>
-            <a:spLocks noGrp="1"/>
-          </p:cNvSpPr>
-          <p:nvPr>
-            <p:ph type="title"/>
-          </p:nvPr>
-        </p:nvSpPr>
-        <p:spPr/>
-        <p:txBody>
-          <a:bodyPr/>
-          <a:lstStyle/>
-          <a:p>
-            <a:r>
-              <a:rPr lang="en-US" dirty="0"/>
-              <a:t>Spatial Joins</a:t>
-            </a:r>
-          </a:p>
-        </p:txBody>
-      </p:sp>
-      <p:sp>
-        <p:nvSpPr>
-          <p:cNvPr id="3" name="Content Placeholder 2">
-            <a:extLst>
-              <a:ext uri="{FF2B5EF4-FFF2-40B4-BE49-F238E27FC236}">
-                <a16:creationId xmlns:a16="http://schemas.microsoft.com/office/drawing/2014/main" id="{DCB28767-0EFB-BA4D-6A1F-97585F7D9F8F}"/>
-              </a:ext>
-            </a:extLst>
-          </p:cNvPr>
-          <p:cNvSpPr>
-            <a:spLocks noGrp="1"/>
-          </p:cNvSpPr>
-          <p:nvPr>
-            <p:ph idx="1"/>
-          </p:nvPr>
-        </p:nvSpPr>
-        <p:spPr>
-          <a:xfrm>
-            <a:off x="1451579" y="2015732"/>
-            <a:ext cx="9603275" cy="4037749"/>
-          </a:xfrm>
-        </p:spPr>
-        <p:txBody>
-          <a:bodyPr/>
-          <a:lstStyle/>
-          <a:p>
-            <a:r>
-              <a:rPr lang="en-US" dirty="0"/>
-              <a:t>We can also join two spatial files together using spatial joins. </a:t>
-            </a:r>
-          </a:p>
-          <a:p>
-            <a:r>
-              <a:rPr lang="en-US" dirty="0"/>
-              <a:t>Spatial joins do a join, just like SQL, but the “join on” condition differs. </a:t>
-            </a:r>
-          </a:p>
-          <a:p>
-            <a:pPr lvl="1"/>
-            <a:r>
-              <a:rPr lang="en-US" dirty="0" err="1"/>
-              <a:t>Geopandas</a:t>
-            </a:r>
-            <a:r>
-              <a:rPr lang="en-US" dirty="0"/>
-              <a:t> will determine intersection of points and areas or areas and areas to do the join. </a:t>
-            </a:r>
-          </a:p>
-          <a:p>
-            <a:r>
-              <a:rPr lang="en-US" dirty="0"/>
-              <a:t>Allows us to relate points to where they happened. </a:t>
-            </a:r>
-          </a:p>
-          <a:p>
-            <a:pPr lvl="1"/>
-            <a:r>
-              <a:rPr lang="en-US" dirty="0"/>
-              <a:t>Map traffic accidents to regions, homes to neighborhoods, </a:t>
-            </a:r>
-            <a:r>
-              <a:rPr lang="en-US" dirty="0" err="1"/>
-              <a:t>etc</a:t>
-            </a:r>
-            <a:r>
-              <a:rPr lang="en-US" dirty="0"/>
-              <a:t>…</a:t>
-            </a:r>
-          </a:p>
-          <a:p>
-            <a:r>
-              <a:rPr lang="en-US" dirty="0"/>
-              <a:t>Can also connect areas. </a:t>
-            </a:r>
-          </a:p>
-          <a:p>
-            <a:pPr lvl="1"/>
-            <a:r>
-              <a:rPr lang="en-US" dirty="0"/>
-              <a:t>Where regions overlap or intersect. </a:t>
-            </a:r>
-          </a:p>
-        </p:txBody>
-      </p:sp>
-    </p:spTree>
-    <p:extLst>
-      <p:ext uri="{BB962C8B-B14F-4D97-AF65-F5344CB8AC3E}">
-        <p14:creationId xmlns:p14="http://schemas.microsoft.com/office/powerpoint/2010/main" val="2735527654"/>
-      </p:ext>
-    </p:extLst>
-  </p:cSld>
-  <p:clrMapOvr>
-    <a:masterClrMapping/>
-  </p:clrMapOvr>
-</p:sld>
-</file>
-
-<file path=ppt/slides/slide2.xml><?xml version="1.0" encoding="utf-8"?>
-<p:sld xmlns:a="http://schemas.openxmlformats.org/drawingml/2006/main" xmlns:r="http://schemas.openxmlformats.org/officeDocument/2006/relationships" xmlns:p="http://schemas.openxmlformats.org/presentationml/2006/main">
-  <p:cSld>
-    <p:spTree>
-      <p:nvGrpSpPr>
-        <p:cNvPr id="1" name=""/>
-        <p:cNvGrpSpPr/>
-        <p:nvPr/>
-      </p:nvGrpSpPr>
-      <p:grpSpPr>
-        <a:xfrm>
-          <a:off x="0" y="0"/>
-          <a:ext cx="0" cy="0"/>
-          <a:chOff x="0" y="0"/>
-          <a:chExt cx="0" cy="0"/>
-        </a:xfrm>
-      </p:grpSpPr>
-      <p:sp>
-        <p:nvSpPr>
-          <p:cNvPr id="2" name="Title 1">
-            <a:extLst>
-              <a:ext uri="{FF2B5EF4-FFF2-40B4-BE49-F238E27FC236}">
-                <a16:creationId xmlns:a16="http://schemas.microsoft.com/office/drawing/2014/main" id="{21FFEFEF-9B52-4E1D-2789-BA19D4688E52}"/>
-              </a:ext>
-            </a:extLst>
-          </p:cNvPr>
-          <p:cNvSpPr>
-            <a:spLocks noGrp="1"/>
-          </p:cNvSpPr>
-          <p:nvPr>
-            <p:ph type="title"/>
-          </p:nvPr>
-        </p:nvSpPr>
-        <p:spPr/>
-        <p:txBody>
-          <a:bodyPr/>
-          <a:lstStyle/>
-          <a:p>
-            <a:r>
-              <a:rPr lang="en-US" dirty="0"/>
-              <a:t>Review – NLP Basics</a:t>
-            </a:r>
-          </a:p>
-        </p:txBody>
-      </p:sp>
-      <p:sp>
-        <p:nvSpPr>
-          <p:cNvPr id="3" name="Content Placeholder 2">
-            <a:extLst>
-              <a:ext uri="{FF2B5EF4-FFF2-40B4-BE49-F238E27FC236}">
-                <a16:creationId xmlns:a16="http://schemas.microsoft.com/office/drawing/2014/main" id="{1F5820C5-1F32-9697-FB77-31882E11DDC1}"/>
-              </a:ext>
-            </a:extLst>
-          </p:cNvPr>
-          <p:cNvSpPr>
-            <a:spLocks noGrp="1"/>
-          </p:cNvSpPr>
-          <p:nvPr>
-            <p:ph idx="1"/>
-          </p:nvPr>
-        </p:nvSpPr>
-        <p:spPr>
-          <a:xfrm>
-            <a:off x="1451579" y="1853754"/>
-            <a:ext cx="9603275" cy="4199727"/>
-          </a:xfrm>
-        </p:spPr>
-        <p:txBody>
-          <a:bodyPr/>
-          <a:lstStyle/>
-          <a:p>
-            <a:r>
-              <a:rPr lang="en-US" dirty="0"/>
-              <a:t>We last looked at using free text in our predictions – natural language processing. </a:t>
-            </a:r>
-          </a:p>
-          <a:p>
-            <a:r>
-              <a:rPr lang="en-US" dirty="0"/>
-              <a:t>We can use text as a feature set to mainly (mainly) classification models:</a:t>
-            </a:r>
-          </a:p>
-          <a:p>
-            <a:pPr lvl="1"/>
-            <a:r>
-              <a:rPr lang="en-US" dirty="0"/>
-              <a:t>Predicting spam or not spam. </a:t>
-            </a:r>
-          </a:p>
-          <a:p>
-            <a:pPr lvl="1"/>
-            <a:r>
-              <a:rPr lang="en-US" dirty="0"/>
-              <a:t>Classifying potential customers into groups. </a:t>
-            </a:r>
-          </a:p>
-          <a:p>
-            <a:r>
-              <a:rPr lang="en-US" dirty="0"/>
-              <a:t>We can also cluster with the language data. </a:t>
-            </a:r>
-          </a:p>
-          <a:p>
-            <a:pPr lvl="1"/>
-            <a:r>
-              <a:rPr lang="en-US" dirty="0"/>
-              <a:t>Grouping employee surveys into similar clusters. </a:t>
-            </a:r>
-          </a:p>
-          <a:p>
-            <a:r>
-              <a:rPr lang="en-US" dirty="0"/>
-              <a:t>These projects all rely on translating the free text data into a feature set. </a:t>
-            </a:r>
-          </a:p>
-          <a:p>
-            <a:pPr lvl="1"/>
-            <a:r>
-              <a:rPr lang="en-US" dirty="0"/>
-              <a:t>I.e. the X data is text, the y data is something else, usually a class. </a:t>
-            </a:r>
-          </a:p>
-          <a:p>
-            <a:r>
-              <a:rPr lang="en-US" dirty="0"/>
-              <a:t>These types of models are not suited to text generation – they don’t capture sequence. </a:t>
-            </a:r>
-          </a:p>
-        </p:txBody>
-      </p:sp>
-    </p:spTree>
-    <p:extLst>
-      <p:ext uri="{BB962C8B-B14F-4D97-AF65-F5344CB8AC3E}">
-        <p14:creationId xmlns:p14="http://schemas.microsoft.com/office/powerpoint/2010/main" val="4189667197"/>
-      </p:ext>
-    </p:extLst>
-  </p:cSld>
-  <p:clrMapOvr>
-    <a:masterClrMapping/>
-  </p:clrMapOvr>
-</p:sld>
-</file>
-
-<file path=ppt/slides/slide20.xml><?xml version="1.0" encoding="utf-8"?>
-<p:sld xmlns:a="http://schemas.openxmlformats.org/drawingml/2006/main" xmlns:r="http://schemas.openxmlformats.org/officeDocument/2006/relationships" xmlns:p="http://schemas.openxmlformats.org/presentationml/2006/main">
-  <p:cSld>
-    <p:spTree>
-      <p:nvGrpSpPr>
-        <p:cNvPr id="1" name=""/>
-        <p:cNvGrpSpPr/>
-        <p:nvPr/>
-      </p:nvGrpSpPr>
-      <p:grpSpPr>
-        <a:xfrm>
-          <a:off x="0" y="0"/>
-          <a:ext cx="0" cy="0"/>
-          <a:chOff x="0" y="0"/>
-          <a:chExt cx="0" cy="0"/>
-        </a:xfrm>
-      </p:grpSpPr>
-      <p:sp>
-        <p:nvSpPr>
-          <p:cNvPr id="2" name="Title 1">
-            <a:extLst>
-              <a:ext uri="{FF2B5EF4-FFF2-40B4-BE49-F238E27FC236}">
-                <a16:creationId xmlns:a16="http://schemas.microsoft.com/office/drawing/2014/main" id="{26EADFE8-F13D-6099-C3D7-24A6AFF95F21}"/>
-              </a:ext>
-            </a:extLst>
-          </p:cNvPr>
-          <p:cNvSpPr>
-            <a:spLocks noGrp="1"/>
-          </p:cNvSpPr>
-          <p:nvPr>
-            <p:ph type="title"/>
-          </p:nvPr>
-        </p:nvSpPr>
-        <p:spPr/>
-        <p:txBody>
-          <a:bodyPr/>
-          <a:lstStyle/>
-          <a:p>
-            <a:r>
-              <a:rPr lang="en-US" dirty="0"/>
-              <a:t>Predicting with Spatial Data</a:t>
-            </a:r>
-          </a:p>
-        </p:txBody>
-      </p:sp>
-      <p:sp>
-        <p:nvSpPr>
-          <p:cNvPr id="3" name="Content Placeholder 2">
-            <a:extLst>
-              <a:ext uri="{FF2B5EF4-FFF2-40B4-BE49-F238E27FC236}">
-                <a16:creationId xmlns:a16="http://schemas.microsoft.com/office/drawing/2014/main" id="{9F6E91CC-CD7C-A049-55A3-41BDAF3BE3EF}"/>
-              </a:ext>
-            </a:extLst>
-          </p:cNvPr>
-          <p:cNvSpPr>
-            <a:spLocks noGrp="1"/>
-          </p:cNvSpPr>
-          <p:nvPr>
-            <p:ph idx="1"/>
-          </p:nvPr>
-        </p:nvSpPr>
-        <p:spPr>
-          <a:xfrm>
-            <a:off x="0" y="2015732"/>
-            <a:ext cx="7136146" cy="4037749"/>
-          </a:xfrm>
-        </p:spPr>
-        <p:txBody>
-          <a:bodyPr>
-            <a:normAutofit lnSpcReduction="10000"/>
-          </a:bodyPr>
-          <a:lstStyle/>
-          <a:p>
-            <a:r>
-              <a:rPr lang="en-US" sz="2400" dirty="0"/>
-              <a:t>We commonly use spatial data and joins to make predictions in certain scenarios. </a:t>
-            </a:r>
-          </a:p>
-          <a:p>
-            <a:r>
-              <a:rPr lang="en-US" sz="2400" dirty="0"/>
-              <a:t>It is common to use a spatial join to add a label to point data. </a:t>
-            </a:r>
-          </a:p>
-          <a:p>
-            <a:pPr lvl="1"/>
-            <a:r>
-              <a:rPr lang="en-US" sz="2000" dirty="0"/>
-              <a:t>What city/neighborhood/ward did something happen in?</a:t>
-            </a:r>
-          </a:p>
-          <a:p>
-            <a:pPr lvl="1"/>
-            <a:r>
-              <a:rPr lang="en-US" sz="2000" dirty="0"/>
-              <a:t>Use that area as a feature, rather than raw </a:t>
-            </a:r>
-            <a:r>
-              <a:rPr lang="en-US" sz="2000" dirty="0" err="1"/>
-              <a:t>lat</a:t>
-            </a:r>
-            <a:r>
-              <a:rPr lang="en-US" sz="2000" dirty="0"/>
-              <a:t>/</a:t>
-            </a:r>
-            <a:r>
-              <a:rPr lang="en-US" sz="2000" dirty="0" err="1"/>
-              <a:t>lon</a:t>
-            </a:r>
-            <a:r>
-              <a:rPr lang="en-US" sz="2000" dirty="0"/>
-              <a:t>. </a:t>
-            </a:r>
-          </a:p>
-          <a:p>
-            <a:pPr lvl="1"/>
-            <a:r>
-              <a:rPr lang="en-US" sz="2000" dirty="0"/>
-              <a:t>Likely better than </a:t>
-            </a:r>
-            <a:r>
-              <a:rPr lang="en-US" sz="2000" dirty="0" err="1"/>
-              <a:t>lat</a:t>
-            </a:r>
-            <a:r>
-              <a:rPr lang="en-US" sz="2000" dirty="0"/>
-              <a:t>/</a:t>
-            </a:r>
-            <a:r>
-              <a:rPr lang="en-US" sz="2000" dirty="0" err="1"/>
-              <a:t>lon</a:t>
-            </a:r>
-            <a:r>
-              <a:rPr lang="en-US" sz="2000" dirty="0"/>
-              <a:t> in most real world cases. </a:t>
-            </a:r>
-          </a:p>
-          <a:p>
-            <a:r>
-              <a:rPr lang="en-US" sz="2400" dirty="0"/>
-              <a:t>We could also predict what region something happens in, if useful. </a:t>
-            </a:r>
-          </a:p>
-        </p:txBody>
-      </p:sp>
-      <p:pic>
-        <p:nvPicPr>
-          <p:cNvPr id="1026" name="Picture 2" descr="The Five Boroughs of New York City | ELIKA New York">
-            <a:extLst>
-              <a:ext uri="{FF2B5EF4-FFF2-40B4-BE49-F238E27FC236}">
-                <a16:creationId xmlns:a16="http://schemas.microsoft.com/office/drawing/2014/main" id="{2F318C1D-C753-60F2-CD70-FBFB8DB93BB5}"/>
-              </a:ext>
-            </a:extLst>
-          </p:cNvPr>
-          <p:cNvPicPr>
-            <a:picLocks noChangeAspect="1" noChangeArrowheads="1"/>
-          </p:cNvPicPr>
-          <p:nvPr/>
-        </p:nvPicPr>
-        <p:blipFill>
-          <a:blip r:embed="rId2">
-            <a:extLst>
-              <a:ext uri="{28A0092B-C50C-407E-A947-70E740481C1C}">
-                <a14:useLocalDpi xmlns:a14="http://schemas.microsoft.com/office/drawing/2010/main" val="0"/>
-              </a:ext>
-            </a:extLst>
-          </a:blip>
-          <a:srcRect/>
-          <a:stretch>
-            <a:fillRect/>
-          </a:stretch>
-        </p:blipFill>
-        <p:spPr bwMode="auto">
-          <a:xfrm>
-            <a:off x="7136146" y="1540235"/>
-            <a:ext cx="5055855" cy="4988742"/>
-          </a:xfrm>
-          <a:prstGeom prst="rect">
-            <a:avLst/>
-          </a:prstGeom>
-          <a:noFill/>
-          <a:extLst>
-            <a:ext uri="{909E8E84-426E-40DD-AFC4-6F175D3DCCD1}">
-              <a14:hiddenFill xmlns:a14="http://schemas.microsoft.com/office/drawing/2010/main">
-                <a:solidFill>
-                  <a:srgbClr val="FFFFFF"/>
-                </a:solidFill>
-              </a14:hiddenFill>
-            </a:ext>
-          </a:extLst>
-        </p:spPr>
-      </p:pic>
-    </p:spTree>
-    <p:extLst>
-      <p:ext uri="{BB962C8B-B14F-4D97-AF65-F5344CB8AC3E}">
-        <p14:creationId xmlns:p14="http://schemas.microsoft.com/office/powerpoint/2010/main" val="3219868769"/>
-      </p:ext>
-    </p:extLst>
-  </p:cSld>
-  <p:clrMapOvr>
-    <a:masterClrMapping/>
-  </p:clrMapOvr>
-</p:sld>
-</file>
-
-<file path=ppt/slides/slide21.xml><?xml version="1.0" encoding="utf-8"?>
-<p:sld xmlns:a="http://schemas.openxmlformats.org/drawingml/2006/main" xmlns:r="http://schemas.openxmlformats.org/officeDocument/2006/relationships" xmlns:p="http://schemas.openxmlformats.org/presentationml/2006/main">
-  <p:cSld>
-    <p:spTree>
-      <p:nvGrpSpPr>
-        <p:cNvPr id="1" name=""/>
-        <p:cNvGrpSpPr/>
-        <p:nvPr/>
-      </p:nvGrpSpPr>
-      <p:grpSpPr>
-        <a:xfrm>
-          <a:off x="0" y="0"/>
-          <a:ext cx="0" cy="0"/>
-          <a:chOff x="0" y="0"/>
-          <a:chExt cx="0" cy="0"/>
-        </a:xfrm>
-      </p:grpSpPr>
-      <p:sp>
-        <p:nvSpPr>
-          <p:cNvPr id="2" name="Title 1">
-            <a:extLst>
-              <a:ext uri="{FF2B5EF4-FFF2-40B4-BE49-F238E27FC236}">
-                <a16:creationId xmlns:a16="http://schemas.microsoft.com/office/drawing/2014/main" id="{34B75313-AFE8-5CBE-5423-744782102A13}"/>
-              </a:ext>
-            </a:extLst>
-          </p:cNvPr>
-          <p:cNvSpPr>
-            <a:spLocks noGrp="1"/>
-          </p:cNvSpPr>
-          <p:nvPr>
-            <p:ph type="title"/>
-          </p:nvPr>
-        </p:nvSpPr>
-        <p:spPr/>
-        <p:txBody>
-          <a:bodyPr/>
-          <a:lstStyle/>
-          <a:p>
-            <a:r>
-              <a:rPr lang="en-US" dirty="0"/>
-              <a:t>Addressees</a:t>
-            </a:r>
-          </a:p>
-        </p:txBody>
-      </p:sp>
-      <p:sp>
-        <p:nvSpPr>
-          <p:cNvPr id="3" name="Content Placeholder 2">
-            <a:extLst>
-              <a:ext uri="{FF2B5EF4-FFF2-40B4-BE49-F238E27FC236}">
-                <a16:creationId xmlns:a16="http://schemas.microsoft.com/office/drawing/2014/main" id="{46F1E91E-3793-C881-BF09-EF54FB1DB22C}"/>
-              </a:ext>
-            </a:extLst>
-          </p:cNvPr>
-          <p:cNvSpPr>
-            <a:spLocks noGrp="1"/>
-          </p:cNvSpPr>
-          <p:nvPr>
-            <p:ph idx="1"/>
-          </p:nvPr>
-        </p:nvSpPr>
-        <p:spPr>
-          <a:xfrm>
-            <a:off x="1451579" y="1853753"/>
-            <a:ext cx="9603275" cy="4199727"/>
-          </a:xfrm>
-        </p:spPr>
-        <p:txBody>
-          <a:bodyPr/>
-          <a:lstStyle/>
-          <a:p>
-            <a:r>
-              <a:rPr lang="en-US" dirty="0"/>
-              <a:t>We may often want to use addresses as a source of location data. </a:t>
-            </a:r>
-          </a:p>
-          <a:p>
-            <a:r>
-              <a:rPr lang="en-US" dirty="0"/>
-              <a:t>Addresses can be converted into latitude and longitude by geocoding. </a:t>
-            </a:r>
-          </a:p>
-          <a:p>
-            <a:r>
-              <a:rPr lang="en-US" dirty="0"/>
-              <a:t>Geocoding translates address into a point. </a:t>
-            </a:r>
-          </a:p>
-          <a:p>
-            <a:pPr lvl="1"/>
-            <a:r>
-              <a:rPr lang="en-US" dirty="0"/>
-              <a:t>Requires some external service/library to do the work. </a:t>
-            </a:r>
-          </a:p>
-          <a:p>
-            <a:pPr lvl="1"/>
-            <a:r>
-              <a:rPr lang="en-US" dirty="0"/>
-              <a:t>Generally paid, at least for large volumes. (Google and others give some free). </a:t>
-            </a:r>
-          </a:p>
-          <a:p>
-            <a:pPr lvl="1"/>
-            <a:r>
-              <a:rPr lang="en-US" dirty="0"/>
-              <a:t>No way to do the conversion directly, we need some middleman to do it. </a:t>
-            </a:r>
-          </a:p>
-          <a:p>
-            <a:r>
-              <a:rPr lang="en-US" dirty="0"/>
-              <a:t>In practice, some part of a data pipeline would do this. </a:t>
-            </a:r>
-          </a:p>
-          <a:p>
-            <a:pPr lvl="1"/>
-            <a:r>
-              <a:rPr lang="en-US" dirty="0"/>
-              <a:t>Data comes in with its original address data. </a:t>
-            </a:r>
-          </a:p>
-          <a:p>
-            <a:pPr lvl="1"/>
-            <a:r>
-              <a:rPr lang="en-US" dirty="0"/>
-              <a:t>Some step (pipeline transformer, or other) translates that into </a:t>
-            </a:r>
-            <a:r>
-              <a:rPr lang="en-US" dirty="0" err="1"/>
-              <a:t>lat</a:t>
-            </a:r>
-            <a:r>
-              <a:rPr lang="en-US" dirty="0"/>
-              <a:t>/</a:t>
-            </a:r>
-            <a:r>
-              <a:rPr lang="en-US" dirty="0" err="1"/>
-              <a:t>lon</a:t>
-            </a:r>
-            <a:r>
-              <a:rPr lang="en-US" dirty="0"/>
-              <a:t> for the model. </a:t>
-            </a:r>
-          </a:p>
-        </p:txBody>
-      </p:sp>
-    </p:spTree>
-    <p:extLst>
-      <p:ext uri="{BB962C8B-B14F-4D97-AF65-F5344CB8AC3E}">
-        <p14:creationId xmlns:p14="http://schemas.microsoft.com/office/powerpoint/2010/main" val="655278184"/>
-      </p:ext>
-    </p:extLst>
-  </p:cSld>
-  <p:clrMapOvr>
-    <a:masterClrMapping/>
-  </p:clrMapOvr>
-</p:sld>
-</file>
-
-<file path=ppt/slides/slide22.xml><?xml version="1.0" encoding="utf-8"?>
-<p:sld xmlns:a="http://schemas.openxmlformats.org/drawingml/2006/main" xmlns:r="http://schemas.openxmlformats.org/officeDocument/2006/relationships" xmlns:p="http://schemas.openxmlformats.org/presentationml/2006/main">
-  <p:cSld>
-    <p:spTree>
-      <p:nvGrpSpPr>
-        <p:cNvPr id="1" name=""/>
-        <p:cNvGrpSpPr/>
-        <p:nvPr/>
-      </p:nvGrpSpPr>
-      <p:grpSpPr>
-        <a:xfrm>
-          <a:off x="0" y="0"/>
-          <a:ext cx="0" cy="0"/>
-          <a:chOff x="0" y="0"/>
-          <a:chExt cx="0" cy="0"/>
-        </a:xfrm>
-      </p:grpSpPr>
-      <p:sp>
-        <p:nvSpPr>
-          <p:cNvPr id="2" name="Title 1">
-            <a:extLst>
-              <a:ext uri="{FF2B5EF4-FFF2-40B4-BE49-F238E27FC236}">
-                <a16:creationId xmlns:a16="http://schemas.microsoft.com/office/drawing/2014/main" id="{86A0D949-12C6-3BCD-A632-F7BDD158DB6E}"/>
-              </a:ext>
-            </a:extLst>
-          </p:cNvPr>
-          <p:cNvSpPr>
-            <a:spLocks noGrp="1"/>
-          </p:cNvSpPr>
-          <p:nvPr>
-            <p:ph type="title"/>
-          </p:nvPr>
-        </p:nvSpPr>
-        <p:spPr/>
-        <p:txBody>
-          <a:bodyPr/>
-          <a:lstStyle/>
-          <a:p>
-            <a:r>
-              <a:rPr lang="en-US" dirty="0"/>
-              <a:t>Geospatial Data</a:t>
-            </a:r>
-          </a:p>
-        </p:txBody>
-      </p:sp>
-      <p:sp>
-        <p:nvSpPr>
-          <p:cNvPr id="3" name="Content Placeholder 2">
-            <a:extLst>
-              <a:ext uri="{FF2B5EF4-FFF2-40B4-BE49-F238E27FC236}">
-                <a16:creationId xmlns:a16="http://schemas.microsoft.com/office/drawing/2014/main" id="{42CDE1DE-1644-D234-A63D-DE1283A2F0D5}"/>
-              </a:ext>
-            </a:extLst>
-          </p:cNvPr>
-          <p:cNvSpPr>
-            <a:spLocks noGrp="1"/>
-          </p:cNvSpPr>
-          <p:nvPr>
-            <p:ph idx="1"/>
-          </p:nvPr>
-        </p:nvSpPr>
-        <p:spPr>
-          <a:xfrm>
-            <a:off x="1451579" y="2015732"/>
-            <a:ext cx="9603275" cy="3890798"/>
-          </a:xfrm>
-        </p:spPr>
-        <p:txBody>
-          <a:bodyPr/>
-          <a:lstStyle/>
-          <a:p>
-            <a:r>
-              <a:rPr lang="en-US" dirty="0"/>
-              <a:t>We can use spatial data for anything involving geographical data. </a:t>
-            </a:r>
-          </a:p>
-          <a:p>
-            <a:r>
-              <a:rPr lang="en-US" dirty="0"/>
-              <a:t>We likely need to do some work to construct feature/target from spatial info. </a:t>
-            </a:r>
-          </a:p>
-          <a:p>
-            <a:pPr lvl="1"/>
-            <a:r>
-              <a:rPr lang="en-US" dirty="0"/>
-              <a:t>E.g. distance, density, # of things in an area, what region is this in, </a:t>
-            </a:r>
-            <a:r>
-              <a:rPr lang="en-US" dirty="0" err="1"/>
-              <a:t>etc</a:t>
-            </a:r>
-            <a:r>
-              <a:rPr lang="en-US" dirty="0"/>
-              <a:t>…</a:t>
-            </a:r>
-          </a:p>
-          <a:p>
-            <a:pPr lvl="1"/>
-            <a:r>
-              <a:rPr lang="en-US" dirty="0"/>
-              <a:t>It is unlikely that the raw geographical data is super relevant in predictions. </a:t>
-            </a:r>
-          </a:p>
-          <a:p>
-            <a:r>
-              <a:rPr lang="en-US" dirty="0"/>
-              <a:t>Using tools like </a:t>
-            </a:r>
-            <a:r>
-              <a:rPr lang="en-US" dirty="0" err="1"/>
-              <a:t>geopandas</a:t>
-            </a:r>
-            <a:r>
-              <a:rPr lang="en-US" dirty="0"/>
-              <a:t>, we can leverage any spatial action. </a:t>
-            </a:r>
-          </a:p>
-          <a:p>
-            <a:pPr lvl="1"/>
-            <a:r>
-              <a:rPr lang="en-US" dirty="0"/>
-              <a:t>Intersections, “is in”, distance, </a:t>
-            </a:r>
-            <a:r>
-              <a:rPr lang="en-US" dirty="0" err="1"/>
-              <a:t>etc</a:t>
-            </a:r>
-            <a:r>
-              <a:rPr lang="en-US" dirty="0"/>
-              <a:t>…</a:t>
-            </a:r>
-          </a:p>
-          <a:p>
-            <a:r>
-              <a:rPr lang="en-US" dirty="0"/>
-              <a:t>Spatial data can be mapped, along with what we generate for display. </a:t>
-            </a:r>
-          </a:p>
-        </p:txBody>
-      </p:sp>
-    </p:spTree>
-    <p:extLst>
-      <p:ext uri="{BB962C8B-B14F-4D97-AF65-F5344CB8AC3E}">
-        <p14:creationId xmlns:p14="http://schemas.microsoft.com/office/powerpoint/2010/main" val="2519332128"/>
-      </p:ext>
-    </p:extLst>
-  </p:cSld>
-  <p:clrMapOvr>
-    <a:masterClrMapping/>
-  </p:clrMapOvr>
-</p:sld>
-</file>
-
-<file path=ppt/slides/slide3.xml><?xml version="1.0" encoding="utf-8"?>
-<p:sld xmlns:a="http://schemas.openxmlformats.org/drawingml/2006/main" xmlns:r="http://schemas.openxmlformats.org/officeDocument/2006/relationships" xmlns:p="http://schemas.openxmlformats.org/presentationml/2006/main">
-  <p:cSld>
-    <p:spTree>
-      <p:nvGrpSpPr>
-        <p:cNvPr id="1" name=""/>
-        <p:cNvGrpSpPr/>
-        <p:nvPr/>
-      </p:nvGrpSpPr>
-      <p:grpSpPr>
-        <a:xfrm>
-          <a:off x="0" y="0"/>
-          <a:ext cx="0" cy="0"/>
-          <a:chOff x="0" y="0"/>
-          <a:chExt cx="0" cy="0"/>
-        </a:xfrm>
-      </p:grpSpPr>
-      <p:sp>
-        <p:nvSpPr>
-          <p:cNvPr id="2" name="Title 1">
-            <a:extLst>
-              <a:ext uri="{FF2B5EF4-FFF2-40B4-BE49-F238E27FC236}">
-                <a16:creationId xmlns:a16="http://schemas.microsoft.com/office/drawing/2014/main" id="{13ACCB48-33DC-B129-ABE9-2910D86569D5}"/>
-              </a:ext>
-            </a:extLst>
-          </p:cNvPr>
-          <p:cNvSpPr>
-            <a:spLocks noGrp="1"/>
-          </p:cNvSpPr>
-          <p:nvPr>
-            <p:ph type="title"/>
-          </p:nvPr>
-        </p:nvSpPr>
-        <p:spPr/>
-        <p:txBody>
-          <a:bodyPr/>
-          <a:lstStyle/>
-          <a:p>
-            <a:r>
-              <a:rPr lang="en-US" dirty="0"/>
-              <a:t>Text Representations</a:t>
-            </a:r>
-          </a:p>
-        </p:txBody>
-      </p:sp>
-      <p:sp>
-        <p:nvSpPr>
-          <p:cNvPr id="3" name="Content Placeholder 2">
-            <a:extLst>
-              <a:ext uri="{FF2B5EF4-FFF2-40B4-BE49-F238E27FC236}">
-                <a16:creationId xmlns:a16="http://schemas.microsoft.com/office/drawing/2014/main" id="{8BB1B63C-BC7A-DBA7-7F1F-B8C3B0ABA3CE}"/>
-              </a:ext>
-            </a:extLst>
-          </p:cNvPr>
-          <p:cNvSpPr>
-            <a:spLocks noGrp="1"/>
-          </p:cNvSpPr>
-          <p:nvPr>
-            <p:ph idx="1"/>
-          </p:nvPr>
-        </p:nvSpPr>
-        <p:spPr>
-          <a:xfrm>
-            <a:off x="1451579" y="1853754"/>
-            <a:ext cx="9603275" cy="4298568"/>
-          </a:xfrm>
-        </p:spPr>
-        <p:txBody>
-          <a:bodyPr/>
-          <a:lstStyle/>
-          <a:p>
-            <a:r>
-              <a:rPr lang="en-US" dirty="0"/>
-              <a:t>Like with any other unstructured data (images, text, </a:t>
-            </a:r>
-            <a:r>
-              <a:rPr lang="en-US" dirty="0" err="1"/>
-              <a:t>etc</a:t>
-            </a:r>
-            <a:r>
-              <a:rPr lang="en-US" dirty="0"/>
-              <a:t>…), we must create a representation for our text in a structured format, so it can be used by our models. </a:t>
-            </a:r>
-          </a:p>
-          <a:p>
-            <a:r>
-              <a:rPr lang="en-US" dirty="0"/>
-              <a:t>First step is tokenization – breaking text into “terms”, usually 1 word, but possibly more. </a:t>
-            </a:r>
-          </a:p>
-          <a:p>
-            <a:r>
-              <a:rPr lang="en-US" dirty="0"/>
-              <a:t>Several methods exist to transform text into a numeric representation – vector:</a:t>
-            </a:r>
-          </a:p>
-          <a:p>
-            <a:pPr lvl="1"/>
-            <a:r>
-              <a:rPr lang="en-US" dirty="0"/>
-              <a:t>Count vectorization – features are common tokens, values are frequency counts. </a:t>
-            </a:r>
-          </a:p>
-          <a:p>
-            <a:pPr lvl="1"/>
-            <a:r>
-              <a:rPr lang="en-US" dirty="0"/>
-              <a:t>TF-IDF – features are common tokens, values are calculated from frequency. </a:t>
-            </a:r>
-          </a:p>
-          <a:p>
-            <a:pPr lvl="1"/>
-            <a:r>
-              <a:rPr lang="en-US" dirty="0"/>
-              <a:t>LSA – features are ‘topics’, values are ‘topic scores’, generated from PCA-</a:t>
-            </a:r>
-            <a:r>
-              <a:rPr lang="en-US" dirty="0" err="1"/>
-              <a:t>ish</a:t>
-            </a:r>
-            <a:r>
-              <a:rPr lang="en-US" dirty="0"/>
-              <a:t> transformation. </a:t>
-            </a:r>
-          </a:p>
-          <a:p>
-            <a:pPr lvl="1"/>
-            <a:r>
-              <a:rPr lang="en-US" dirty="0"/>
-              <a:t>Word2Vec – features are embedding dimensions, values are scores, generated from NN. </a:t>
-            </a:r>
-          </a:p>
-          <a:p>
-            <a:r>
-              <a:rPr lang="en-US" dirty="0"/>
-              <a:t>This representation will highly impact the quality of models that use the data. </a:t>
-            </a:r>
-          </a:p>
-        </p:txBody>
-      </p:sp>
-    </p:spTree>
-    <p:extLst>
-      <p:ext uri="{BB962C8B-B14F-4D97-AF65-F5344CB8AC3E}">
-        <p14:creationId xmlns:p14="http://schemas.microsoft.com/office/powerpoint/2010/main" val="4032013804"/>
-      </p:ext>
-    </p:extLst>
-  </p:cSld>
-  <p:clrMapOvr>
-    <a:masterClrMapping/>
-  </p:clrMapOvr>
-</p:sld>
-</file>
-
-<file path=ppt/slides/slide4.xml><?xml version="1.0" encoding="utf-8"?>
-<p:sld xmlns:a="http://schemas.openxmlformats.org/drawingml/2006/main" xmlns:r="http://schemas.openxmlformats.org/officeDocument/2006/relationships" xmlns:p="http://schemas.openxmlformats.org/presentationml/2006/main">
-  <p:cSld>
-    <p:spTree>
-      <p:nvGrpSpPr>
-        <p:cNvPr id="1" name=""/>
-        <p:cNvGrpSpPr/>
-        <p:nvPr/>
-      </p:nvGrpSpPr>
-      <p:grpSpPr>
-        <a:xfrm>
-          <a:off x="0" y="0"/>
-          <a:ext cx="0" cy="0"/>
-          <a:chOff x="0" y="0"/>
-          <a:chExt cx="0" cy="0"/>
-        </a:xfrm>
-      </p:grpSpPr>
-      <p:sp>
-        <p:nvSpPr>
-          <p:cNvPr id="2" name="Title 1">
-            <a:extLst>
-              <a:ext uri="{FF2B5EF4-FFF2-40B4-BE49-F238E27FC236}">
-                <a16:creationId xmlns:a16="http://schemas.microsoft.com/office/drawing/2014/main" id="{69CC2F82-6CB1-C9A8-8BFD-D744E0D03D78}"/>
-              </a:ext>
-            </a:extLst>
-          </p:cNvPr>
-          <p:cNvSpPr>
-            <a:spLocks noGrp="1"/>
-          </p:cNvSpPr>
-          <p:nvPr>
-            <p:ph type="title"/>
-          </p:nvPr>
-        </p:nvSpPr>
-        <p:spPr/>
-        <p:txBody>
-          <a:bodyPr/>
-          <a:lstStyle/>
-          <a:p>
-            <a:r>
-              <a:rPr lang="en-US" dirty="0"/>
-              <a:t>Count Vectorization</a:t>
-            </a:r>
-          </a:p>
-        </p:txBody>
-      </p:sp>
-      <p:sp>
-        <p:nvSpPr>
-          <p:cNvPr id="3" name="Content Placeholder 2">
-            <a:extLst>
-              <a:ext uri="{FF2B5EF4-FFF2-40B4-BE49-F238E27FC236}">
-                <a16:creationId xmlns:a16="http://schemas.microsoft.com/office/drawing/2014/main" id="{91ECB55B-1538-FB75-3C70-A719129E95B6}"/>
-              </a:ext>
-            </a:extLst>
-          </p:cNvPr>
-          <p:cNvSpPr>
-            <a:spLocks noGrp="1"/>
-          </p:cNvSpPr>
-          <p:nvPr>
-            <p:ph idx="1"/>
-          </p:nvPr>
-        </p:nvSpPr>
-        <p:spPr>
-          <a:xfrm>
-            <a:off x="1451579" y="2015733"/>
-            <a:ext cx="9603275" cy="1413268"/>
-          </a:xfrm>
-        </p:spPr>
-        <p:txBody>
-          <a:bodyPr/>
-          <a:lstStyle/>
-          <a:p>
-            <a:r>
-              <a:rPr lang="en-US" dirty="0"/>
-              <a:t>Simple language, low nuance, low variance of terms, able to simplify with stem/</a:t>
-            </a:r>
-            <a:r>
-              <a:rPr lang="en-US" dirty="0" err="1"/>
-              <a:t>lem</a:t>
-            </a:r>
-            <a:r>
-              <a:rPr lang="en-US" dirty="0"/>
-              <a:t> all make this more likely to work well. </a:t>
-            </a:r>
-          </a:p>
-          <a:p>
-            <a:r>
-              <a:rPr lang="en-US" dirty="0"/>
-              <a:t>Generates a “Bag of Words”</a:t>
-            </a:r>
-          </a:p>
-        </p:txBody>
-      </p:sp>
-      <p:pic>
-        <p:nvPicPr>
-          <p:cNvPr id="4098" name="Picture 2" descr="What Is Text Vectorization? Everything You Need to Know">
-            <a:extLst>
-              <a:ext uri="{FF2B5EF4-FFF2-40B4-BE49-F238E27FC236}">
-                <a16:creationId xmlns:a16="http://schemas.microsoft.com/office/drawing/2014/main" id="{A276DA80-8911-0CFE-BE5B-C955D155DB4F}"/>
-              </a:ext>
-            </a:extLst>
-          </p:cNvPr>
-          <p:cNvPicPr>
-            <a:picLocks noChangeAspect="1" noChangeArrowheads="1"/>
-          </p:cNvPicPr>
-          <p:nvPr/>
-        </p:nvPicPr>
-        <p:blipFill>
-          <a:blip r:embed="rId2">
-            <a:extLst>
-              <a:ext uri="{28A0092B-C50C-407E-A947-70E740481C1C}">
-                <a14:useLocalDpi xmlns:a14="http://schemas.microsoft.com/office/drawing/2010/main" val="0"/>
-              </a:ext>
-            </a:extLst>
-          </a:blip>
-          <a:srcRect/>
-          <a:stretch>
-            <a:fillRect/>
-          </a:stretch>
-        </p:blipFill>
-        <p:spPr bwMode="auto">
-          <a:xfrm>
-            <a:off x="2504861" y="3546953"/>
-            <a:ext cx="7496710" cy="3311047"/>
-          </a:xfrm>
-          <a:prstGeom prst="rect">
-            <a:avLst/>
-          </a:prstGeom>
-          <a:noFill/>
-          <a:extLst>
-            <a:ext uri="{909E8E84-426E-40DD-AFC4-6F175D3DCCD1}">
-              <a14:hiddenFill xmlns:a14="http://schemas.microsoft.com/office/drawing/2010/main">
-                <a:solidFill>
-                  <a:srgbClr val="FFFFFF"/>
-                </a:solidFill>
-              </a14:hiddenFill>
-            </a:ext>
-          </a:extLst>
-        </p:spPr>
-      </p:pic>
-    </p:spTree>
-    <p:extLst>
-      <p:ext uri="{BB962C8B-B14F-4D97-AF65-F5344CB8AC3E}">
-        <p14:creationId xmlns:p14="http://schemas.microsoft.com/office/powerpoint/2010/main" val="3168217185"/>
-      </p:ext>
-    </p:extLst>
-  </p:cSld>
-  <p:clrMapOvr>
-    <a:masterClrMapping/>
-  </p:clrMapOvr>
-</p:sld>
-</file>
-
-<file path=ppt/slides/slide5.xml><?xml version="1.0" encoding="utf-8"?>
 <p:sld xmlns:a="http://schemas.openxmlformats.org/drawingml/2006/main" xmlns:r="http://schemas.openxmlformats.org/officeDocument/2006/relationships" xmlns:p="http://schemas.openxmlformats.org/presentationml/2006/main">
   <p:cSld>
     <p:bg>
@@ -6209,7 +4876,7 @@
           <p:cNvPr id="2" name="Title 1">
             <a:extLst>
               <a:ext uri="{FF2B5EF4-FFF2-40B4-BE49-F238E27FC236}">
-                <a16:creationId xmlns:a16="http://schemas.microsoft.com/office/drawing/2014/main" id="{28CBFA53-8C71-98B2-AE8A-EE4BFF2A2554}"/>
+                <a16:creationId xmlns:a16="http://schemas.microsoft.com/office/drawing/2014/main" id="{6EA3BB97-62D5-398A-77A0-4679973F360E}"/>
               </a:ext>
             </a:extLst>
           </p:cNvPr>
@@ -6234,17 +4901,142 @@
           <a:p>
             <a:r>
               <a:rPr lang="en-US" dirty="0"/>
-              <a:t>TF-IDF Vectorization</a:t>
+              <a:t>Spatial Data</a:t>
+            </a:r>
+          </a:p>
+        </p:txBody>
+      </p:sp>
+      <p:sp>
+        <p:nvSpPr>
+          <p:cNvPr id="3" name="Content Placeholder 2">
+            <a:extLst>
+              <a:ext uri="{FF2B5EF4-FFF2-40B4-BE49-F238E27FC236}">
+                <a16:creationId xmlns:a16="http://schemas.microsoft.com/office/drawing/2014/main" id="{4050B800-C9D1-2F6F-0D89-437FAC34C1A0}"/>
+              </a:ext>
+            </a:extLst>
+          </p:cNvPr>
+          <p:cNvSpPr>
+            <a:spLocks noGrp="1"/>
+          </p:cNvSpPr>
+          <p:nvPr>
+            <p:ph idx="1"/>
+          </p:nvPr>
+        </p:nvSpPr>
+        <p:spPr>
+          <a:xfrm>
+            <a:off x="205098" y="2015734"/>
+            <a:ext cx="7691215" cy="4037747"/>
+          </a:xfrm>
+        </p:spPr>
+        <p:txBody>
+          <a:bodyPr>
+            <a:normAutofit lnSpcReduction="10000"/>
+          </a:bodyPr>
+          <a:lstStyle/>
+          <a:p>
+            <a:pPr>
+              <a:lnSpc>
+                <a:spcPct val="110000"/>
+              </a:lnSpc>
+            </a:pPr>
+            <a:r>
+              <a:rPr lang="en-US" sz="1800" dirty="0"/>
+              <a:t>Spatial data is basically data about geography, or the stuff on a map. </a:t>
+            </a:r>
+          </a:p>
+          <a:p>
+            <a:pPr>
+              <a:lnSpc>
+                <a:spcPct val="110000"/>
+              </a:lnSpc>
+            </a:pPr>
+            <a:r>
+              <a:rPr lang="en-US" sz="1800" dirty="0"/>
+              <a:t>Spatial files. </a:t>
+            </a:r>
+          </a:p>
+          <a:p>
+            <a:pPr lvl="1">
+              <a:lnSpc>
+                <a:spcPct val="110000"/>
+              </a:lnSpc>
+            </a:pPr>
+            <a:r>
+              <a:rPr lang="en-US" dirty="0"/>
+              <a:t>Define the boundaries of some area (e.g. neighborhood). </a:t>
+            </a:r>
+          </a:p>
+          <a:p>
+            <a:pPr lvl="1">
+              <a:lnSpc>
+                <a:spcPct val="110000"/>
+              </a:lnSpc>
+            </a:pPr>
+            <a:r>
+              <a:rPr lang="en-US" dirty="0"/>
+              <a:t>E.g. the spatial file for Edmonton neighborhoods defines the “outline” of each neighborhood. </a:t>
+            </a:r>
+          </a:p>
+          <a:p>
+            <a:pPr>
+              <a:lnSpc>
+                <a:spcPct val="110000"/>
+              </a:lnSpc>
+            </a:pPr>
+            <a:r>
+              <a:rPr lang="en-US" sz="1800" dirty="0"/>
+              <a:t>We need to join with our structured data to do something useful. </a:t>
+            </a:r>
+          </a:p>
+          <a:p>
+            <a:pPr lvl="1">
+              <a:lnSpc>
+                <a:spcPct val="110000"/>
+              </a:lnSpc>
+            </a:pPr>
+            <a:r>
+              <a:rPr lang="en-US" dirty="0"/>
+              <a:t>The structured data has some attribute denoting an area (e.g. neighborhood). </a:t>
+            </a:r>
+          </a:p>
+          <a:p>
+            <a:pPr lvl="1">
+              <a:lnSpc>
+                <a:spcPct val="110000"/>
+              </a:lnSpc>
+            </a:pPr>
+            <a:r>
+              <a:rPr lang="en-US" dirty="0"/>
+              <a:t>The spatial file has two (important) columns – that attribute and the “geometry”</a:t>
+            </a:r>
+          </a:p>
+          <a:p>
+            <a:pPr lvl="1">
+              <a:lnSpc>
+                <a:spcPct val="110000"/>
+              </a:lnSpc>
+            </a:pPr>
+            <a:r>
+              <a:rPr lang="en-US" dirty="0"/>
+              <a:t>The geometry defines an outline of each area, in latitude and longitude </a:t>
+            </a:r>
+            <a:r>
+              <a:rPr lang="en-US" dirty="0" err="1"/>
+              <a:t>coordiantes</a:t>
+            </a:r>
+            <a:r>
+              <a:rPr lang="en-US" dirty="0"/>
+              <a:t>. </a:t>
             </a:r>
           </a:p>
         </p:txBody>
       </p:sp>
       <p:pic>
         <p:nvPicPr>
-          <p:cNvPr id="3076" name="Picture 4" descr="Concept | Handling text features for machine learning - Dataiku Knowledge  Base">
+          <p:cNvPr id="2050" name="Picture 2" descr="Vector and Raster: A Tale of Two Spatial Data Types - Velocity Business  Solutions Limited">
             <a:extLst>
               <a:ext uri="{FF2B5EF4-FFF2-40B4-BE49-F238E27FC236}">
-                <a16:creationId xmlns:a16="http://schemas.microsoft.com/office/drawing/2014/main" id="{309C3DBA-FB50-AB32-D63C-7FCE3F79A718}"/>
+                <a16:creationId xmlns:a16="http://schemas.microsoft.com/office/drawing/2014/main" id="{3D3D827C-2660-630E-3349-7DCF51D0DD7B}"/>
               </a:ext>
             </a:extLst>
           </p:cNvPr>
@@ -6267,8 +5059,8 @@
         </p:blipFill>
         <p:spPr bwMode="auto">
           <a:xfrm>
-            <a:off x="-14969" y="1853754"/>
-            <a:ext cx="8896439" cy="5004246"/>
+            <a:off x="8009018" y="2015734"/>
+            <a:ext cx="3866232" cy="3450613"/>
           </a:xfrm>
           <a:prstGeom prst="rect">
             <a:avLst/>
@@ -6285,12 +5077,70 @@
           </a:extLst>
         </p:spPr>
       </p:pic>
+    </p:spTree>
+    <p:extLst>
+      <p:ext uri="{BB962C8B-B14F-4D97-AF65-F5344CB8AC3E}">
+        <p14:creationId xmlns:p14="http://schemas.microsoft.com/office/powerpoint/2010/main" val="3659340196"/>
+      </p:ext>
+    </p:extLst>
+  </p:cSld>
+  <p:clrMapOvr>
+    <a:masterClrMapping/>
+  </p:clrMapOvr>
+</p:sld>
+</file>
+
+<file path=ppt/slides/slide18.xml><?xml version="1.0" encoding="utf-8"?>
+<p:sld xmlns:a="http://schemas.openxmlformats.org/drawingml/2006/main" xmlns:r="http://schemas.openxmlformats.org/officeDocument/2006/relationships" xmlns:p="http://schemas.openxmlformats.org/presentationml/2006/main">
+  <p:cSld>
+    <p:spTree>
+      <p:nvGrpSpPr>
+        <p:cNvPr id="1" name=""/>
+        <p:cNvGrpSpPr/>
+        <p:nvPr/>
+      </p:nvGrpSpPr>
+      <p:grpSpPr>
+        <a:xfrm>
+          <a:off x="0" y="0"/>
+          <a:ext cx="0" cy="0"/>
+          <a:chOff x="0" y="0"/>
+          <a:chExt cx="0" cy="0"/>
+        </a:xfrm>
+      </p:grpSpPr>
+      <p:sp>
+        <p:nvSpPr>
+          <p:cNvPr id="2" name="Title 1">
+            <a:extLst>
+              <a:ext uri="{FF2B5EF4-FFF2-40B4-BE49-F238E27FC236}">
+                <a16:creationId xmlns:a16="http://schemas.microsoft.com/office/drawing/2014/main" id="{F499F1B4-47F6-2A6E-CB11-DEF1E64ACF57}"/>
+              </a:ext>
+            </a:extLst>
+          </p:cNvPr>
+          <p:cNvSpPr>
+            <a:spLocks noGrp="1"/>
+          </p:cNvSpPr>
+          <p:nvPr>
+            <p:ph type="title"/>
+          </p:nvPr>
+        </p:nvSpPr>
+        <p:spPr/>
+        <p:txBody>
+          <a:bodyPr/>
+          <a:lstStyle/>
+          <a:p>
+            <a:r>
+              <a:rPr lang="en-US" dirty="0"/>
+              <a:t>Spatial Functions</a:t>
+            </a:r>
+          </a:p>
+        </p:txBody>
+      </p:sp>
       <p:sp>
         <p:nvSpPr>
           <p:cNvPr id="3" name="Content Placeholder 2">
             <a:extLst>
               <a:ext uri="{FF2B5EF4-FFF2-40B4-BE49-F238E27FC236}">
-                <a16:creationId xmlns:a16="http://schemas.microsoft.com/office/drawing/2014/main" id="{948E7C8C-4470-A5AE-CE01-5CEC749FCADA}"/>
+                <a16:creationId xmlns:a16="http://schemas.microsoft.com/office/drawing/2014/main" id="{AC0D1182-043D-C032-DEC8-6541CBB14B8A}"/>
               </a:ext>
             </a:extLst>
           </p:cNvPr>
@@ -6303,77 +5153,1892 @@
         </p:nvSpPr>
         <p:spPr>
           <a:xfrm>
-            <a:off x="8881470" y="2015734"/>
-            <a:ext cx="3310530" cy="4037747"/>
-          </a:xfrm>
-        </p:spPr>
-        <p:txBody>
-          <a:bodyPr>
-            <a:normAutofit/>
-          </a:bodyPr>
-          <a:lstStyle/>
-          <a:p>
-            <a:r>
-              <a:rPr lang="en-US" dirty="0"/>
-              <a:t>Adds frequency calculations to weight significant tokens. </a:t>
+            <a:off x="1451579" y="2015732"/>
+            <a:ext cx="9603275" cy="3903154"/>
+          </a:xfrm>
+        </p:spPr>
+        <p:txBody>
+          <a:bodyPr/>
+          <a:lstStyle/>
+          <a:p>
+            <a:r>
+              <a:rPr lang="en-US" dirty="0"/>
+              <a:t>Once the data is properly setup, we can do lots of useful things quite easily. </a:t>
             </a:r>
           </a:p>
           <a:p>
             <a:pPr lvl="1"/>
             <a:r>
               <a:rPr lang="en-US" dirty="0"/>
-              <a:t>Frequent words are less important to meaning. </a:t>
+              <a:t>GIS – geographical information systems are a family of SW that do this for real.</a:t>
+            </a:r>
+          </a:p>
+          <a:p>
+            <a:r>
+              <a:rPr lang="en-US" dirty="0"/>
+              <a:t>In Python, we can use a library called </a:t>
+            </a:r>
+            <a:r>
+              <a:rPr lang="en-US" dirty="0" err="1"/>
+              <a:t>GeoPandas</a:t>
+            </a:r>
+            <a:r>
+              <a:rPr lang="en-US" dirty="0"/>
+              <a:t> to deal with spatial data. </a:t>
             </a:r>
           </a:p>
           <a:p>
             <a:pPr lvl="1"/>
             <a:r>
               <a:rPr lang="en-US" dirty="0"/>
-              <a:t>Super rare words are less important to meaning. </a:t>
-            </a:r>
-          </a:p>
-          <a:p>
-            <a:r>
-              <a:rPr lang="en-US" dirty="0"/>
-              <a:t>“Smarter” than just using the straight count. </a:t>
-            </a:r>
+              <a:t>Works mostly like a regular </a:t>
+            </a:r>
+            <a:r>
+              <a:rPr lang="en-US" dirty="0" err="1"/>
+              <a:t>dataframe</a:t>
+            </a:r>
+            <a:r>
+              <a:rPr lang="en-US" dirty="0"/>
+              <a:t>. </a:t>
+            </a:r>
+          </a:p>
+          <a:p>
+            <a:pPr lvl="1"/>
+            <a:r>
+              <a:rPr lang="en-US" dirty="0"/>
+              <a:t>Has some special abilities to deal with mappable data. </a:t>
+            </a:r>
+          </a:p>
+          <a:p>
+            <a:r>
+              <a:rPr lang="en-US" dirty="0"/>
+              <a:t>Most things that you might measure on a map – is something in here, distance, intersection, etc.. Can be generated from </a:t>
+            </a:r>
+            <a:r>
+              <a:rPr lang="en-US" dirty="0" err="1"/>
+              <a:t>geopandas</a:t>
+            </a:r>
+            <a:r>
+              <a:rPr lang="en-US" dirty="0"/>
+              <a:t>. </a:t>
+            </a:r>
+          </a:p>
+        </p:txBody>
+      </p:sp>
+    </p:spTree>
+    <p:extLst>
+      <p:ext uri="{BB962C8B-B14F-4D97-AF65-F5344CB8AC3E}">
+        <p14:creationId xmlns:p14="http://schemas.microsoft.com/office/powerpoint/2010/main" val="1032578485"/>
+      </p:ext>
+    </p:extLst>
+  </p:cSld>
+  <p:clrMapOvr>
+    <a:masterClrMapping/>
+  </p:clrMapOvr>
+</p:sld>
+</file>
+
+<file path=ppt/slides/slide19.xml><?xml version="1.0" encoding="utf-8"?>
+<p:sld xmlns:a="http://schemas.openxmlformats.org/drawingml/2006/main" xmlns:r="http://schemas.openxmlformats.org/officeDocument/2006/relationships" xmlns:p="http://schemas.openxmlformats.org/presentationml/2006/main">
+  <p:cSld>
+    <p:spTree>
+      <p:nvGrpSpPr>
+        <p:cNvPr id="1" name=""/>
+        <p:cNvGrpSpPr/>
+        <p:nvPr/>
+      </p:nvGrpSpPr>
+      <p:grpSpPr>
+        <a:xfrm>
+          <a:off x="0" y="0"/>
+          <a:ext cx="0" cy="0"/>
+          <a:chOff x="0" y="0"/>
+          <a:chExt cx="0" cy="0"/>
+        </a:xfrm>
+      </p:grpSpPr>
+      <p:sp>
+        <p:nvSpPr>
+          <p:cNvPr id="2" name="Title 1">
+            <a:extLst>
+              <a:ext uri="{FF2B5EF4-FFF2-40B4-BE49-F238E27FC236}">
+                <a16:creationId xmlns:a16="http://schemas.microsoft.com/office/drawing/2014/main" id="{4A4CAE84-C26D-1C5D-AA10-D7334BC05B15}"/>
+              </a:ext>
+            </a:extLst>
+          </p:cNvPr>
+          <p:cNvSpPr>
+            <a:spLocks noGrp="1"/>
+          </p:cNvSpPr>
+          <p:nvPr>
+            <p:ph type="title"/>
+          </p:nvPr>
+        </p:nvSpPr>
+        <p:spPr/>
+        <p:txBody>
+          <a:bodyPr/>
+          <a:lstStyle/>
+          <a:p>
+            <a:r>
+              <a:rPr lang="en-US" dirty="0"/>
+              <a:t>Spatial Data Types</a:t>
+            </a:r>
+          </a:p>
+        </p:txBody>
+      </p:sp>
+      <p:sp>
+        <p:nvSpPr>
+          <p:cNvPr id="3" name="Content Placeholder 2">
+            <a:extLst>
+              <a:ext uri="{FF2B5EF4-FFF2-40B4-BE49-F238E27FC236}">
+                <a16:creationId xmlns:a16="http://schemas.microsoft.com/office/drawing/2014/main" id="{56F44A48-3FC8-8907-2A3D-90695CD673D1}"/>
+              </a:ext>
+            </a:extLst>
+          </p:cNvPr>
+          <p:cNvSpPr>
+            <a:spLocks noGrp="1"/>
+          </p:cNvSpPr>
+          <p:nvPr>
+            <p:ph idx="1"/>
+          </p:nvPr>
+        </p:nvSpPr>
+        <p:spPr/>
+        <p:txBody>
+          <a:bodyPr/>
+          <a:lstStyle/>
+          <a:p>
+            <a:endParaRPr lang="en-US"/>
           </a:p>
         </p:txBody>
       </p:sp>
       <p:pic>
         <p:nvPicPr>
-          <p:cNvPr id="4" name="Picture 3">
+          <p:cNvPr id="3076" name="Picture 4" descr="Chapter 7 GeoJSON | Introduction to Web Mapping">
             <a:extLst>
               <a:ext uri="{FF2B5EF4-FFF2-40B4-BE49-F238E27FC236}">
-                <a16:creationId xmlns:a16="http://schemas.microsoft.com/office/drawing/2014/main" id="{3BBF2E84-24B5-E605-4CB5-C0224BAAD2D0}"/>
+                <a16:creationId xmlns:a16="http://schemas.microsoft.com/office/drawing/2014/main" id="{7A603235-09D6-3044-1A46-854045442239}"/>
               </a:ext>
             </a:extLst>
           </p:cNvPr>
           <p:cNvPicPr>
-            <a:picLocks noChangeAspect="1"/>
+            <a:picLocks noChangeAspect="1" noChangeArrowheads="1"/>
           </p:cNvPicPr>
           <p:nvPr/>
         </p:nvPicPr>
         <p:blipFill>
-          <a:blip r:embed="rId3"/>
+          <a:blip r:embed="rId2">
+            <a:extLst>
+              <a:ext uri="{28A0092B-C50C-407E-A947-70E740481C1C}">
+                <a14:useLocalDpi xmlns:a14="http://schemas.microsoft.com/office/drawing/2010/main" val="0"/>
+              </a:ext>
+            </a:extLst>
+          </a:blip>
+          <a:srcRect/>
           <a:stretch>
             <a:fillRect/>
           </a:stretch>
         </p:blipFill>
-        <p:spPr>
-          <a:xfrm>
-            <a:off x="6934200" y="222170"/>
-            <a:ext cx="5257800" cy="1181100"/>
+        <p:spPr bwMode="auto">
+          <a:xfrm>
+            <a:off x="2727882" y="2133281"/>
+            <a:ext cx="6736236" cy="3852845"/>
           </a:xfrm>
           <a:prstGeom prst="rect">
             <a:avLst/>
           </a:prstGeom>
+          <a:noFill/>
+          <a:extLst>
+            <a:ext uri="{909E8E84-426E-40DD-AFC4-6F175D3DCCD1}">
+              <a14:hiddenFill xmlns:a14="http://schemas.microsoft.com/office/drawing/2010/main">
+                <a:solidFill>
+                  <a:srgbClr val="FFFFFF"/>
+                </a:solidFill>
+              </a14:hiddenFill>
+            </a:ext>
+          </a:extLst>
         </p:spPr>
       </p:pic>
     </p:spTree>
     <p:extLst>
       <p:ext uri="{BB962C8B-B14F-4D97-AF65-F5344CB8AC3E}">
-        <p14:creationId xmlns:p14="http://schemas.microsoft.com/office/powerpoint/2010/main" val="2694037206"/>
+        <p14:creationId xmlns:p14="http://schemas.microsoft.com/office/powerpoint/2010/main" val="2066362853"/>
+      </p:ext>
+    </p:extLst>
+  </p:cSld>
+  <p:clrMapOvr>
+    <a:masterClrMapping/>
+  </p:clrMapOvr>
+</p:sld>
+</file>
+
+<file path=ppt/slides/slide2.xml><?xml version="1.0" encoding="utf-8"?>
+<p:sld xmlns:a="http://schemas.openxmlformats.org/drawingml/2006/main" xmlns:r="http://schemas.openxmlformats.org/officeDocument/2006/relationships" xmlns:p="http://schemas.openxmlformats.org/presentationml/2006/main">
+  <p:cSld>
+    <p:spTree>
+      <p:nvGrpSpPr>
+        <p:cNvPr id="1" name=""/>
+        <p:cNvGrpSpPr/>
+        <p:nvPr/>
+      </p:nvGrpSpPr>
+      <p:grpSpPr>
+        <a:xfrm>
+          <a:off x="0" y="0"/>
+          <a:ext cx="0" cy="0"/>
+          <a:chOff x="0" y="0"/>
+          <a:chExt cx="0" cy="0"/>
+        </a:xfrm>
+      </p:grpSpPr>
+      <p:sp>
+        <p:nvSpPr>
+          <p:cNvPr id="2" name="Title 1">
+            <a:extLst>
+              <a:ext uri="{FF2B5EF4-FFF2-40B4-BE49-F238E27FC236}">
+                <a16:creationId xmlns:a16="http://schemas.microsoft.com/office/drawing/2014/main" id="{21FFEFEF-9B52-4E1D-2789-BA19D4688E52}"/>
+              </a:ext>
+            </a:extLst>
+          </p:cNvPr>
+          <p:cNvSpPr>
+            <a:spLocks noGrp="1"/>
+          </p:cNvSpPr>
+          <p:nvPr>
+            <p:ph type="title"/>
+          </p:nvPr>
+        </p:nvSpPr>
+        <p:spPr/>
+        <p:txBody>
+          <a:bodyPr/>
+          <a:lstStyle/>
+          <a:p>
+            <a:r>
+              <a:rPr lang="en-US" dirty="0"/>
+              <a:t>Review – NLP Basics</a:t>
+            </a:r>
+          </a:p>
+        </p:txBody>
+      </p:sp>
+      <p:sp>
+        <p:nvSpPr>
+          <p:cNvPr id="3" name="Content Placeholder 2">
+            <a:extLst>
+              <a:ext uri="{FF2B5EF4-FFF2-40B4-BE49-F238E27FC236}">
+                <a16:creationId xmlns:a16="http://schemas.microsoft.com/office/drawing/2014/main" id="{1F5820C5-1F32-9697-FB77-31882E11DDC1}"/>
+              </a:ext>
+            </a:extLst>
+          </p:cNvPr>
+          <p:cNvSpPr>
+            <a:spLocks noGrp="1"/>
+          </p:cNvSpPr>
+          <p:nvPr>
+            <p:ph idx="1"/>
+          </p:nvPr>
+        </p:nvSpPr>
+        <p:spPr>
+          <a:xfrm>
+            <a:off x="1451579" y="1853754"/>
+            <a:ext cx="9603275" cy="4199727"/>
+          </a:xfrm>
+        </p:spPr>
+        <p:txBody>
+          <a:bodyPr/>
+          <a:lstStyle/>
+          <a:p>
+            <a:r>
+              <a:rPr lang="en-US" dirty="0"/>
+              <a:t>We last looked at using free text in our predictions – natural language processing. </a:t>
+            </a:r>
+          </a:p>
+          <a:p>
+            <a:r>
+              <a:rPr lang="en-US" dirty="0"/>
+              <a:t>We can use text as a feature set to mainly (mainly) classification models:</a:t>
+            </a:r>
+          </a:p>
+          <a:p>
+            <a:pPr lvl="1"/>
+            <a:r>
+              <a:rPr lang="en-US" dirty="0"/>
+              <a:t>Predicting spam or not spam. </a:t>
+            </a:r>
+          </a:p>
+          <a:p>
+            <a:pPr lvl="1"/>
+            <a:r>
+              <a:rPr lang="en-US" dirty="0"/>
+              <a:t>Classifying potential customers into groups. </a:t>
+            </a:r>
+          </a:p>
+          <a:p>
+            <a:r>
+              <a:rPr lang="en-US" dirty="0"/>
+              <a:t>We can also cluster with the language data. </a:t>
+            </a:r>
+          </a:p>
+          <a:p>
+            <a:pPr lvl="1"/>
+            <a:r>
+              <a:rPr lang="en-US" dirty="0"/>
+              <a:t>Grouping employee surveys into similar clusters. </a:t>
+            </a:r>
+          </a:p>
+          <a:p>
+            <a:r>
+              <a:rPr lang="en-US" dirty="0"/>
+              <a:t>These projects all rely on translating the free text data into a feature set. </a:t>
+            </a:r>
+          </a:p>
+          <a:p>
+            <a:pPr lvl="1"/>
+            <a:r>
+              <a:rPr lang="en-US" dirty="0"/>
+              <a:t>I.e. the X data is text, the y data is something else, usually a class. </a:t>
+            </a:r>
+          </a:p>
+          <a:p>
+            <a:r>
+              <a:rPr lang="en-US" dirty="0"/>
+              <a:t>These types of models are not suited to text generation – they don’t capture sequence. </a:t>
+            </a:r>
+          </a:p>
+        </p:txBody>
+      </p:sp>
+    </p:spTree>
+    <p:extLst>
+      <p:ext uri="{BB962C8B-B14F-4D97-AF65-F5344CB8AC3E}">
+        <p14:creationId xmlns:p14="http://schemas.microsoft.com/office/powerpoint/2010/main" val="4189667197"/>
+      </p:ext>
+    </p:extLst>
+  </p:cSld>
+  <p:clrMapOvr>
+    <a:masterClrMapping/>
+  </p:clrMapOvr>
+</p:sld>
+</file>
+
+<file path=ppt/slides/slide20.xml><?xml version="1.0" encoding="utf-8"?>
+<p:sld xmlns:a="http://schemas.openxmlformats.org/drawingml/2006/main" xmlns:r="http://schemas.openxmlformats.org/officeDocument/2006/relationships" xmlns:p="http://schemas.openxmlformats.org/presentationml/2006/main">
+  <p:cSld>
+    <p:spTree>
+      <p:nvGrpSpPr>
+        <p:cNvPr id="1" name=""/>
+        <p:cNvGrpSpPr/>
+        <p:nvPr/>
+      </p:nvGrpSpPr>
+      <p:grpSpPr>
+        <a:xfrm>
+          <a:off x="0" y="0"/>
+          <a:ext cx="0" cy="0"/>
+          <a:chOff x="0" y="0"/>
+          <a:chExt cx="0" cy="0"/>
+        </a:xfrm>
+      </p:grpSpPr>
+      <p:sp>
+        <p:nvSpPr>
+          <p:cNvPr id="2" name="Title 1">
+            <a:extLst>
+              <a:ext uri="{FF2B5EF4-FFF2-40B4-BE49-F238E27FC236}">
+                <a16:creationId xmlns:a16="http://schemas.microsoft.com/office/drawing/2014/main" id="{18036F54-37EA-17A1-59E1-DA614F1B7358}"/>
+              </a:ext>
+            </a:extLst>
+          </p:cNvPr>
+          <p:cNvSpPr>
+            <a:spLocks noGrp="1"/>
+          </p:cNvSpPr>
+          <p:nvPr>
+            <p:ph type="title"/>
+          </p:nvPr>
+        </p:nvSpPr>
+        <p:spPr/>
+        <p:txBody>
+          <a:bodyPr/>
+          <a:lstStyle/>
+          <a:p>
+            <a:r>
+              <a:rPr lang="en-US" dirty="0"/>
+              <a:t>Spatial Areas</a:t>
+            </a:r>
+          </a:p>
+        </p:txBody>
+      </p:sp>
+      <p:sp>
+        <p:nvSpPr>
+          <p:cNvPr id="3" name="Content Placeholder 2">
+            <a:extLst>
+              <a:ext uri="{FF2B5EF4-FFF2-40B4-BE49-F238E27FC236}">
+                <a16:creationId xmlns:a16="http://schemas.microsoft.com/office/drawing/2014/main" id="{A7F547B6-2AA3-6F1F-790C-B716F8E61852}"/>
+              </a:ext>
+            </a:extLst>
+          </p:cNvPr>
+          <p:cNvSpPr>
+            <a:spLocks noGrp="1"/>
+          </p:cNvSpPr>
+          <p:nvPr>
+            <p:ph idx="1"/>
+          </p:nvPr>
+        </p:nvSpPr>
+        <p:spPr>
+          <a:xfrm>
+            <a:off x="1451579" y="1853754"/>
+            <a:ext cx="9603275" cy="4199727"/>
+          </a:xfrm>
+        </p:spPr>
+        <p:txBody>
+          <a:bodyPr/>
+          <a:lstStyle/>
+          <a:p>
+            <a:r>
+              <a:rPr lang="en-US" dirty="0"/>
+              <a:t>The geometry field is basically the outline of some region or space on a map. </a:t>
+            </a:r>
+          </a:p>
+          <a:p>
+            <a:r>
+              <a:rPr lang="en-US" dirty="0"/>
+              <a:t>Once we have the areas defined, we can easily calculate with them:</a:t>
+            </a:r>
+          </a:p>
+          <a:p>
+            <a:pPr lvl="1"/>
+            <a:r>
+              <a:rPr lang="en-US" dirty="0"/>
+              <a:t>Is there intersection of two areas?</a:t>
+            </a:r>
+          </a:p>
+          <a:p>
+            <a:pPr lvl="1"/>
+            <a:r>
+              <a:rPr lang="en-US" dirty="0"/>
+              <a:t>Is a point in an area? </a:t>
+            </a:r>
+          </a:p>
+          <a:p>
+            <a:pPr lvl="1"/>
+            <a:r>
+              <a:rPr lang="en-US" dirty="0"/>
+              <a:t>How large is an area? </a:t>
+            </a:r>
+          </a:p>
+          <a:p>
+            <a:r>
+              <a:rPr lang="en-US" dirty="0"/>
+              <a:t>These calculations can be done near automatically with </a:t>
+            </a:r>
+            <a:r>
+              <a:rPr lang="en-US" dirty="0" err="1"/>
+              <a:t>geopandas</a:t>
+            </a:r>
+            <a:r>
+              <a:rPr lang="en-US" dirty="0"/>
+              <a:t>. </a:t>
+            </a:r>
+          </a:p>
+        </p:txBody>
+      </p:sp>
+    </p:spTree>
+    <p:extLst>
+      <p:ext uri="{BB962C8B-B14F-4D97-AF65-F5344CB8AC3E}">
+        <p14:creationId xmlns:p14="http://schemas.microsoft.com/office/powerpoint/2010/main" val="4068685130"/>
+      </p:ext>
+    </p:extLst>
+  </p:cSld>
+  <p:clrMapOvr>
+    <a:masterClrMapping/>
+  </p:clrMapOvr>
+</p:sld>
+</file>
+
+<file path=ppt/slides/slide21.xml><?xml version="1.0" encoding="utf-8"?>
+<p:sld xmlns:a="http://schemas.openxmlformats.org/drawingml/2006/main" xmlns:r="http://schemas.openxmlformats.org/officeDocument/2006/relationships" xmlns:p="http://schemas.openxmlformats.org/presentationml/2006/main">
+  <p:cSld>
+    <p:spTree>
+      <p:nvGrpSpPr>
+        <p:cNvPr id="1" name=""/>
+        <p:cNvGrpSpPr/>
+        <p:nvPr/>
+      </p:nvGrpSpPr>
+      <p:grpSpPr>
+        <a:xfrm>
+          <a:off x="0" y="0"/>
+          <a:ext cx="0" cy="0"/>
+          <a:chOff x="0" y="0"/>
+          <a:chExt cx="0" cy="0"/>
+        </a:xfrm>
+      </p:grpSpPr>
+      <p:sp>
+        <p:nvSpPr>
+          <p:cNvPr id="2" name="Title 1">
+            <a:extLst>
+              <a:ext uri="{FF2B5EF4-FFF2-40B4-BE49-F238E27FC236}">
+                <a16:creationId xmlns:a16="http://schemas.microsoft.com/office/drawing/2014/main" id="{69A847B1-0536-11E7-7CBE-A68404B71582}"/>
+              </a:ext>
+            </a:extLst>
+          </p:cNvPr>
+          <p:cNvSpPr>
+            <a:spLocks noGrp="1"/>
+          </p:cNvSpPr>
+          <p:nvPr>
+            <p:ph type="title"/>
+          </p:nvPr>
+        </p:nvSpPr>
+        <p:spPr/>
+        <p:txBody>
+          <a:bodyPr/>
+          <a:lstStyle/>
+          <a:p>
+            <a:r>
+              <a:rPr lang="en-US" dirty="0"/>
+              <a:t>Points</a:t>
+            </a:r>
+          </a:p>
+        </p:txBody>
+      </p:sp>
+      <p:sp>
+        <p:nvSpPr>
+          <p:cNvPr id="3" name="Content Placeholder 2">
+            <a:extLst>
+              <a:ext uri="{FF2B5EF4-FFF2-40B4-BE49-F238E27FC236}">
+                <a16:creationId xmlns:a16="http://schemas.microsoft.com/office/drawing/2014/main" id="{CC29031A-00D2-22B4-EE1A-7F9A5C362507}"/>
+              </a:ext>
+            </a:extLst>
+          </p:cNvPr>
+          <p:cNvSpPr>
+            <a:spLocks noGrp="1"/>
+          </p:cNvSpPr>
+          <p:nvPr>
+            <p:ph idx="1"/>
+          </p:nvPr>
+        </p:nvSpPr>
+        <p:spPr>
+          <a:xfrm>
+            <a:off x="1451579" y="2015732"/>
+            <a:ext cx="9603275" cy="4037749"/>
+          </a:xfrm>
+        </p:spPr>
+        <p:txBody>
+          <a:bodyPr/>
+          <a:lstStyle/>
+          <a:p>
+            <a:r>
+              <a:rPr lang="en-US" dirty="0"/>
+              <a:t>Points in spatial data are, well… points on a map. </a:t>
+            </a:r>
+          </a:p>
+          <a:p>
+            <a:r>
+              <a:rPr lang="en-US" dirty="0"/>
+              <a:t>Points are a special datatype that are constructed from </a:t>
+            </a:r>
+            <a:r>
+              <a:rPr lang="en-US" dirty="0" err="1"/>
+              <a:t>lat</a:t>
+            </a:r>
+            <a:r>
+              <a:rPr lang="en-US" dirty="0"/>
+              <a:t>/</a:t>
+            </a:r>
+            <a:r>
+              <a:rPr lang="en-US" dirty="0" err="1"/>
+              <a:t>lon</a:t>
+            </a:r>
+            <a:r>
+              <a:rPr lang="en-US" dirty="0"/>
+              <a:t>:</a:t>
+            </a:r>
+          </a:p>
+          <a:p>
+            <a:pPr lvl="1"/>
+            <a:r>
+              <a:rPr lang="en-US" dirty="0"/>
+              <a:t>We can make a point with the </a:t>
+            </a:r>
+            <a:r>
+              <a:rPr lang="en-US" dirty="0" err="1"/>
+              <a:t>Makepoint</a:t>
+            </a:r>
+            <a:r>
+              <a:rPr lang="en-US" dirty="0"/>
+              <a:t> function if we have latitude and longitude. </a:t>
+            </a:r>
+          </a:p>
+          <a:p>
+            <a:pPr lvl="1"/>
+            <a:r>
+              <a:rPr lang="en-US" dirty="0"/>
+              <a:t>The point data type is basically </a:t>
+            </a:r>
+            <a:r>
+              <a:rPr lang="en-US" dirty="0" err="1"/>
+              <a:t>lat</a:t>
+            </a:r>
+            <a:r>
+              <a:rPr lang="en-US" dirty="0"/>
+              <a:t>/</a:t>
+            </a:r>
+            <a:r>
+              <a:rPr lang="en-US" dirty="0" err="1"/>
+              <a:t>lon</a:t>
+            </a:r>
+            <a:r>
+              <a:rPr lang="en-US" dirty="0"/>
+              <a:t> + a ”type” that we don’t care about. </a:t>
+            </a:r>
+          </a:p>
+          <a:p>
+            <a:pPr lvl="1"/>
+            <a:r>
+              <a:rPr lang="en-US" dirty="0"/>
+              <a:t>Points allow all the other spatial functions like distance to work correctly. </a:t>
+            </a:r>
+          </a:p>
+        </p:txBody>
+      </p:sp>
+    </p:spTree>
+    <p:extLst>
+      <p:ext uri="{BB962C8B-B14F-4D97-AF65-F5344CB8AC3E}">
+        <p14:creationId xmlns:p14="http://schemas.microsoft.com/office/powerpoint/2010/main" val="3966902185"/>
+      </p:ext>
+    </p:extLst>
+  </p:cSld>
+  <p:clrMapOvr>
+    <a:masterClrMapping/>
+  </p:clrMapOvr>
+</p:sld>
+</file>
+
+<file path=ppt/slides/slide22.xml><?xml version="1.0" encoding="utf-8"?>
+<p:sld xmlns:a="http://schemas.openxmlformats.org/drawingml/2006/main" xmlns:r="http://schemas.openxmlformats.org/officeDocument/2006/relationships" xmlns:p="http://schemas.openxmlformats.org/presentationml/2006/main">
+  <p:cSld>
+    <p:spTree>
+      <p:nvGrpSpPr>
+        <p:cNvPr id="1" name=""/>
+        <p:cNvGrpSpPr/>
+        <p:nvPr/>
+      </p:nvGrpSpPr>
+      <p:grpSpPr>
+        <a:xfrm>
+          <a:off x="0" y="0"/>
+          <a:ext cx="0" cy="0"/>
+          <a:chOff x="0" y="0"/>
+          <a:chExt cx="0" cy="0"/>
+        </a:xfrm>
+      </p:grpSpPr>
+      <p:sp>
+        <p:nvSpPr>
+          <p:cNvPr id="2" name="Title 1">
+            <a:extLst>
+              <a:ext uri="{FF2B5EF4-FFF2-40B4-BE49-F238E27FC236}">
+                <a16:creationId xmlns:a16="http://schemas.microsoft.com/office/drawing/2014/main" id="{BD2EF4BA-8F1E-CA71-3563-DA14A84DCFF0}"/>
+              </a:ext>
+            </a:extLst>
+          </p:cNvPr>
+          <p:cNvSpPr>
+            <a:spLocks noGrp="1"/>
+          </p:cNvSpPr>
+          <p:nvPr>
+            <p:ph type="title"/>
+          </p:nvPr>
+        </p:nvSpPr>
+        <p:spPr/>
+        <p:txBody>
+          <a:bodyPr/>
+          <a:lstStyle/>
+          <a:p>
+            <a:r>
+              <a:rPr lang="en-US" dirty="0"/>
+              <a:t>Lines</a:t>
+            </a:r>
+          </a:p>
+        </p:txBody>
+      </p:sp>
+      <p:sp>
+        <p:nvSpPr>
+          <p:cNvPr id="3" name="Content Placeholder 2">
+            <a:extLst>
+              <a:ext uri="{FF2B5EF4-FFF2-40B4-BE49-F238E27FC236}">
+                <a16:creationId xmlns:a16="http://schemas.microsoft.com/office/drawing/2014/main" id="{E5D2CC31-CDC5-602E-00D5-2EED7B13C0C1}"/>
+              </a:ext>
+            </a:extLst>
+          </p:cNvPr>
+          <p:cNvSpPr>
+            <a:spLocks noGrp="1"/>
+          </p:cNvSpPr>
+          <p:nvPr>
+            <p:ph idx="1"/>
+          </p:nvPr>
+        </p:nvSpPr>
+        <p:spPr/>
+        <p:txBody>
+          <a:bodyPr>
+            <a:normAutofit/>
+          </a:bodyPr>
+          <a:lstStyle/>
+          <a:p>
+            <a:r>
+              <a:rPr lang="en-US" dirty="0"/>
+              <a:t>Lines are paths that connect two spatial points. </a:t>
+            </a:r>
+          </a:p>
+          <a:p>
+            <a:r>
+              <a:rPr lang="en-US" dirty="0"/>
+              <a:t>Math using points, such as distance, will automatically figure out earth curvature. </a:t>
+            </a:r>
+          </a:p>
+          <a:p>
+            <a:pPr lvl="1"/>
+            <a:r>
+              <a:rPr lang="en-US" dirty="0"/>
+              <a:t>E.g. flight path data. </a:t>
+            </a:r>
+          </a:p>
+          <a:p>
+            <a:r>
+              <a:rPr lang="en-US" dirty="0" err="1"/>
+              <a:t>Geopandas</a:t>
+            </a:r>
+            <a:r>
+              <a:rPr lang="en-US" dirty="0"/>
+              <a:t> can generate distance/length for lines or between points/areas.</a:t>
+            </a:r>
+          </a:p>
+          <a:p>
+            <a:pPr lvl="1"/>
+            <a:r>
+              <a:rPr lang="en-US" dirty="0"/>
+              <a:t>Often useful as a feature if things are related. </a:t>
+            </a:r>
+          </a:p>
+          <a:p>
+            <a:r>
+              <a:rPr lang="en-US" dirty="0"/>
+              <a:t>E.g. if we have points that are related, we can calculate distance as a feature. </a:t>
+            </a:r>
+          </a:p>
+          <a:p>
+            <a:pPr lvl="1"/>
+            <a:r>
+              <a:rPr lang="en-US" dirty="0"/>
+              <a:t>Credit card purchases can have “distance from last purchase”, which may be useful for fraud predictions. </a:t>
+            </a:r>
+          </a:p>
+        </p:txBody>
+      </p:sp>
+    </p:spTree>
+    <p:extLst>
+      <p:ext uri="{BB962C8B-B14F-4D97-AF65-F5344CB8AC3E}">
+        <p14:creationId xmlns:p14="http://schemas.microsoft.com/office/powerpoint/2010/main" val="168733102"/>
+      </p:ext>
+    </p:extLst>
+  </p:cSld>
+  <p:clrMapOvr>
+    <a:masterClrMapping/>
+  </p:clrMapOvr>
+</p:sld>
+</file>
+
+<file path=ppt/slides/slide23.xml><?xml version="1.0" encoding="utf-8"?>
+<p:sld xmlns:a="http://schemas.openxmlformats.org/drawingml/2006/main" xmlns:r="http://schemas.openxmlformats.org/officeDocument/2006/relationships" xmlns:p="http://schemas.openxmlformats.org/presentationml/2006/main">
+  <p:cSld>
+    <p:spTree>
+      <p:nvGrpSpPr>
+        <p:cNvPr id="1" name=""/>
+        <p:cNvGrpSpPr/>
+        <p:nvPr/>
+      </p:nvGrpSpPr>
+      <p:grpSpPr>
+        <a:xfrm>
+          <a:off x="0" y="0"/>
+          <a:ext cx="0" cy="0"/>
+          <a:chOff x="0" y="0"/>
+          <a:chExt cx="0" cy="0"/>
+        </a:xfrm>
+      </p:grpSpPr>
+      <p:sp>
+        <p:nvSpPr>
+          <p:cNvPr id="2" name="Title 1">
+            <a:extLst>
+              <a:ext uri="{FF2B5EF4-FFF2-40B4-BE49-F238E27FC236}">
+                <a16:creationId xmlns:a16="http://schemas.microsoft.com/office/drawing/2014/main" id="{82FD55CD-BB0C-AD9C-C929-0F3821538FC9}"/>
+              </a:ext>
+            </a:extLst>
+          </p:cNvPr>
+          <p:cNvSpPr>
+            <a:spLocks noGrp="1"/>
+          </p:cNvSpPr>
+          <p:nvPr>
+            <p:ph type="title"/>
+          </p:nvPr>
+        </p:nvSpPr>
+        <p:spPr/>
+        <p:txBody>
+          <a:bodyPr/>
+          <a:lstStyle/>
+          <a:p>
+            <a:r>
+              <a:rPr lang="en-US" dirty="0"/>
+              <a:t>Spatial Joins</a:t>
+            </a:r>
+          </a:p>
+        </p:txBody>
+      </p:sp>
+      <p:sp>
+        <p:nvSpPr>
+          <p:cNvPr id="3" name="Content Placeholder 2">
+            <a:extLst>
+              <a:ext uri="{FF2B5EF4-FFF2-40B4-BE49-F238E27FC236}">
+                <a16:creationId xmlns:a16="http://schemas.microsoft.com/office/drawing/2014/main" id="{DCB28767-0EFB-BA4D-6A1F-97585F7D9F8F}"/>
+              </a:ext>
+            </a:extLst>
+          </p:cNvPr>
+          <p:cNvSpPr>
+            <a:spLocks noGrp="1"/>
+          </p:cNvSpPr>
+          <p:nvPr>
+            <p:ph idx="1"/>
+          </p:nvPr>
+        </p:nvSpPr>
+        <p:spPr>
+          <a:xfrm>
+            <a:off x="1451579" y="2015732"/>
+            <a:ext cx="9603275" cy="4037749"/>
+          </a:xfrm>
+        </p:spPr>
+        <p:txBody>
+          <a:bodyPr/>
+          <a:lstStyle/>
+          <a:p>
+            <a:r>
+              <a:rPr lang="en-US" dirty="0"/>
+              <a:t>We can also join two spatial files together using spatial joins. </a:t>
+            </a:r>
+          </a:p>
+          <a:p>
+            <a:r>
+              <a:rPr lang="en-US" dirty="0"/>
+              <a:t>Spatial joins do a join, just like SQL, but the “join on” condition differs. </a:t>
+            </a:r>
+          </a:p>
+          <a:p>
+            <a:pPr lvl="1"/>
+            <a:r>
+              <a:rPr lang="en-US" dirty="0" err="1"/>
+              <a:t>Geopandas</a:t>
+            </a:r>
+            <a:r>
+              <a:rPr lang="en-US" dirty="0"/>
+              <a:t> will determine intersection of points and areas or areas and areas to do the join. </a:t>
+            </a:r>
+          </a:p>
+          <a:p>
+            <a:r>
+              <a:rPr lang="en-US" dirty="0"/>
+              <a:t>Allows us to relate points to where they happened. </a:t>
+            </a:r>
+          </a:p>
+          <a:p>
+            <a:pPr lvl="1"/>
+            <a:r>
+              <a:rPr lang="en-US" dirty="0"/>
+              <a:t>Map traffic accidents to regions, homes to neighborhoods, </a:t>
+            </a:r>
+            <a:r>
+              <a:rPr lang="en-US" dirty="0" err="1"/>
+              <a:t>etc</a:t>
+            </a:r>
+            <a:r>
+              <a:rPr lang="en-US" dirty="0"/>
+              <a:t>…</a:t>
+            </a:r>
+          </a:p>
+          <a:p>
+            <a:r>
+              <a:rPr lang="en-US" dirty="0"/>
+              <a:t>Can also connect areas. </a:t>
+            </a:r>
+          </a:p>
+          <a:p>
+            <a:pPr lvl="1"/>
+            <a:r>
+              <a:rPr lang="en-US" dirty="0"/>
+              <a:t>Where regions overlap or intersect. </a:t>
+            </a:r>
+          </a:p>
+        </p:txBody>
+      </p:sp>
+    </p:spTree>
+    <p:extLst>
+      <p:ext uri="{BB962C8B-B14F-4D97-AF65-F5344CB8AC3E}">
+        <p14:creationId xmlns:p14="http://schemas.microsoft.com/office/powerpoint/2010/main" val="2735527654"/>
+      </p:ext>
+    </p:extLst>
+  </p:cSld>
+  <p:clrMapOvr>
+    <a:masterClrMapping/>
+  </p:clrMapOvr>
+</p:sld>
+</file>
+
+<file path=ppt/slides/slide24.xml><?xml version="1.0" encoding="utf-8"?>
+<p:sld xmlns:a="http://schemas.openxmlformats.org/drawingml/2006/main" xmlns:r="http://schemas.openxmlformats.org/officeDocument/2006/relationships" xmlns:p="http://schemas.openxmlformats.org/presentationml/2006/main">
+  <p:cSld>
+    <p:spTree>
+      <p:nvGrpSpPr>
+        <p:cNvPr id="1" name=""/>
+        <p:cNvGrpSpPr/>
+        <p:nvPr/>
+      </p:nvGrpSpPr>
+      <p:grpSpPr>
+        <a:xfrm>
+          <a:off x="0" y="0"/>
+          <a:ext cx="0" cy="0"/>
+          <a:chOff x="0" y="0"/>
+          <a:chExt cx="0" cy="0"/>
+        </a:xfrm>
+      </p:grpSpPr>
+      <p:sp>
+        <p:nvSpPr>
+          <p:cNvPr id="2" name="Title 1">
+            <a:extLst>
+              <a:ext uri="{FF2B5EF4-FFF2-40B4-BE49-F238E27FC236}">
+                <a16:creationId xmlns:a16="http://schemas.microsoft.com/office/drawing/2014/main" id="{26EADFE8-F13D-6099-C3D7-24A6AFF95F21}"/>
+              </a:ext>
+            </a:extLst>
+          </p:cNvPr>
+          <p:cNvSpPr>
+            <a:spLocks noGrp="1"/>
+          </p:cNvSpPr>
+          <p:nvPr>
+            <p:ph type="title"/>
+          </p:nvPr>
+        </p:nvSpPr>
+        <p:spPr/>
+        <p:txBody>
+          <a:bodyPr/>
+          <a:lstStyle/>
+          <a:p>
+            <a:r>
+              <a:rPr lang="en-US" dirty="0"/>
+              <a:t>Predicting with Spatial Data</a:t>
+            </a:r>
+          </a:p>
+        </p:txBody>
+      </p:sp>
+      <p:sp>
+        <p:nvSpPr>
+          <p:cNvPr id="3" name="Content Placeholder 2">
+            <a:extLst>
+              <a:ext uri="{FF2B5EF4-FFF2-40B4-BE49-F238E27FC236}">
+                <a16:creationId xmlns:a16="http://schemas.microsoft.com/office/drawing/2014/main" id="{9F6E91CC-CD7C-A049-55A3-41BDAF3BE3EF}"/>
+              </a:ext>
+            </a:extLst>
+          </p:cNvPr>
+          <p:cNvSpPr>
+            <a:spLocks noGrp="1"/>
+          </p:cNvSpPr>
+          <p:nvPr>
+            <p:ph idx="1"/>
+          </p:nvPr>
+        </p:nvSpPr>
+        <p:spPr>
+          <a:xfrm>
+            <a:off x="0" y="2015732"/>
+            <a:ext cx="7136146" cy="4037749"/>
+          </a:xfrm>
+        </p:spPr>
+        <p:txBody>
+          <a:bodyPr>
+            <a:normAutofit lnSpcReduction="10000"/>
+          </a:bodyPr>
+          <a:lstStyle/>
+          <a:p>
+            <a:r>
+              <a:rPr lang="en-US" sz="2400" dirty="0"/>
+              <a:t>We commonly use spatial data and joins to make predictions in certain scenarios. </a:t>
+            </a:r>
+          </a:p>
+          <a:p>
+            <a:r>
+              <a:rPr lang="en-US" sz="2400" dirty="0"/>
+              <a:t>It is common to use a spatial join to add a label to point data. </a:t>
+            </a:r>
+          </a:p>
+          <a:p>
+            <a:pPr lvl="1"/>
+            <a:r>
+              <a:rPr lang="en-US" sz="2000" dirty="0"/>
+              <a:t>What city/neighborhood/ward did something happen in?</a:t>
+            </a:r>
+          </a:p>
+          <a:p>
+            <a:pPr lvl="1"/>
+            <a:r>
+              <a:rPr lang="en-US" sz="2000" dirty="0"/>
+              <a:t>Use that area as a feature, rather than raw </a:t>
+            </a:r>
+            <a:r>
+              <a:rPr lang="en-US" sz="2000" dirty="0" err="1"/>
+              <a:t>lat</a:t>
+            </a:r>
+            <a:r>
+              <a:rPr lang="en-US" sz="2000" dirty="0"/>
+              <a:t>/</a:t>
+            </a:r>
+            <a:r>
+              <a:rPr lang="en-US" sz="2000" dirty="0" err="1"/>
+              <a:t>lon</a:t>
+            </a:r>
+            <a:r>
+              <a:rPr lang="en-US" sz="2000" dirty="0"/>
+              <a:t>. </a:t>
+            </a:r>
+          </a:p>
+          <a:p>
+            <a:pPr lvl="1"/>
+            <a:r>
+              <a:rPr lang="en-US" sz="2000" dirty="0"/>
+              <a:t>Likely better than </a:t>
+            </a:r>
+            <a:r>
+              <a:rPr lang="en-US" sz="2000" dirty="0" err="1"/>
+              <a:t>lat</a:t>
+            </a:r>
+            <a:r>
+              <a:rPr lang="en-US" sz="2000" dirty="0"/>
+              <a:t>/</a:t>
+            </a:r>
+            <a:r>
+              <a:rPr lang="en-US" sz="2000" dirty="0" err="1"/>
+              <a:t>lon</a:t>
+            </a:r>
+            <a:r>
+              <a:rPr lang="en-US" sz="2000" dirty="0"/>
+              <a:t> in most real world cases. </a:t>
+            </a:r>
+          </a:p>
+          <a:p>
+            <a:r>
+              <a:rPr lang="en-US" sz="2400" dirty="0"/>
+              <a:t>We could also predict what region something happens in, if useful. </a:t>
+            </a:r>
+          </a:p>
+        </p:txBody>
+      </p:sp>
+      <p:pic>
+        <p:nvPicPr>
+          <p:cNvPr id="1026" name="Picture 2" descr="The Five Boroughs of New York City | ELIKA New York">
+            <a:extLst>
+              <a:ext uri="{FF2B5EF4-FFF2-40B4-BE49-F238E27FC236}">
+                <a16:creationId xmlns:a16="http://schemas.microsoft.com/office/drawing/2014/main" id="{2F318C1D-C753-60F2-CD70-FBFB8DB93BB5}"/>
+              </a:ext>
+            </a:extLst>
+          </p:cNvPr>
+          <p:cNvPicPr>
+            <a:picLocks noChangeAspect="1" noChangeArrowheads="1"/>
+          </p:cNvPicPr>
+          <p:nvPr/>
+        </p:nvPicPr>
+        <p:blipFill>
+          <a:blip r:embed="rId2">
+            <a:extLst>
+              <a:ext uri="{28A0092B-C50C-407E-A947-70E740481C1C}">
+                <a14:useLocalDpi xmlns:a14="http://schemas.microsoft.com/office/drawing/2010/main" val="0"/>
+              </a:ext>
+            </a:extLst>
+          </a:blip>
+          <a:srcRect/>
+          <a:stretch>
+            <a:fillRect/>
+          </a:stretch>
+        </p:blipFill>
+        <p:spPr bwMode="auto">
+          <a:xfrm>
+            <a:off x="7136146" y="1540235"/>
+            <a:ext cx="5055855" cy="4988742"/>
+          </a:xfrm>
+          <a:prstGeom prst="rect">
+            <a:avLst/>
+          </a:prstGeom>
+          <a:noFill/>
+          <a:extLst>
+            <a:ext uri="{909E8E84-426E-40DD-AFC4-6F175D3DCCD1}">
+              <a14:hiddenFill xmlns:a14="http://schemas.microsoft.com/office/drawing/2010/main">
+                <a:solidFill>
+                  <a:srgbClr val="FFFFFF"/>
+                </a:solidFill>
+              </a14:hiddenFill>
+            </a:ext>
+          </a:extLst>
+        </p:spPr>
+      </p:pic>
+    </p:spTree>
+    <p:extLst>
+      <p:ext uri="{BB962C8B-B14F-4D97-AF65-F5344CB8AC3E}">
+        <p14:creationId xmlns:p14="http://schemas.microsoft.com/office/powerpoint/2010/main" val="3219868769"/>
+      </p:ext>
+    </p:extLst>
+  </p:cSld>
+  <p:clrMapOvr>
+    <a:masterClrMapping/>
+  </p:clrMapOvr>
+</p:sld>
+</file>
+
+<file path=ppt/slides/slide25.xml><?xml version="1.0" encoding="utf-8"?>
+<p:sld xmlns:a="http://schemas.openxmlformats.org/drawingml/2006/main" xmlns:r="http://schemas.openxmlformats.org/officeDocument/2006/relationships" xmlns:p="http://schemas.openxmlformats.org/presentationml/2006/main">
+  <p:cSld>
+    <p:spTree>
+      <p:nvGrpSpPr>
+        <p:cNvPr id="1" name=""/>
+        <p:cNvGrpSpPr/>
+        <p:nvPr/>
+      </p:nvGrpSpPr>
+      <p:grpSpPr>
+        <a:xfrm>
+          <a:off x="0" y="0"/>
+          <a:ext cx="0" cy="0"/>
+          <a:chOff x="0" y="0"/>
+          <a:chExt cx="0" cy="0"/>
+        </a:xfrm>
+      </p:grpSpPr>
+      <p:sp>
+        <p:nvSpPr>
+          <p:cNvPr id="2" name="Title 1">
+            <a:extLst>
+              <a:ext uri="{FF2B5EF4-FFF2-40B4-BE49-F238E27FC236}">
+                <a16:creationId xmlns:a16="http://schemas.microsoft.com/office/drawing/2014/main" id="{34B75313-AFE8-5CBE-5423-744782102A13}"/>
+              </a:ext>
+            </a:extLst>
+          </p:cNvPr>
+          <p:cNvSpPr>
+            <a:spLocks noGrp="1"/>
+          </p:cNvSpPr>
+          <p:nvPr>
+            <p:ph type="title"/>
+          </p:nvPr>
+        </p:nvSpPr>
+        <p:spPr/>
+        <p:txBody>
+          <a:bodyPr/>
+          <a:lstStyle/>
+          <a:p>
+            <a:r>
+              <a:rPr lang="en-US" dirty="0"/>
+              <a:t>Addressees</a:t>
+            </a:r>
+          </a:p>
+        </p:txBody>
+      </p:sp>
+      <p:sp>
+        <p:nvSpPr>
+          <p:cNvPr id="3" name="Content Placeholder 2">
+            <a:extLst>
+              <a:ext uri="{FF2B5EF4-FFF2-40B4-BE49-F238E27FC236}">
+                <a16:creationId xmlns:a16="http://schemas.microsoft.com/office/drawing/2014/main" id="{46F1E91E-3793-C881-BF09-EF54FB1DB22C}"/>
+              </a:ext>
+            </a:extLst>
+          </p:cNvPr>
+          <p:cNvSpPr>
+            <a:spLocks noGrp="1"/>
+          </p:cNvSpPr>
+          <p:nvPr>
+            <p:ph idx="1"/>
+          </p:nvPr>
+        </p:nvSpPr>
+        <p:spPr>
+          <a:xfrm>
+            <a:off x="1451579" y="1853753"/>
+            <a:ext cx="9603275" cy="4199727"/>
+          </a:xfrm>
+        </p:spPr>
+        <p:txBody>
+          <a:bodyPr/>
+          <a:lstStyle/>
+          <a:p>
+            <a:r>
+              <a:rPr lang="en-US" dirty="0"/>
+              <a:t>We may often want to use addresses as a source of location data. </a:t>
+            </a:r>
+          </a:p>
+          <a:p>
+            <a:r>
+              <a:rPr lang="en-US" dirty="0"/>
+              <a:t>Addresses can be converted into latitude and longitude by geocoding. </a:t>
+            </a:r>
+          </a:p>
+          <a:p>
+            <a:r>
+              <a:rPr lang="en-US" dirty="0"/>
+              <a:t>Geocoding translates address into a point. </a:t>
+            </a:r>
+          </a:p>
+          <a:p>
+            <a:pPr lvl="1"/>
+            <a:r>
+              <a:rPr lang="en-US" dirty="0"/>
+              <a:t>Requires some external service/library to do the work. </a:t>
+            </a:r>
+          </a:p>
+          <a:p>
+            <a:pPr lvl="1"/>
+            <a:r>
+              <a:rPr lang="en-US" dirty="0"/>
+              <a:t>Generally paid, at least for large volumes. (Google and others give some free). </a:t>
+            </a:r>
+          </a:p>
+          <a:p>
+            <a:pPr lvl="1"/>
+            <a:r>
+              <a:rPr lang="en-US" dirty="0"/>
+              <a:t>No way to do the conversion directly, we need some middleman to do it. </a:t>
+            </a:r>
+          </a:p>
+          <a:p>
+            <a:r>
+              <a:rPr lang="en-US" dirty="0"/>
+              <a:t>In practice, some part of a data pipeline would do this. </a:t>
+            </a:r>
+          </a:p>
+          <a:p>
+            <a:pPr lvl="1"/>
+            <a:r>
+              <a:rPr lang="en-US" dirty="0"/>
+              <a:t>Data comes in with its original address data. </a:t>
+            </a:r>
+          </a:p>
+          <a:p>
+            <a:pPr lvl="1"/>
+            <a:r>
+              <a:rPr lang="en-US" dirty="0"/>
+              <a:t>Some step (pipeline transformer, or other) translates that into </a:t>
+            </a:r>
+            <a:r>
+              <a:rPr lang="en-US" dirty="0" err="1"/>
+              <a:t>lat</a:t>
+            </a:r>
+            <a:r>
+              <a:rPr lang="en-US" dirty="0"/>
+              <a:t>/</a:t>
+            </a:r>
+            <a:r>
+              <a:rPr lang="en-US" dirty="0" err="1"/>
+              <a:t>lon</a:t>
+            </a:r>
+            <a:r>
+              <a:rPr lang="en-US" dirty="0"/>
+              <a:t> for the model. </a:t>
+            </a:r>
+          </a:p>
+        </p:txBody>
+      </p:sp>
+    </p:spTree>
+    <p:extLst>
+      <p:ext uri="{BB962C8B-B14F-4D97-AF65-F5344CB8AC3E}">
+        <p14:creationId xmlns:p14="http://schemas.microsoft.com/office/powerpoint/2010/main" val="655278184"/>
+      </p:ext>
+    </p:extLst>
+  </p:cSld>
+  <p:clrMapOvr>
+    <a:masterClrMapping/>
+  </p:clrMapOvr>
+</p:sld>
+</file>
+
+<file path=ppt/slides/slide26.xml><?xml version="1.0" encoding="utf-8"?>
+<p:sld xmlns:a="http://schemas.openxmlformats.org/drawingml/2006/main" xmlns:r="http://schemas.openxmlformats.org/officeDocument/2006/relationships" xmlns:p="http://schemas.openxmlformats.org/presentationml/2006/main">
+  <p:cSld>
+    <p:spTree>
+      <p:nvGrpSpPr>
+        <p:cNvPr id="1" name=""/>
+        <p:cNvGrpSpPr/>
+        <p:nvPr/>
+      </p:nvGrpSpPr>
+      <p:grpSpPr>
+        <a:xfrm>
+          <a:off x="0" y="0"/>
+          <a:ext cx="0" cy="0"/>
+          <a:chOff x="0" y="0"/>
+          <a:chExt cx="0" cy="0"/>
+        </a:xfrm>
+      </p:grpSpPr>
+      <p:sp>
+        <p:nvSpPr>
+          <p:cNvPr id="2" name="Title 1">
+            <a:extLst>
+              <a:ext uri="{FF2B5EF4-FFF2-40B4-BE49-F238E27FC236}">
+                <a16:creationId xmlns:a16="http://schemas.microsoft.com/office/drawing/2014/main" id="{86A0D949-12C6-3BCD-A632-F7BDD158DB6E}"/>
+              </a:ext>
+            </a:extLst>
+          </p:cNvPr>
+          <p:cNvSpPr>
+            <a:spLocks noGrp="1"/>
+          </p:cNvSpPr>
+          <p:nvPr>
+            <p:ph type="title"/>
+          </p:nvPr>
+        </p:nvSpPr>
+        <p:spPr/>
+        <p:txBody>
+          <a:bodyPr/>
+          <a:lstStyle/>
+          <a:p>
+            <a:r>
+              <a:rPr lang="en-US" dirty="0"/>
+              <a:t>Geospatial Data</a:t>
+            </a:r>
+          </a:p>
+        </p:txBody>
+      </p:sp>
+      <p:sp>
+        <p:nvSpPr>
+          <p:cNvPr id="3" name="Content Placeholder 2">
+            <a:extLst>
+              <a:ext uri="{FF2B5EF4-FFF2-40B4-BE49-F238E27FC236}">
+                <a16:creationId xmlns:a16="http://schemas.microsoft.com/office/drawing/2014/main" id="{42CDE1DE-1644-D234-A63D-DE1283A2F0D5}"/>
+              </a:ext>
+            </a:extLst>
+          </p:cNvPr>
+          <p:cNvSpPr>
+            <a:spLocks noGrp="1"/>
+          </p:cNvSpPr>
+          <p:nvPr>
+            <p:ph idx="1"/>
+          </p:nvPr>
+        </p:nvSpPr>
+        <p:spPr>
+          <a:xfrm>
+            <a:off x="1451579" y="2015732"/>
+            <a:ext cx="9603275" cy="3890798"/>
+          </a:xfrm>
+        </p:spPr>
+        <p:txBody>
+          <a:bodyPr/>
+          <a:lstStyle/>
+          <a:p>
+            <a:r>
+              <a:rPr lang="en-US" dirty="0"/>
+              <a:t>We can use spatial data for anything involving geographical data. </a:t>
+            </a:r>
+          </a:p>
+          <a:p>
+            <a:r>
+              <a:rPr lang="en-US" dirty="0"/>
+              <a:t>We likely need to do some work to construct feature/target from spatial info. </a:t>
+            </a:r>
+          </a:p>
+          <a:p>
+            <a:pPr lvl="1"/>
+            <a:r>
+              <a:rPr lang="en-US" dirty="0"/>
+              <a:t>E.g. distance, density, # of things in an area, what region is this in, </a:t>
+            </a:r>
+            <a:r>
+              <a:rPr lang="en-US" dirty="0" err="1"/>
+              <a:t>etc</a:t>
+            </a:r>
+            <a:r>
+              <a:rPr lang="en-US" dirty="0"/>
+              <a:t>…</a:t>
+            </a:r>
+          </a:p>
+          <a:p>
+            <a:pPr lvl="1"/>
+            <a:r>
+              <a:rPr lang="en-US" dirty="0"/>
+              <a:t>It is unlikely that the raw geographical data is super relevant in predictions. </a:t>
+            </a:r>
+          </a:p>
+          <a:p>
+            <a:r>
+              <a:rPr lang="en-US" dirty="0"/>
+              <a:t>Using tools like </a:t>
+            </a:r>
+            <a:r>
+              <a:rPr lang="en-US" dirty="0" err="1"/>
+              <a:t>geopandas</a:t>
+            </a:r>
+            <a:r>
+              <a:rPr lang="en-US" dirty="0"/>
+              <a:t>, we can leverage any spatial action. </a:t>
+            </a:r>
+          </a:p>
+          <a:p>
+            <a:pPr lvl="1"/>
+            <a:r>
+              <a:rPr lang="en-US" dirty="0"/>
+              <a:t>Intersections, “is in”, distance, </a:t>
+            </a:r>
+            <a:r>
+              <a:rPr lang="en-US" dirty="0" err="1"/>
+              <a:t>etc</a:t>
+            </a:r>
+            <a:r>
+              <a:rPr lang="en-US" dirty="0"/>
+              <a:t>…</a:t>
+            </a:r>
+          </a:p>
+          <a:p>
+            <a:r>
+              <a:rPr lang="en-US" dirty="0"/>
+              <a:t>Spatial data can be mapped, along with what we generate for display. </a:t>
+            </a:r>
+          </a:p>
+        </p:txBody>
+      </p:sp>
+    </p:spTree>
+    <p:extLst>
+      <p:ext uri="{BB962C8B-B14F-4D97-AF65-F5344CB8AC3E}">
+        <p14:creationId xmlns:p14="http://schemas.microsoft.com/office/powerpoint/2010/main" val="2519332128"/>
+      </p:ext>
+    </p:extLst>
+  </p:cSld>
+  <p:clrMapOvr>
+    <a:masterClrMapping/>
+  </p:clrMapOvr>
+</p:sld>
+</file>
+
+<file path=ppt/slides/slide3.xml><?xml version="1.0" encoding="utf-8"?>
+<p:sld xmlns:a="http://schemas.openxmlformats.org/drawingml/2006/main" xmlns:r="http://schemas.openxmlformats.org/officeDocument/2006/relationships" xmlns:p="http://schemas.openxmlformats.org/presentationml/2006/main">
+  <p:cSld>
+    <p:spTree>
+      <p:nvGrpSpPr>
+        <p:cNvPr id="1" name=""/>
+        <p:cNvGrpSpPr/>
+        <p:nvPr/>
+      </p:nvGrpSpPr>
+      <p:grpSpPr>
+        <a:xfrm>
+          <a:off x="0" y="0"/>
+          <a:ext cx="0" cy="0"/>
+          <a:chOff x="0" y="0"/>
+          <a:chExt cx="0" cy="0"/>
+        </a:xfrm>
+      </p:grpSpPr>
+      <p:sp>
+        <p:nvSpPr>
+          <p:cNvPr id="2" name="Title 1">
+            <a:extLst>
+              <a:ext uri="{FF2B5EF4-FFF2-40B4-BE49-F238E27FC236}">
+                <a16:creationId xmlns:a16="http://schemas.microsoft.com/office/drawing/2014/main" id="{13ACCB48-33DC-B129-ABE9-2910D86569D5}"/>
+              </a:ext>
+            </a:extLst>
+          </p:cNvPr>
+          <p:cNvSpPr>
+            <a:spLocks noGrp="1"/>
+          </p:cNvSpPr>
+          <p:nvPr>
+            <p:ph type="title"/>
+          </p:nvPr>
+        </p:nvSpPr>
+        <p:spPr/>
+        <p:txBody>
+          <a:bodyPr/>
+          <a:lstStyle/>
+          <a:p>
+            <a:r>
+              <a:rPr lang="en-US" dirty="0"/>
+              <a:t>Text Representations</a:t>
+            </a:r>
+          </a:p>
+        </p:txBody>
+      </p:sp>
+      <p:sp>
+        <p:nvSpPr>
+          <p:cNvPr id="3" name="Content Placeholder 2">
+            <a:extLst>
+              <a:ext uri="{FF2B5EF4-FFF2-40B4-BE49-F238E27FC236}">
+                <a16:creationId xmlns:a16="http://schemas.microsoft.com/office/drawing/2014/main" id="{8BB1B63C-BC7A-DBA7-7F1F-B8C3B0ABA3CE}"/>
+              </a:ext>
+            </a:extLst>
+          </p:cNvPr>
+          <p:cNvSpPr>
+            <a:spLocks noGrp="1"/>
+          </p:cNvSpPr>
+          <p:nvPr>
+            <p:ph idx="1"/>
+          </p:nvPr>
+        </p:nvSpPr>
+        <p:spPr>
+          <a:xfrm>
+            <a:off x="1451579" y="1853754"/>
+            <a:ext cx="9603275" cy="4298568"/>
+          </a:xfrm>
+        </p:spPr>
+        <p:txBody>
+          <a:bodyPr/>
+          <a:lstStyle/>
+          <a:p>
+            <a:r>
+              <a:rPr lang="en-US" dirty="0"/>
+              <a:t>Like with any other unstructured data (images, text, </a:t>
+            </a:r>
+            <a:r>
+              <a:rPr lang="en-US" dirty="0" err="1"/>
+              <a:t>etc</a:t>
+            </a:r>
+            <a:r>
+              <a:rPr lang="en-US" dirty="0"/>
+              <a:t>…), we must create a representation for our text in a structured format, so it can be used by our models. </a:t>
+            </a:r>
+          </a:p>
+          <a:p>
+            <a:r>
+              <a:rPr lang="en-US" dirty="0"/>
+              <a:t>First step is tokenization – breaking text into “terms”, usually 1 word, but possibly more. </a:t>
+            </a:r>
+          </a:p>
+          <a:p>
+            <a:r>
+              <a:rPr lang="en-US" dirty="0"/>
+              <a:t>Several methods exist to transform text into a numeric representation – vector:</a:t>
+            </a:r>
+          </a:p>
+          <a:p>
+            <a:pPr lvl="1"/>
+            <a:r>
+              <a:rPr lang="en-US" dirty="0"/>
+              <a:t>Count vectorization – features are common tokens, values are frequency counts. </a:t>
+            </a:r>
+          </a:p>
+          <a:p>
+            <a:pPr lvl="1"/>
+            <a:r>
+              <a:rPr lang="en-US" dirty="0"/>
+              <a:t>TF-IDF – features are common tokens, values are calculated from frequency. </a:t>
+            </a:r>
+          </a:p>
+          <a:p>
+            <a:pPr lvl="1"/>
+            <a:r>
+              <a:rPr lang="en-US" dirty="0"/>
+              <a:t>LSA – features are ‘topics’, values are ‘topic scores’, generated from PCA-</a:t>
+            </a:r>
+            <a:r>
+              <a:rPr lang="en-US" dirty="0" err="1"/>
+              <a:t>ish</a:t>
+            </a:r>
+            <a:r>
+              <a:rPr lang="en-US" dirty="0"/>
+              <a:t> transformation. </a:t>
+            </a:r>
+          </a:p>
+          <a:p>
+            <a:pPr lvl="1"/>
+            <a:r>
+              <a:rPr lang="en-US" dirty="0"/>
+              <a:t>Word2Vec – features are embedding dimensions, values are scores, generated from NN. </a:t>
+            </a:r>
+          </a:p>
+          <a:p>
+            <a:r>
+              <a:rPr lang="en-US" dirty="0"/>
+              <a:t>This representation will highly impact the quality of models that use the data. </a:t>
+            </a:r>
+          </a:p>
+        </p:txBody>
+      </p:sp>
+    </p:spTree>
+    <p:extLst>
+      <p:ext uri="{BB962C8B-B14F-4D97-AF65-F5344CB8AC3E}">
+        <p14:creationId xmlns:p14="http://schemas.microsoft.com/office/powerpoint/2010/main" val="4032013804"/>
+      </p:ext>
+    </p:extLst>
+  </p:cSld>
+  <p:clrMapOvr>
+    <a:masterClrMapping/>
+  </p:clrMapOvr>
+</p:sld>
+</file>
+
+<file path=ppt/slides/slide4.xml><?xml version="1.0" encoding="utf-8"?>
+<p:sld xmlns:a="http://schemas.openxmlformats.org/drawingml/2006/main" xmlns:r="http://schemas.openxmlformats.org/officeDocument/2006/relationships" xmlns:p="http://schemas.openxmlformats.org/presentationml/2006/main">
+  <p:cSld>
+    <p:spTree>
+      <p:nvGrpSpPr>
+        <p:cNvPr id="1" name=""/>
+        <p:cNvGrpSpPr/>
+        <p:nvPr/>
+      </p:nvGrpSpPr>
+      <p:grpSpPr>
+        <a:xfrm>
+          <a:off x="0" y="0"/>
+          <a:ext cx="0" cy="0"/>
+          <a:chOff x="0" y="0"/>
+          <a:chExt cx="0" cy="0"/>
+        </a:xfrm>
+      </p:grpSpPr>
+      <p:sp>
+        <p:nvSpPr>
+          <p:cNvPr id="2" name="Title 1">
+            <a:extLst>
+              <a:ext uri="{FF2B5EF4-FFF2-40B4-BE49-F238E27FC236}">
+                <a16:creationId xmlns:a16="http://schemas.microsoft.com/office/drawing/2014/main" id="{A0EAD6A6-DC4A-0BC1-D647-7369250B5CC5}"/>
+              </a:ext>
+            </a:extLst>
+          </p:cNvPr>
+          <p:cNvSpPr>
+            <a:spLocks noGrp="1"/>
+          </p:cNvSpPr>
+          <p:nvPr>
+            <p:ph type="title"/>
+          </p:nvPr>
+        </p:nvSpPr>
+        <p:spPr/>
+        <p:txBody>
+          <a:bodyPr/>
+          <a:lstStyle/>
+          <a:p>
+            <a:r>
+              <a:rPr lang="en-US" dirty="0"/>
+              <a:t>We need a numeric representation</a:t>
+            </a:r>
+          </a:p>
+        </p:txBody>
+      </p:sp>
+      <p:sp>
+        <p:nvSpPr>
+          <p:cNvPr id="3" name="Content Placeholder 2">
+            <a:extLst>
+              <a:ext uri="{FF2B5EF4-FFF2-40B4-BE49-F238E27FC236}">
+                <a16:creationId xmlns:a16="http://schemas.microsoft.com/office/drawing/2014/main" id="{7E102F9B-8F54-FBAA-CAB2-CFD6C56E1630}"/>
+              </a:ext>
+            </a:extLst>
+          </p:cNvPr>
+          <p:cNvSpPr>
+            <a:spLocks noGrp="1"/>
+          </p:cNvSpPr>
+          <p:nvPr>
+            <p:ph idx="1"/>
+          </p:nvPr>
+        </p:nvSpPr>
+        <p:spPr>
+          <a:xfrm>
+            <a:off x="1451579" y="4557160"/>
+            <a:ext cx="9603275" cy="1496322"/>
+          </a:xfrm>
+        </p:spPr>
+        <p:txBody>
+          <a:bodyPr/>
+          <a:lstStyle/>
+          <a:p>
+            <a:r>
+              <a:rPr lang="en-US" dirty="0"/>
+              <a:t>What the features are can vary – there’s no inherent correct answer. </a:t>
+            </a:r>
+          </a:p>
+          <a:p>
+            <a:r>
+              <a:rPr lang="en-US" dirty="0"/>
+              <a:t>Each vector should capture the “meaning” of the text, as well as possible. </a:t>
+            </a:r>
+          </a:p>
+          <a:p>
+            <a:r>
+              <a:rPr lang="en-US" dirty="0"/>
+              <a:t>We use the vector just like any other X dataset. </a:t>
+            </a:r>
+          </a:p>
+        </p:txBody>
+      </p:sp>
+      <p:pic>
+        <p:nvPicPr>
+          <p:cNvPr id="8194" name="Picture 2" descr="Text Vectorization: Bag of Words (BoW) | by Vaibhav Jayaswal | Towards Data  Science">
+            <a:extLst>
+              <a:ext uri="{FF2B5EF4-FFF2-40B4-BE49-F238E27FC236}">
+                <a16:creationId xmlns:a16="http://schemas.microsoft.com/office/drawing/2014/main" id="{553F1589-010F-6E90-7EC3-613B9DBE33EE}"/>
+              </a:ext>
+            </a:extLst>
+          </p:cNvPr>
+          <p:cNvPicPr>
+            <a:picLocks noChangeAspect="1" noChangeArrowheads="1"/>
+          </p:cNvPicPr>
+          <p:nvPr/>
+        </p:nvPicPr>
+        <p:blipFill>
+          <a:blip r:embed="rId2">
+            <a:extLst>
+              <a:ext uri="{28A0092B-C50C-407E-A947-70E740481C1C}">
+                <a14:useLocalDpi xmlns:a14="http://schemas.microsoft.com/office/drawing/2010/main" val="0"/>
+              </a:ext>
+            </a:extLst>
+          </a:blip>
+          <a:srcRect/>
+          <a:stretch>
+            <a:fillRect/>
+          </a:stretch>
+        </p:blipFill>
+        <p:spPr bwMode="auto">
+          <a:xfrm>
+            <a:off x="685800" y="1458359"/>
+            <a:ext cx="10820400" cy="3098800"/>
+          </a:xfrm>
+          <a:prstGeom prst="rect">
+            <a:avLst/>
+          </a:prstGeom>
+          <a:noFill/>
+          <a:extLst>
+            <a:ext uri="{909E8E84-426E-40DD-AFC4-6F175D3DCCD1}">
+              <a14:hiddenFill xmlns:a14="http://schemas.microsoft.com/office/drawing/2010/main">
+                <a:solidFill>
+                  <a:srgbClr val="FFFFFF"/>
+                </a:solidFill>
+              </a14:hiddenFill>
+            </a:ext>
+          </a:extLst>
+        </p:spPr>
+      </p:pic>
+    </p:spTree>
+    <p:extLst>
+      <p:ext uri="{BB962C8B-B14F-4D97-AF65-F5344CB8AC3E}">
+        <p14:creationId xmlns:p14="http://schemas.microsoft.com/office/powerpoint/2010/main" val="3740089390"/>
+      </p:ext>
+    </p:extLst>
+  </p:cSld>
+  <p:clrMapOvr>
+    <a:masterClrMapping/>
+  </p:clrMapOvr>
+</p:sld>
+</file>
+
+<file path=ppt/slides/slide5.xml><?xml version="1.0" encoding="utf-8"?>
+<p:sld xmlns:a="http://schemas.openxmlformats.org/drawingml/2006/main" xmlns:r="http://schemas.openxmlformats.org/officeDocument/2006/relationships" xmlns:p="http://schemas.openxmlformats.org/presentationml/2006/main">
+  <p:cSld>
+    <p:spTree>
+      <p:nvGrpSpPr>
+        <p:cNvPr id="1" name=""/>
+        <p:cNvGrpSpPr/>
+        <p:nvPr/>
+      </p:nvGrpSpPr>
+      <p:grpSpPr>
+        <a:xfrm>
+          <a:off x="0" y="0"/>
+          <a:ext cx="0" cy="0"/>
+          <a:chOff x="0" y="0"/>
+          <a:chExt cx="0" cy="0"/>
+        </a:xfrm>
+      </p:grpSpPr>
+      <p:sp>
+        <p:nvSpPr>
+          <p:cNvPr id="2" name="Title 1">
+            <a:extLst>
+              <a:ext uri="{FF2B5EF4-FFF2-40B4-BE49-F238E27FC236}">
+                <a16:creationId xmlns:a16="http://schemas.microsoft.com/office/drawing/2014/main" id="{69CC2F82-6CB1-C9A8-8BFD-D744E0D03D78}"/>
+              </a:ext>
+            </a:extLst>
+          </p:cNvPr>
+          <p:cNvSpPr>
+            <a:spLocks noGrp="1"/>
+          </p:cNvSpPr>
+          <p:nvPr>
+            <p:ph type="title"/>
+          </p:nvPr>
+        </p:nvSpPr>
+        <p:spPr/>
+        <p:txBody>
+          <a:bodyPr/>
+          <a:lstStyle/>
+          <a:p>
+            <a:r>
+              <a:rPr lang="en-US" dirty="0"/>
+              <a:t>Count Vectorization</a:t>
+            </a:r>
+          </a:p>
+        </p:txBody>
+      </p:sp>
+      <p:sp>
+        <p:nvSpPr>
+          <p:cNvPr id="3" name="Content Placeholder 2">
+            <a:extLst>
+              <a:ext uri="{FF2B5EF4-FFF2-40B4-BE49-F238E27FC236}">
+                <a16:creationId xmlns:a16="http://schemas.microsoft.com/office/drawing/2014/main" id="{91ECB55B-1538-FB75-3C70-A719129E95B6}"/>
+              </a:ext>
+            </a:extLst>
+          </p:cNvPr>
+          <p:cNvSpPr>
+            <a:spLocks noGrp="1"/>
+          </p:cNvSpPr>
+          <p:nvPr>
+            <p:ph idx="1"/>
+          </p:nvPr>
+        </p:nvSpPr>
+        <p:spPr>
+          <a:xfrm>
+            <a:off x="1451579" y="2015733"/>
+            <a:ext cx="9603275" cy="1413268"/>
+          </a:xfrm>
+        </p:spPr>
+        <p:txBody>
+          <a:bodyPr/>
+          <a:lstStyle/>
+          <a:p>
+            <a:r>
+              <a:rPr lang="en-US" dirty="0"/>
+              <a:t>Simple language, low nuance, low variance of terms, able to simplify with stem/</a:t>
+            </a:r>
+            <a:r>
+              <a:rPr lang="en-US" dirty="0" err="1"/>
+              <a:t>lem</a:t>
+            </a:r>
+            <a:r>
+              <a:rPr lang="en-US" dirty="0"/>
+              <a:t> all make this more likely to work well. </a:t>
+            </a:r>
+          </a:p>
+          <a:p>
+            <a:r>
+              <a:rPr lang="en-US" dirty="0"/>
+              <a:t>Generates a “Bag of Words”</a:t>
+            </a:r>
+          </a:p>
+        </p:txBody>
+      </p:sp>
+      <p:pic>
+        <p:nvPicPr>
+          <p:cNvPr id="4098" name="Picture 2" descr="What Is Text Vectorization? Everything You Need to Know">
+            <a:extLst>
+              <a:ext uri="{FF2B5EF4-FFF2-40B4-BE49-F238E27FC236}">
+                <a16:creationId xmlns:a16="http://schemas.microsoft.com/office/drawing/2014/main" id="{A276DA80-8911-0CFE-BE5B-C955D155DB4F}"/>
+              </a:ext>
+            </a:extLst>
+          </p:cNvPr>
+          <p:cNvPicPr>
+            <a:picLocks noChangeAspect="1" noChangeArrowheads="1"/>
+          </p:cNvPicPr>
+          <p:nvPr/>
+        </p:nvPicPr>
+        <p:blipFill>
+          <a:blip r:embed="rId2">
+            <a:extLst>
+              <a:ext uri="{28A0092B-C50C-407E-A947-70E740481C1C}">
+                <a14:useLocalDpi xmlns:a14="http://schemas.microsoft.com/office/drawing/2010/main" val="0"/>
+              </a:ext>
+            </a:extLst>
+          </a:blip>
+          <a:srcRect/>
+          <a:stretch>
+            <a:fillRect/>
+          </a:stretch>
+        </p:blipFill>
+        <p:spPr bwMode="auto">
+          <a:xfrm>
+            <a:off x="2504861" y="3546953"/>
+            <a:ext cx="7496710" cy="3311047"/>
+          </a:xfrm>
+          <a:prstGeom prst="rect">
+            <a:avLst/>
+          </a:prstGeom>
+          <a:noFill/>
+          <a:extLst>
+            <a:ext uri="{909E8E84-426E-40DD-AFC4-6F175D3DCCD1}">
+              <a14:hiddenFill xmlns:a14="http://schemas.microsoft.com/office/drawing/2010/main">
+                <a:solidFill>
+                  <a:srgbClr val="FFFFFF"/>
+                </a:solidFill>
+              </a14:hiddenFill>
+            </a:ext>
+          </a:extLst>
+        </p:spPr>
+      </p:pic>
+    </p:spTree>
+    <p:extLst>
+      <p:ext uri="{BB962C8B-B14F-4D97-AF65-F5344CB8AC3E}">
+        <p14:creationId xmlns:p14="http://schemas.microsoft.com/office/powerpoint/2010/main" val="3168217185"/>
       </p:ext>
     </p:extLst>
   </p:cSld>
@@ -6429,7 +7094,7 @@
           <p:cNvPr id="2" name="Title 1">
             <a:extLst>
               <a:ext uri="{FF2B5EF4-FFF2-40B4-BE49-F238E27FC236}">
-                <a16:creationId xmlns:a16="http://schemas.microsoft.com/office/drawing/2014/main" id="{8679B690-9866-DC1A-D94C-4EB52FA92822}"/>
+                <a16:creationId xmlns:a16="http://schemas.microsoft.com/office/drawing/2014/main" id="{28CBFA53-8C71-98B2-AE8A-EE4BFF2A2554}"/>
               </a:ext>
             </a:extLst>
           </p:cNvPr>
@@ -6454,84 +7119,17 @@
           <a:p>
             <a:r>
               <a:rPr lang="en-US" dirty="0"/>
-              <a:t>Latent Semantic Analysis (w/ Truncated Singular Value Decomposition)</a:t>
-            </a:r>
-          </a:p>
-        </p:txBody>
-      </p:sp>
-      <p:sp>
-        <p:nvSpPr>
-          <p:cNvPr id="3" name="Content Placeholder 2">
+              <a:t>TF-IDF Vectorization</a:t>
+            </a:r>
+          </a:p>
+        </p:txBody>
+      </p:sp>
+      <p:pic>
+        <p:nvPicPr>
+          <p:cNvPr id="3076" name="Picture 4" descr="Concept | Handling text features for machine learning - Dataiku Knowledge  Base">
             <a:extLst>
               <a:ext uri="{FF2B5EF4-FFF2-40B4-BE49-F238E27FC236}">
-                <a16:creationId xmlns:a16="http://schemas.microsoft.com/office/drawing/2014/main" id="{840C68D2-81D6-BC6D-929A-8CAD86161962}"/>
-              </a:ext>
-            </a:extLst>
-          </p:cNvPr>
-          <p:cNvSpPr>
-            <a:spLocks noGrp="1"/>
-          </p:cNvSpPr>
-          <p:nvPr>
-            <p:ph idx="1"/>
-          </p:nvPr>
-        </p:nvSpPr>
-        <p:spPr>
-          <a:xfrm>
-            <a:off x="0" y="1853754"/>
-            <a:ext cx="4839127" cy="4273416"/>
-          </a:xfrm>
-        </p:spPr>
-        <p:txBody>
-          <a:bodyPr>
-            <a:normAutofit/>
-          </a:bodyPr>
-          <a:lstStyle/>
-          <a:p>
-            <a:r>
-              <a:rPr lang="en-US" dirty="0"/>
-              <a:t>Uses linear algebra decomposition, similar to PCA, to generate ‘topics’.</a:t>
-            </a:r>
-          </a:p>
-          <a:p>
-            <a:pPr lvl="1"/>
-            <a:r>
-              <a:rPr lang="en-US" dirty="0"/>
-              <a:t>Like PCA components.  </a:t>
-            </a:r>
-          </a:p>
-          <a:p>
-            <a:r>
-              <a:rPr lang="en-US" dirty="0"/>
-              <a:t>These topics are ‘latent’ – they are not seen in the raw data directly. </a:t>
-            </a:r>
-          </a:p>
-          <a:p>
-            <a:pPr lvl="1"/>
-            <a:r>
-              <a:rPr lang="en-US" dirty="0"/>
-              <a:t>Scores on different topics are the features. </a:t>
-            </a:r>
-          </a:p>
-          <a:p>
-            <a:r>
-              <a:rPr lang="en-US" dirty="0"/>
-              <a:t>Given enough data, these topics can be quite relevant to the meaning. </a:t>
-            </a:r>
-          </a:p>
-          <a:p>
-            <a:r>
-              <a:rPr lang="en-US" dirty="0"/>
-              <a:t>Can reduce noise by ‘focusing’ on topics. </a:t>
-            </a:r>
-          </a:p>
-        </p:txBody>
-      </p:sp>
-      <p:pic>
-        <p:nvPicPr>
-          <p:cNvPr id="5124" name="Picture 4" descr="Topic Modelling using LSA | Guide to Master NLP (Part 16)">
-            <a:extLst>
-              <a:ext uri="{FF2B5EF4-FFF2-40B4-BE49-F238E27FC236}">
-                <a16:creationId xmlns:a16="http://schemas.microsoft.com/office/drawing/2014/main" id="{A36F0694-0AFE-756F-0AF3-46C47BB5AF97}"/>
+                <a16:creationId xmlns:a16="http://schemas.microsoft.com/office/drawing/2014/main" id="{309C3DBA-FB50-AB32-D63C-7FCE3F79A718}"/>
               </a:ext>
             </a:extLst>
           </p:cNvPr>
@@ -6554,8 +7152,8 @@
         </p:blipFill>
         <p:spPr bwMode="auto">
           <a:xfrm>
-            <a:off x="4777946" y="2276931"/>
-            <a:ext cx="7414054" cy="3428997"/>
+            <a:off x="-14969" y="1853754"/>
+            <a:ext cx="8896439" cy="5004246"/>
           </a:xfrm>
           <a:prstGeom prst="rect">
             <a:avLst/>
@@ -6572,10 +7170,95 @@
           </a:extLst>
         </p:spPr>
       </p:pic>
+      <p:sp>
+        <p:nvSpPr>
+          <p:cNvPr id="3" name="Content Placeholder 2">
+            <a:extLst>
+              <a:ext uri="{FF2B5EF4-FFF2-40B4-BE49-F238E27FC236}">
+                <a16:creationId xmlns:a16="http://schemas.microsoft.com/office/drawing/2014/main" id="{948E7C8C-4470-A5AE-CE01-5CEC749FCADA}"/>
+              </a:ext>
+            </a:extLst>
+          </p:cNvPr>
+          <p:cNvSpPr>
+            <a:spLocks noGrp="1"/>
+          </p:cNvSpPr>
+          <p:nvPr>
+            <p:ph idx="1"/>
+          </p:nvPr>
+        </p:nvSpPr>
+        <p:spPr>
+          <a:xfrm>
+            <a:off x="8881470" y="2015734"/>
+            <a:ext cx="3310530" cy="4037747"/>
+          </a:xfrm>
+        </p:spPr>
+        <p:txBody>
+          <a:bodyPr>
+            <a:normAutofit/>
+          </a:bodyPr>
+          <a:lstStyle/>
+          <a:p>
+            <a:r>
+              <a:rPr lang="en-US" dirty="0"/>
+              <a:t>Adds frequency calculations to weight significant tokens. </a:t>
+            </a:r>
+          </a:p>
+          <a:p>
+            <a:pPr lvl="1"/>
+            <a:r>
+              <a:rPr lang="en-US" dirty="0"/>
+              <a:t>Frequent words are less important to meaning. </a:t>
+            </a:r>
+          </a:p>
+          <a:p>
+            <a:pPr lvl="1"/>
+            <a:r>
+              <a:rPr lang="en-US" dirty="0"/>
+              <a:t>Super rare words are less important to meaning. </a:t>
+            </a:r>
+          </a:p>
+          <a:p>
+            <a:r>
+              <a:rPr lang="en-US" dirty="0"/>
+              <a:t>“Smarter” than just using the straight count. </a:t>
+            </a:r>
+          </a:p>
+        </p:txBody>
+      </p:sp>
+      <p:pic>
+        <p:nvPicPr>
+          <p:cNvPr id="4" name="Picture 3">
+            <a:extLst>
+              <a:ext uri="{FF2B5EF4-FFF2-40B4-BE49-F238E27FC236}">
+                <a16:creationId xmlns:a16="http://schemas.microsoft.com/office/drawing/2014/main" id="{3BBF2E84-24B5-E605-4CB5-C0224BAAD2D0}"/>
+              </a:ext>
+            </a:extLst>
+          </p:cNvPr>
+          <p:cNvPicPr>
+            <a:picLocks noChangeAspect="1"/>
+          </p:cNvPicPr>
+          <p:nvPr/>
+        </p:nvPicPr>
+        <p:blipFill>
+          <a:blip r:embed="rId3"/>
+          <a:stretch>
+            <a:fillRect/>
+          </a:stretch>
+        </p:blipFill>
+        <p:spPr>
+          <a:xfrm>
+            <a:off x="6934200" y="222170"/>
+            <a:ext cx="5257800" cy="1181100"/>
+          </a:xfrm>
+          <a:prstGeom prst="rect">
+            <a:avLst/>
+          </a:prstGeom>
+        </p:spPr>
+      </p:pic>
     </p:spTree>
     <p:extLst>
       <p:ext uri="{BB962C8B-B14F-4D97-AF65-F5344CB8AC3E}">
-        <p14:creationId xmlns:p14="http://schemas.microsoft.com/office/powerpoint/2010/main" val="686802632"/>
+        <p14:creationId xmlns:p14="http://schemas.microsoft.com/office/powerpoint/2010/main" val="2694037206"/>
       </p:ext>
     </p:extLst>
   </p:cSld>
@@ -6631,6 +7314,208 @@
           <p:cNvPr id="2" name="Title 1">
             <a:extLst>
               <a:ext uri="{FF2B5EF4-FFF2-40B4-BE49-F238E27FC236}">
+                <a16:creationId xmlns:a16="http://schemas.microsoft.com/office/drawing/2014/main" id="{8679B690-9866-DC1A-D94C-4EB52FA92822}"/>
+              </a:ext>
+            </a:extLst>
+          </p:cNvPr>
+          <p:cNvSpPr>
+            <a:spLocks noGrp="1"/>
+          </p:cNvSpPr>
+          <p:nvPr>
+            <p:ph type="title"/>
+          </p:nvPr>
+        </p:nvSpPr>
+        <p:spPr>
+          <a:xfrm>
+            <a:off x="1451579" y="804519"/>
+            <a:ext cx="9603275" cy="1049235"/>
+          </a:xfrm>
+        </p:spPr>
+        <p:txBody>
+          <a:bodyPr>
+            <a:normAutofit/>
+          </a:bodyPr>
+          <a:lstStyle/>
+          <a:p>
+            <a:r>
+              <a:rPr lang="en-US" dirty="0"/>
+              <a:t>Latent Semantic Analysis (w/ Truncated Singular Value Decomposition)</a:t>
+            </a:r>
+          </a:p>
+        </p:txBody>
+      </p:sp>
+      <p:sp>
+        <p:nvSpPr>
+          <p:cNvPr id="3" name="Content Placeholder 2">
+            <a:extLst>
+              <a:ext uri="{FF2B5EF4-FFF2-40B4-BE49-F238E27FC236}">
+                <a16:creationId xmlns:a16="http://schemas.microsoft.com/office/drawing/2014/main" id="{840C68D2-81D6-BC6D-929A-8CAD86161962}"/>
+              </a:ext>
+            </a:extLst>
+          </p:cNvPr>
+          <p:cNvSpPr>
+            <a:spLocks noGrp="1"/>
+          </p:cNvSpPr>
+          <p:nvPr>
+            <p:ph idx="1"/>
+          </p:nvPr>
+        </p:nvSpPr>
+        <p:spPr>
+          <a:xfrm>
+            <a:off x="0" y="1853754"/>
+            <a:ext cx="4839127" cy="4273416"/>
+          </a:xfrm>
+        </p:spPr>
+        <p:txBody>
+          <a:bodyPr>
+            <a:normAutofit/>
+          </a:bodyPr>
+          <a:lstStyle/>
+          <a:p>
+            <a:r>
+              <a:rPr lang="en-US" dirty="0"/>
+              <a:t>Uses linear algebra decomposition, similar to PCA, to generate ‘topics’.</a:t>
+            </a:r>
+          </a:p>
+          <a:p>
+            <a:pPr lvl="1"/>
+            <a:r>
+              <a:rPr lang="en-US" dirty="0"/>
+              <a:t>Like PCA components.  </a:t>
+            </a:r>
+          </a:p>
+          <a:p>
+            <a:r>
+              <a:rPr lang="en-US" dirty="0"/>
+              <a:t>These topics are ‘latent’ – they are not seen in the raw data directly. </a:t>
+            </a:r>
+          </a:p>
+          <a:p>
+            <a:pPr lvl="1"/>
+            <a:r>
+              <a:rPr lang="en-US" dirty="0"/>
+              <a:t>Scores on different topics are the features. </a:t>
+            </a:r>
+          </a:p>
+          <a:p>
+            <a:r>
+              <a:rPr lang="en-US" dirty="0"/>
+              <a:t>Given enough data, these topics can be quite relevant to the meaning. </a:t>
+            </a:r>
+          </a:p>
+          <a:p>
+            <a:r>
+              <a:rPr lang="en-US" dirty="0"/>
+              <a:t>Can reduce noise by ‘focusing’ on topics. </a:t>
+            </a:r>
+          </a:p>
+        </p:txBody>
+      </p:sp>
+      <p:pic>
+        <p:nvPicPr>
+          <p:cNvPr id="5124" name="Picture 4" descr="Topic Modelling using LSA | Guide to Master NLP (Part 16)">
+            <a:extLst>
+              <a:ext uri="{FF2B5EF4-FFF2-40B4-BE49-F238E27FC236}">
+                <a16:creationId xmlns:a16="http://schemas.microsoft.com/office/drawing/2014/main" id="{A36F0694-0AFE-756F-0AF3-46C47BB5AF97}"/>
+              </a:ext>
+            </a:extLst>
+          </p:cNvPr>
+          <p:cNvPicPr>
+            <a:picLocks noChangeAspect="1" noChangeArrowheads="1"/>
+          </p:cNvPicPr>
+          <p:nvPr/>
+        </p:nvPicPr>
+        <p:blipFill>
+          <a:blip r:embed="rId2">
+            <a:extLst>
+              <a:ext uri="{28A0092B-C50C-407E-A947-70E740481C1C}">
+                <a14:useLocalDpi xmlns:a14="http://schemas.microsoft.com/office/drawing/2010/main" val="0"/>
+              </a:ext>
+            </a:extLst>
+          </a:blip>
+          <a:stretch>
+            <a:fillRect/>
+          </a:stretch>
+        </p:blipFill>
+        <p:spPr bwMode="auto">
+          <a:xfrm>
+            <a:off x="4777946" y="2276931"/>
+            <a:ext cx="7414054" cy="3428997"/>
+          </a:xfrm>
+          <a:prstGeom prst="rect">
+            <a:avLst/>
+          </a:prstGeom>
+          <a:noFill/>
+          <a:extLst>
+            <a:ext uri="{909E8E84-426E-40DD-AFC4-6F175D3DCCD1}">
+              <a14:hiddenFill xmlns:a14="http://schemas.microsoft.com/office/drawing/2010/main">
+                <a:solidFill>
+                  <a:srgbClr val="FFFFFF"/>
+                </a:solidFill>
+              </a14:hiddenFill>
+            </a:ext>
+          </a:extLst>
+        </p:spPr>
+      </p:pic>
+    </p:spTree>
+    <p:extLst>
+      <p:ext uri="{BB962C8B-B14F-4D97-AF65-F5344CB8AC3E}">
+        <p14:creationId xmlns:p14="http://schemas.microsoft.com/office/powerpoint/2010/main" val="686802632"/>
+      </p:ext>
+    </p:extLst>
+  </p:cSld>
+  <p:clrMapOvr>
+    <a:masterClrMapping/>
+  </p:clrMapOvr>
+</p:sld>
+</file>
+
+<file path=ppt/slides/slide8.xml><?xml version="1.0" encoding="utf-8"?>
+<p:sld xmlns:a="http://schemas.openxmlformats.org/drawingml/2006/main" xmlns:r="http://schemas.openxmlformats.org/officeDocument/2006/relationships" xmlns:p="http://schemas.openxmlformats.org/presentationml/2006/main">
+  <p:cSld>
+    <p:bg>
+      <p:bgPr>
+        <a:gradFill rotWithShape="1">
+          <a:gsLst>
+            <a:gs pos="0">
+              <a:schemeClr val="bg2">
+                <a:tint val="94000"/>
+                <a:satMod val="80000"/>
+                <a:lumMod val="106000"/>
+              </a:schemeClr>
+            </a:gs>
+            <a:gs pos="100000">
+              <a:schemeClr val="bg2">
+                <a:shade val="80000"/>
+              </a:schemeClr>
+            </a:gs>
+          </a:gsLst>
+          <a:path path="circle">
+            <a:fillToRect l="43000" r="43000" b="100000"/>
+          </a:path>
+        </a:gradFill>
+        <a:effectLst/>
+      </p:bgPr>
+    </p:bg>
+    <p:spTree>
+      <p:nvGrpSpPr>
+        <p:cNvPr id="1" name=""/>
+        <p:cNvGrpSpPr/>
+        <p:nvPr/>
+      </p:nvGrpSpPr>
+      <p:grpSpPr>
+        <a:xfrm>
+          <a:off x="0" y="0"/>
+          <a:ext cx="0" cy="0"/>
+          <a:chOff x="0" y="0"/>
+          <a:chExt cx="0" cy="0"/>
+        </a:xfrm>
+      </p:grpSpPr>
+      <p:sp>
+        <p:nvSpPr>
+          <p:cNvPr id="2" name="Title 1">
+            <a:extLst>
+              <a:ext uri="{FF2B5EF4-FFF2-40B4-BE49-F238E27FC236}">
                 <a16:creationId xmlns:a16="http://schemas.microsoft.com/office/drawing/2014/main" id="{00C110EE-4BC3-B57C-E7C4-42A006A930DF}"/>
               </a:ext>
             </a:extLst>
@@ -6809,9 +7694,33 @@
 </p:sld>
 </file>
 
-<file path=ppt/slides/slide8.xml><?xml version="1.0" encoding="utf-8"?>
-<p:sld xmlns:a="http://schemas.openxmlformats.org/drawingml/2006/main" xmlns:r="http://schemas.openxmlformats.org/officeDocument/2006/relationships" xmlns:p="http://schemas.openxmlformats.org/presentationml/2006/main" show="0">
+<file path=ppt/slides/slide9.xml><?xml version="1.0" encoding="utf-8"?>
+<p:sld xmlns:a="http://schemas.openxmlformats.org/drawingml/2006/main" xmlns:r="http://schemas.openxmlformats.org/officeDocument/2006/relationships" xmlns:p="http://schemas.openxmlformats.org/presentationml/2006/main">
   <p:cSld>
+    <p:bg>
+      <p:bgPr>
+        <a:gradFill rotWithShape="1">
+          <a:gsLst>
+            <a:gs pos="0">
+              <a:schemeClr val="bg2">
+                <a:tint val="94000"/>
+                <a:satMod val="80000"/>
+                <a:lumMod val="106000"/>
+              </a:schemeClr>
+            </a:gs>
+            <a:gs pos="100000">
+              <a:schemeClr val="bg2">
+                <a:shade val="80000"/>
+              </a:schemeClr>
+            </a:gs>
+          </a:gsLst>
+          <a:path path="circle">
+            <a:fillToRect l="43000" r="43000" b="100000"/>
+          </a:path>
+        </a:gradFill>
+        <a:effectLst/>
+      </p:bgPr>
+    </p:bg>
     <p:spTree>
       <p:nvGrpSpPr>
         <p:cNvPr id="1" name=""/>
@@ -6831,7 +7740,7 @@
           <p:cNvPr id="2" name="Title 1">
             <a:extLst>
               <a:ext uri="{FF2B5EF4-FFF2-40B4-BE49-F238E27FC236}">
-                <a16:creationId xmlns:a16="http://schemas.microsoft.com/office/drawing/2014/main" id="{039704E1-9AF3-2EA5-DD1D-2F4D422DC7E1}"/>
+                <a16:creationId xmlns:a16="http://schemas.microsoft.com/office/drawing/2014/main" id="{B2354C84-9C79-C00B-6E01-49800A1E7297}"/>
               </a:ext>
             </a:extLst>
           </p:cNvPr>
@@ -6842,92 +7751,31 @@
             <p:ph type="title"/>
           </p:nvPr>
         </p:nvSpPr>
-        <p:spPr/>
-        <p:txBody>
-          <a:bodyPr/>
-          <a:lstStyle/>
-          <a:p>
-            <a:r>
-              <a:rPr lang="en-US" dirty="0"/>
-              <a:t>Embedding Based Representations</a:t>
-            </a:r>
-          </a:p>
-        </p:txBody>
-      </p:sp>
-      <p:sp>
-        <p:nvSpPr>
-          <p:cNvPr id="3" name="Content Placeholder 2">
+        <p:spPr>
+          <a:xfrm>
+            <a:off x="1451579" y="804519"/>
+            <a:ext cx="9603275" cy="1049235"/>
+          </a:xfrm>
+        </p:spPr>
+        <p:txBody>
+          <a:bodyPr>
+            <a:normAutofit/>
+          </a:bodyPr>
+          <a:lstStyle/>
+          <a:p>
+            <a:r>
+              <a:rPr lang="en-US" dirty="0"/>
+              <a:t>Word2Vec Differences</a:t>
+            </a:r>
+          </a:p>
+        </p:txBody>
+      </p:sp>
+      <p:pic>
+        <p:nvPicPr>
+          <p:cNvPr id="7170" name="Picture 2" descr="CBOW and Skipgram models">
             <a:extLst>
               <a:ext uri="{FF2B5EF4-FFF2-40B4-BE49-F238E27FC236}">
-                <a16:creationId xmlns:a16="http://schemas.microsoft.com/office/drawing/2014/main" id="{091D0900-6381-6C87-7B8F-1F276AFA9738}"/>
-              </a:ext>
-            </a:extLst>
-          </p:cNvPr>
-          <p:cNvSpPr>
-            <a:spLocks noGrp="1"/>
-          </p:cNvSpPr>
-          <p:nvPr>
-            <p:ph idx="1"/>
-          </p:nvPr>
-        </p:nvSpPr>
-        <p:spPr>
-          <a:xfrm>
-            <a:off x="840259" y="1853754"/>
-            <a:ext cx="10840995" cy="2012849"/>
-          </a:xfrm>
-        </p:spPr>
-        <p:txBody>
-          <a:bodyPr>
-            <a:normAutofit fontScale="92500" lnSpcReduction="20000"/>
-          </a:bodyPr>
-          <a:lstStyle/>
-          <a:p>
-            <a:r>
-              <a:rPr lang="en-US" dirty="0"/>
-              <a:t>Embedding representations are the most complex of the options. </a:t>
-            </a:r>
-          </a:p>
-          <a:p>
-            <a:r>
-              <a:rPr lang="en-US" dirty="0"/>
-              <a:t>A model learns ‘meaning’ by training on lots of text, and generates an N-dim ‘space’. </a:t>
-            </a:r>
-          </a:p>
-          <a:p>
-            <a:r>
-              <a:rPr lang="en-US" dirty="0"/>
-              <a:t>Word meanings are the N-dim position of each token in space. GPT is </a:t>
-            </a:r>
-            <a:r>
-              <a:rPr lang="en-US" dirty="0" err="1"/>
-              <a:t>apx</a:t>
-            </a:r>
-            <a:r>
-              <a:rPr lang="en-US" dirty="0"/>
-              <a:t> 1500d now (was larger).</a:t>
-            </a:r>
-          </a:p>
-          <a:p>
-            <a:pPr lvl="1"/>
-            <a:r>
-              <a:rPr lang="en-US" dirty="0"/>
-              <a:t>Similar terms are close (thought the number of dimensions makes this harder to picture). </a:t>
-            </a:r>
-          </a:p>
-          <a:p>
-            <a:r>
-              <a:rPr lang="en-US" dirty="0"/>
-              <a:t>We need to condense these scores down to use in our model (MVE function in example). </a:t>
-            </a:r>
-          </a:p>
-        </p:txBody>
-      </p:sp>
-      <p:pic>
-        <p:nvPicPr>
-          <p:cNvPr id="2050" name="Picture 2" descr="A Guide to Word Embedding. What are they? How are they more useful… | by  Shraddha Anala | Towards Data Science">
-            <a:extLst>
-              <a:ext uri="{FF2B5EF4-FFF2-40B4-BE49-F238E27FC236}">
-                <a16:creationId xmlns:a16="http://schemas.microsoft.com/office/drawing/2014/main" id="{F50E5BBC-0081-3D2F-02A8-E8B62A832C80}"/>
+                <a16:creationId xmlns:a16="http://schemas.microsoft.com/office/drawing/2014/main" id="{7469A4F4-01CD-6BBB-34E4-D43697AF392C}"/>
               </a:ext>
             </a:extLst>
           </p:cNvPr>
@@ -6936,7 +7784,7 @@
           </p:cNvPicPr>
           <p:nvPr/>
         </p:nvPicPr>
-        <p:blipFill rotWithShape="1">
+        <p:blipFill>
           <a:blip r:embed="rId2">
             <a:extLst>
               <a:ext uri="{28A0092B-C50C-407E-A947-70E740481C1C}">
@@ -6944,13 +7792,14 @@
               </a:ext>
             </a:extLst>
           </a:blip>
-          <a:srcRect t="5915" b="6169"/>
-          <a:stretch/>
+          <a:stretch>
+            <a:fillRect/>
+          </a:stretch>
         </p:blipFill>
         <p:spPr bwMode="auto">
           <a:xfrm>
-            <a:off x="1698171" y="3866604"/>
-            <a:ext cx="8795657" cy="2991396"/>
+            <a:off x="0" y="1854366"/>
+            <a:ext cx="6836144" cy="4340951"/>
           </a:xfrm>
           <a:prstGeom prst="rect">
             <a:avLst/>
@@ -6967,161 +7816,77 @@
           </a:extLst>
         </p:spPr>
       </p:pic>
+      <p:sp>
+        <p:nvSpPr>
+          <p:cNvPr id="3" name="Content Placeholder 2">
+            <a:extLst>
+              <a:ext uri="{FF2B5EF4-FFF2-40B4-BE49-F238E27FC236}">
+                <a16:creationId xmlns:a16="http://schemas.microsoft.com/office/drawing/2014/main" id="{C55F4401-97F8-908C-60A2-5B384CCECD11}"/>
+              </a:ext>
+            </a:extLst>
+          </p:cNvPr>
+          <p:cNvSpPr>
+            <a:spLocks noGrp="1"/>
+          </p:cNvSpPr>
+          <p:nvPr>
+            <p:ph idx="1"/>
+          </p:nvPr>
+        </p:nvSpPr>
+        <p:spPr>
+          <a:xfrm>
+            <a:off x="6892299" y="1853754"/>
+            <a:ext cx="5299701" cy="4199727"/>
+          </a:xfrm>
+        </p:spPr>
+        <p:txBody>
+          <a:bodyPr>
+            <a:normAutofit lnSpcReduction="10000"/>
+          </a:bodyPr>
+          <a:lstStyle/>
+          <a:p>
+            <a:r>
+              <a:rPr lang="en-US" dirty="0"/>
+              <a:t>Word2Vec is more complex and elaborate, the vector it returns isn’t based on simple counts. </a:t>
+            </a:r>
+          </a:p>
+          <a:p>
+            <a:r>
+              <a:rPr lang="en-US" dirty="0"/>
+              <a:t>The model learns (internally) based on word sequence as well. </a:t>
+            </a:r>
+          </a:p>
+          <a:p>
+            <a:pPr lvl="1"/>
+            <a:r>
+              <a:rPr lang="en-US" dirty="0"/>
+              <a:t>The approaches Continuous Bag of Words and Skip-gram are alternate approaches. </a:t>
+            </a:r>
+          </a:p>
+          <a:p>
+            <a:pPr lvl="1"/>
+            <a:r>
+              <a:rPr lang="en-US" dirty="0"/>
+              <a:t>They each use surrounding words (the window) to add context to help with meaning.</a:t>
+            </a:r>
+          </a:p>
+          <a:p>
+            <a:r>
+              <a:rPr lang="en-US" dirty="0"/>
+              <a:t>Result is a vector representation that considers statements as a whole (or larger parts). </a:t>
+            </a:r>
+          </a:p>
+          <a:p>
+            <a:r>
+              <a:rPr lang="en-US" dirty="0"/>
+              <a:t>There’s also a doc2vec, that does docs natively.</a:t>
+            </a:r>
+          </a:p>
+        </p:txBody>
+      </p:sp>
     </p:spTree>
     <p:extLst>
       <p:ext uri="{BB962C8B-B14F-4D97-AF65-F5344CB8AC3E}">
-        <p14:creationId xmlns:p14="http://schemas.microsoft.com/office/powerpoint/2010/main" val="868607402"/>
-      </p:ext>
-    </p:extLst>
-  </p:cSld>
-  <p:clrMapOvr>
-    <a:masterClrMapping/>
-  </p:clrMapOvr>
-</p:sld>
-</file>
-
-<file path=ppt/slides/slide9.xml><?xml version="1.0" encoding="utf-8"?>
-<p:sld xmlns:a="http://schemas.openxmlformats.org/drawingml/2006/main" xmlns:r="http://schemas.openxmlformats.org/officeDocument/2006/relationships" xmlns:p="http://schemas.openxmlformats.org/presentationml/2006/main">
-  <p:cSld>
-    <p:spTree>
-      <p:nvGrpSpPr>
-        <p:cNvPr id="1" name=""/>
-        <p:cNvGrpSpPr/>
-        <p:nvPr/>
-      </p:nvGrpSpPr>
-      <p:grpSpPr>
-        <a:xfrm>
-          <a:off x="0" y="0"/>
-          <a:ext cx="0" cy="0"/>
-          <a:chOff x="0" y="0"/>
-          <a:chExt cx="0" cy="0"/>
-        </a:xfrm>
-      </p:grpSpPr>
-      <p:sp>
-        <p:nvSpPr>
-          <p:cNvPr id="2" name="Title 1">
-            <a:extLst>
-              <a:ext uri="{FF2B5EF4-FFF2-40B4-BE49-F238E27FC236}">
-                <a16:creationId xmlns:a16="http://schemas.microsoft.com/office/drawing/2014/main" id="{640DF8E3-8243-22AA-A9D3-639218D3F0AD}"/>
-              </a:ext>
-            </a:extLst>
-          </p:cNvPr>
-          <p:cNvSpPr>
-            <a:spLocks noGrp="1"/>
-          </p:cNvSpPr>
-          <p:nvPr>
-            <p:ph type="title"/>
-          </p:nvPr>
-        </p:nvSpPr>
-        <p:spPr/>
-        <p:txBody>
-          <a:bodyPr/>
-          <a:lstStyle/>
-          <a:p>
-            <a:r>
-              <a:rPr lang="en-US" dirty="0"/>
-              <a:t>In any Case…</a:t>
-            </a:r>
-          </a:p>
-        </p:txBody>
-      </p:sp>
-      <p:sp>
-        <p:nvSpPr>
-          <p:cNvPr id="3" name="Content Placeholder 2">
-            <a:extLst>
-              <a:ext uri="{FF2B5EF4-FFF2-40B4-BE49-F238E27FC236}">
-                <a16:creationId xmlns:a16="http://schemas.microsoft.com/office/drawing/2014/main" id="{A7D5B938-D3D5-E007-26B4-D572ACCC257E}"/>
-              </a:ext>
-            </a:extLst>
-          </p:cNvPr>
-          <p:cNvSpPr>
-            <a:spLocks noGrp="1"/>
-          </p:cNvSpPr>
-          <p:nvPr>
-            <p:ph idx="1"/>
-          </p:nvPr>
-        </p:nvSpPr>
-        <p:spPr>
-          <a:xfrm>
-            <a:off x="1451579" y="1853754"/>
-            <a:ext cx="9603275" cy="4199727"/>
-          </a:xfrm>
-        </p:spPr>
-        <p:txBody>
-          <a:bodyPr/>
-          <a:lstStyle/>
-          <a:p>
-            <a:r>
-              <a:rPr lang="en-US" dirty="0"/>
-              <a:t>The ’representation’ step is where most of the work is with free text. </a:t>
-            </a:r>
-          </a:p>
-          <a:p>
-            <a:r>
-              <a:rPr lang="en-US" dirty="0"/>
-              <a:t>As long as we have a vector representation, we can use that as the X dataset. </a:t>
-            </a:r>
-          </a:p>
-          <a:p>
-            <a:pPr lvl="1"/>
-            <a:r>
-              <a:rPr lang="en-US" dirty="0"/>
-              <a:t>I.e. each feature set (text) is represented by a N-dimension vector (set of </a:t>
-            </a:r>
-            <a:r>
-              <a:rPr lang="en-US" dirty="0" err="1"/>
-              <a:t>nums</a:t>
-            </a:r>
-            <a:r>
-              <a:rPr lang="en-US" dirty="0"/>
-              <a:t>.)</a:t>
-            </a:r>
-          </a:p>
-          <a:p>
-            <a:pPr lvl="1"/>
-            <a:r>
-              <a:rPr lang="en-US" dirty="0"/>
-              <a:t>The target is the value we want to predict from the text. </a:t>
-            </a:r>
-          </a:p>
-          <a:p>
-            <a:r>
-              <a:rPr lang="en-US" dirty="0"/>
-              <a:t>The quality of that representation, for our problem, is key. The vector captures meaning.</a:t>
-            </a:r>
-          </a:p>
-          <a:p>
-            <a:pPr lvl="1"/>
-            <a:r>
-              <a:rPr lang="en-US" dirty="0"/>
-              <a:t>Vectorization choice, number of features/dimensions, and data size. </a:t>
-            </a:r>
-          </a:p>
-          <a:p>
-            <a:pPr lvl="1"/>
-            <a:r>
-              <a:rPr lang="en-US" dirty="0"/>
-              <a:t>Processing stemming, lemmatization, n-gram size, and stop word filters. </a:t>
-            </a:r>
-          </a:p>
-          <a:p>
-            <a:r>
-              <a:rPr lang="en-US" dirty="0"/>
-              <a:t>There isn’t a guarantee that the most sophisticated will be best, especially with small data. </a:t>
-            </a:r>
-          </a:p>
-          <a:p>
-            <a:r>
-              <a:rPr lang="en-US" dirty="0"/>
-              <a:t>Other models (RNN, transformers) can handle text better using the sequence of tokens.</a:t>
-            </a:r>
-          </a:p>
-        </p:txBody>
-      </p:sp>
-    </p:spTree>
-    <p:extLst>
-      <p:ext uri="{BB962C8B-B14F-4D97-AF65-F5344CB8AC3E}">
-        <p14:creationId xmlns:p14="http://schemas.microsoft.com/office/powerpoint/2010/main" val="2469263841"/>
+        <p14:creationId xmlns:p14="http://schemas.microsoft.com/office/powerpoint/2010/main" val="3451078435"/>
       </p:ext>
     </p:extLst>
   </p:cSld>
